--- a/doc/git概念和操作.pptx
+++ b/doc/git概念和操作.pptx
@@ -6,7 +6,7 @@
     <p:sldMasterId id="2147483661" r:id="rId2"/>
   </p:sldMasterIdLst>
   <p:notesMasterIdLst>
-    <p:notesMasterId r:id="rId88"/>
+    <p:notesMasterId r:id="rId89"/>
   </p:notesMasterIdLst>
   <p:sldIdLst>
     <p:sldId id="256" r:id="rId3"/>
@@ -56,44 +56,45 @@
     <p:sldId id="337" r:id="rId47"/>
     <p:sldId id="300" r:id="rId48"/>
     <p:sldId id="301" r:id="rId49"/>
-    <p:sldId id="302" r:id="rId50"/>
-    <p:sldId id="339" r:id="rId51"/>
-    <p:sldId id="340" r:id="rId52"/>
-    <p:sldId id="303" r:id="rId53"/>
-    <p:sldId id="338" r:id="rId54"/>
-    <p:sldId id="304" r:id="rId55"/>
-    <p:sldId id="305" r:id="rId56"/>
-    <p:sldId id="306" r:id="rId57"/>
-    <p:sldId id="307" r:id="rId58"/>
-    <p:sldId id="308" r:id="rId59"/>
-    <p:sldId id="309" r:id="rId60"/>
-    <p:sldId id="310" r:id="rId61"/>
-    <p:sldId id="311" r:id="rId62"/>
-    <p:sldId id="312" r:id="rId63"/>
-    <p:sldId id="313" r:id="rId64"/>
-    <p:sldId id="314" r:id="rId65"/>
-    <p:sldId id="315" r:id="rId66"/>
-    <p:sldId id="316" r:id="rId67"/>
-    <p:sldId id="317" r:id="rId68"/>
-    <p:sldId id="318" r:id="rId69"/>
-    <p:sldId id="319" r:id="rId70"/>
-    <p:sldId id="320" r:id="rId71"/>
-    <p:sldId id="321" r:id="rId72"/>
-    <p:sldId id="322" r:id="rId73"/>
-    <p:sldId id="323" r:id="rId74"/>
-    <p:sldId id="324" r:id="rId75"/>
-    <p:sldId id="325" r:id="rId76"/>
-    <p:sldId id="326" r:id="rId77"/>
-    <p:sldId id="327" r:id="rId78"/>
-    <p:sldId id="328" r:id="rId79"/>
-    <p:sldId id="329" r:id="rId80"/>
-    <p:sldId id="330" r:id="rId81"/>
-    <p:sldId id="331" r:id="rId82"/>
-    <p:sldId id="332" r:id="rId83"/>
-    <p:sldId id="333" r:id="rId84"/>
-    <p:sldId id="334" r:id="rId85"/>
-    <p:sldId id="335" r:id="rId86"/>
-    <p:sldId id="336" r:id="rId87"/>
+    <p:sldId id="341" r:id="rId50"/>
+    <p:sldId id="302" r:id="rId51"/>
+    <p:sldId id="339" r:id="rId52"/>
+    <p:sldId id="340" r:id="rId53"/>
+    <p:sldId id="303" r:id="rId54"/>
+    <p:sldId id="338" r:id="rId55"/>
+    <p:sldId id="304" r:id="rId56"/>
+    <p:sldId id="305" r:id="rId57"/>
+    <p:sldId id="306" r:id="rId58"/>
+    <p:sldId id="307" r:id="rId59"/>
+    <p:sldId id="308" r:id="rId60"/>
+    <p:sldId id="309" r:id="rId61"/>
+    <p:sldId id="310" r:id="rId62"/>
+    <p:sldId id="311" r:id="rId63"/>
+    <p:sldId id="312" r:id="rId64"/>
+    <p:sldId id="313" r:id="rId65"/>
+    <p:sldId id="314" r:id="rId66"/>
+    <p:sldId id="315" r:id="rId67"/>
+    <p:sldId id="316" r:id="rId68"/>
+    <p:sldId id="317" r:id="rId69"/>
+    <p:sldId id="318" r:id="rId70"/>
+    <p:sldId id="319" r:id="rId71"/>
+    <p:sldId id="320" r:id="rId72"/>
+    <p:sldId id="321" r:id="rId73"/>
+    <p:sldId id="322" r:id="rId74"/>
+    <p:sldId id="323" r:id="rId75"/>
+    <p:sldId id="324" r:id="rId76"/>
+    <p:sldId id="325" r:id="rId77"/>
+    <p:sldId id="326" r:id="rId78"/>
+    <p:sldId id="327" r:id="rId79"/>
+    <p:sldId id="328" r:id="rId80"/>
+    <p:sldId id="329" r:id="rId81"/>
+    <p:sldId id="330" r:id="rId82"/>
+    <p:sldId id="331" r:id="rId83"/>
+    <p:sldId id="332" r:id="rId84"/>
+    <p:sldId id="333" r:id="rId85"/>
+    <p:sldId id="334" r:id="rId86"/>
+    <p:sldId id="335" r:id="rId87"/>
+    <p:sldId id="336" r:id="rId88"/>
   </p:sldIdLst>
   <p:sldSz cx="9144000" cy="6858000" type="screen4x3"/>
   <p:notesSz cx="6858000" cy="9144000"/>
@@ -6345,7 +6346,7 @@
                   <a:spcPct val="100000"/>
                 </a:lnSpc>
               </a:pPr>
-              <a:t>55</a:t>
+              <a:t>56</a:t>
             </a:fld>
             <a:endParaRPr lang="en-US" sz="1800" b="0" strike="noStrike" spc="-1">
               <a:solidFill>
@@ -6439,7 +6440,7 @@
                   <a:spcPct val="100000"/>
                 </a:lnSpc>
               </a:pPr>
-              <a:t>55</a:t>
+              <a:t>56</a:t>
             </a:fld>
             <a:endParaRPr lang="en-US" sz="1400" b="0" strike="noStrike" spc="-1">
               <a:solidFill>
@@ -6538,7 +6539,7 @@
                   <a:spcPct val="100000"/>
                 </a:lnSpc>
               </a:pPr>
-              <a:t>56</a:t>
+              <a:t>57</a:t>
             </a:fld>
             <a:endParaRPr lang="en-US" sz="1800" b="0" strike="noStrike" spc="-1">
               <a:solidFill>
@@ -6632,7 +6633,7 @@
                   <a:spcPct val="100000"/>
                 </a:lnSpc>
               </a:pPr>
-              <a:t>56</a:t>
+              <a:t>57</a:t>
             </a:fld>
             <a:endParaRPr lang="en-US" sz="1400" b="0" strike="noStrike" spc="-1">
               <a:solidFill>
@@ -6731,7 +6732,7 @@
                   <a:spcPct val="100000"/>
                 </a:lnSpc>
               </a:pPr>
-              <a:t>57</a:t>
+              <a:t>58</a:t>
             </a:fld>
             <a:endParaRPr lang="en-US" sz="1800" b="0" strike="noStrike" spc="-1">
               <a:solidFill>
@@ -6825,7 +6826,7 @@
                   <a:spcPct val="100000"/>
                 </a:lnSpc>
               </a:pPr>
-              <a:t>57</a:t>
+              <a:t>58</a:t>
             </a:fld>
             <a:endParaRPr lang="en-US" sz="1400" b="0" strike="noStrike" spc="-1">
               <a:solidFill>
@@ -6924,7 +6925,7 @@
                   <a:spcPct val="100000"/>
                 </a:lnSpc>
               </a:pPr>
-              <a:t>58</a:t>
+              <a:t>59</a:t>
             </a:fld>
             <a:endParaRPr lang="en-US" sz="1800" b="0" strike="noStrike" spc="-1">
               <a:solidFill>
@@ -7018,7 +7019,7 @@
                   <a:spcPct val="100000"/>
                 </a:lnSpc>
               </a:pPr>
-              <a:t>58</a:t>
+              <a:t>59</a:t>
             </a:fld>
             <a:endParaRPr lang="en-US" sz="1400" b="0" strike="noStrike" spc="-1">
               <a:solidFill>
@@ -7310,7 +7311,7 @@
                   <a:spcPct val="100000"/>
                 </a:lnSpc>
               </a:pPr>
-              <a:t>59</a:t>
+              <a:t>60</a:t>
             </a:fld>
             <a:endParaRPr lang="en-US" sz="1800" b="0" strike="noStrike" spc="-1">
               <a:solidFill>
@@ -7404,7 +7405,7 @@
                   <a:spcPct val="100000"/>
                 </a:lnSpc>
               </a:pPr>
-              <a:t>59</a:t>
+              <a:t>60</a:t>
             </a:fld>
             <a:endParaRPr lang="en-US" sz="1400" b="0" strike="noStrike" spc="-1">
               <a:solidFill>
@@ -7503,7 +7504,7 @@
                   <a:spcPct val="100000"/>
                 </a:lnSpc>
               </a:pPr>
-              <a:t>60</a:t>
+              <a:t>61</a:t>
             </a:fld>
             <a:endParaRPr lang="en-US" sz="1800" b="0" strike="noStrike" spc="-1">
               <a:solidFill>
@@ -7597,7 +7598,7 @@
                   <a:spcPct val="100000"/>
                 </a:lnSpc>
               </a:pPr>
-              <a:t>60</a:t>
+              <a:t>61</a:t>
             </a:fld>
             <a:endParaRPr lang="en-US" sz="1400" b="0" strike="noStrike" spc="-1">
               <a:solidFill>
@@ -7716,7 +7717,7 @@
                   <a:spcPct val="100000"/>
                 </a:lnSpc>
               </a:pPr>
-              <a:t>61</a:t>
+              <a:t>62</a:t>
             </a:fld>
             <a:endParaRPr lang="en-US" sz="1400" b="0" strike="noStrike" spc="-1">
               <a:solidFill>
@@ -7835,7 +7836,7 @@
                   <a:spcPct val="100000"/>
                 </a:lnSpc>
               </a:pPr>
-              <a:t>62</a:t>
+              <a:t>63</a:t>
             </a:fld>
             <a:endParaRPr lang="en-US" sz="1400" b="0" strike="noStrike" spc="-1">
               <a:solidFill>
@@ -7934,7 +7935,7 @@
                   <a:spcPct val="100000"/>
                 </a:lnSpc>
               </a:pPr>
-              <a:t>63</a:t>
+              <a:t>64</a:t>
             </a:fld>
             <a:endParaRPr lang="en-US" sz="1800" b="0" strike="noStrike" spc="-1">
               <a:solidFill>
@@ -8028,7 +8029,7 @@
                   <a:spcPct val="100000"/>
                 </a:lnSpc>
               </a:pPr>
-              <a:t>63</a:t>
+              <a:t>64</a:t>
             </a:fld>
             <a:endParaRPr lang="en-US" sz="1400" b="0" strike="noStrike" spc="-1">
               <a:solidFill>
@@ -8127,7 +8128,7 @@
                   <a:spcPct val="100000"/>
                 </a:lnSpc>
               </a:pPr>
-              <a:t>64</a:t>
+              <a:t>65</a:t>
             </a:fld>
             <a:endParaRPr lang="en-US" sz="1800" b="0" strike="noStrike" spc="-1">
               <a:solidFill>
@@ -8221,7 +8222,7 @@
                   <a:spcPct val="100000"/>
                 </a:lnSpc>
               </a:pPr>
-              <a:t>64</a:t>
+              <a:t>65</a:t>
             </a:fld>
             <a:endParaRPr lang="en-US" sz="1400" b="0" strike="noStrike" spc="-1">
               <a:solidFill>
@@ -8320,7 +8321,7 @@
                   <a:spcPct val="100000"/>
                 </a:lnSpc>
               </a:pPr>
-              <a:t>67</a:t>
+              <a:t>68</a:t>
             </a:fld>
             <a:endParaRPr lang="en-US" sz="1800" b="0" strike="noStrike" spc="-1">
               <a:solidFill>
@@ -8414,7 +8415,7 @@
                   <a:spcPct val="100000"/>
                 </a:lnSpc>
               </a:pPr>
-              <a:t>67</a:t>
+              <a:t>68</a:t>
             </a:fld>
             <a:endParaRPr lang="en-US" sz="1400" b="0" strike="noStrike" spc="-1">
               <a:solidFill>
@@ -8513,7 +8514,7 @@
                   <a:spcPct val="100000"/>
                 </a:lnSpc>
               </a:pPr>
-              <a:t>68</a:t>
+              <a:t>69</a:t>
             </a:fld>
             <a:endParaRPr lang="en-US" sz="1800" b="0" strike="noStrike" spc="-1">
               <a:solidFill>
@@ -8607,7 +8608,7 @@
                   <a:spcPct val="100000"/>
                 </a:lnSpc>
               </a:pPr>
-              <a:t>68</a:t>
+              <a:t>69</a:t>
             </a:fld>
             <a:endParaRPr lang="en-US" sz="1400" b="0" strike="noStrike" spc="-1">
               <a:solidFill>
@@ -8706,7 +8707,7 @@
                   <a:spcPct val="100000"/>
                 </a:lnSpc>
               </a:pPr>
-              <a:t>69</a:t>
+              <a:t>70</a:t>
             </a:fld>
             <a:endParaRPr lang="en-US" sz="1800" b="0" strike="noStrike" spc="-1">
               <a:solidFill>
@@ -8800,7 +8801,7 @@
                   <a:spcPct val="100000"/>
                 </a:lnSpc>
               </a:pPr>
-              <a:t>69</a:t>
+              <a:t>70</a:t>
             </a:fld>
             <a:endParaRPr lang="en-US" sz="1400" b="0" strike="noStrike" spc="-1">
               <a:solidFill>
@@ -8899,7 +8900,7 @@
                   <a:spcPct val="100000"/>
                 </a:lnSpc>
               </a:pPr>
-              <a:t>70</a:t>
+              <a:t>71</a:t>
             </a:fld>
             <a:endParaRPr lang="en-US" sz="1800" b="0" strike="noStrike" spc="-1">
               <a:solidFill>
@@ -8993,7 +8994,7 @@
                   <a:spcPct val="100000"/>
                 </a:lnSpc>
               </a:pPr>
-              <a:t>70</a:t>
+              <a:t>71</a:t>
             </a:fld>
             <a:endParaRPr lang="en-US" sz="1400" b="0" strike="noStrike" spc="-1">
               <a:solidFill>
@@ -9285,7 +9286,7 @@
                   <a:spcPct val="100000"/>
                 </a:lnSpc>
               </a:pPr>
-              <a:t>71</a:t>
+              <a:t>72</a:t>
             </a:fld>
             <a:endParaRPr lang="en-US" sz="1800" b="0" strike="noStrike" spc="-1">
               <a:solidFill>
@@ -9379,7 +9380,7 @@
                   <a:spcPct val="100000"/>
                 </a:lnSpc>
               </a:pPr>
-              <a:t>71</a:t>
+              <a:t>72</a:t>
             </a:fld>
             <a:endParaRPr lang="en-US" sz="1400" b="0" strike="noStrike" spc="-1">
               <a:solidFill>
@@ -9478,7 +9479,7 @@
                   <a:spcPct val="100000"/>
                 </a:lnSpc>
               </a:pPr>
-              <a:t>72</a:t>
+              <a:t>73</a:t>
             </a:fld>
             <a:endParaRPr lang="en-US" sz="1800" b="0" strike="noStrike" spc="-1">
               <a:solidFill>
@@ -9572,7 +9573,7 @@
                   <a:spcPct val="100000"/>
                 </a:lnSpc>
               </a:pPr>
-              <a:t>72</a:t>
+              <a:t>73</a:t>
             </a:fld>
             <a:endParaRPr lang="en-US" sz="1400" b="0" strike="noStrike" spc="-1">
               <a:solidFill>
@@ -9671,7 +9672,7 @@
                   <a:spcPct val="100000"/>
                 </a:lnSpc>
               </a:pPr>
-              <a:t>73</a:t>
+              <a:t>74</a:t>
             </a:fld>
             <a:endParaRPr lang="en-US" sz="1800" b="0" strike="noStrike" spc="-1">
               <a:solidFill>
@@ -9765,7 +9766,7 @@
                   <a:spcPct val="100000"/>
                 </a:lnSpc>
               </a:pPr>
-              <a:t>73</a:t>
+              <a:t>74</a:t>
             </a:fld>
             <a:endParaRPr lang="en-US" sz="1400" b="0" strike="noStrike" spc="-1">
               <a:solidFill>
@@ -9864,7 +9865,7 @@
                   <a:spcPct val="100000"/>
                 </a:lnSpc>
               </a:pPr>
-              <a:t>74</a:t>
+              <a:t>75</a:t>
             </a:fld>
             <a:endParaRPr lang="en-US" sz="1800" b="0" strike="noStrike" spc="-1">
               <a:solidFill>
@@ -9958,7 +9959,7 @@
                   <a:spcPct val="100000"/>
                 </a:lnSpc>
               </a:pPr>
-              <a:t>74</a:t>
+              <a:t>75</a:t>
             </a:fld>
             <a:endParaRPr lang="en-US" sz="1400" b="0" strike="noStrike" spc="-1">
               <a:solidFill>
@@ -10057,7 +10058,7 @@
                   <a:spcPct val="100000"/>
                 </a:lnSpc>
               </a:pPr>
-              <a:t>75</a:t>
+              <a:t>76</a:t>
             </a:fld>
             <a:endParaRPr lang="en-US" sz="1800" b="0" strike="noStrike" spc="-1">
               <a:solidFill>
@@ -10151,7 +10152,7 @@
                   <a:spcPct val="100000"/>
                 </a:lnSpc>
               </a:pPr>
-              <a:t>75</a:t>
+              <a:t>76</a:t>
             </a:fld>
             <a:endParaRPr lang="en-US" sz="1400" b="0" strike="noStrike" spc="-1">
               <a:solidFill>
@@ -10250,7 +10251,7 @@
                   <a:spcPct val="100000"/>
                 </a:lnSpc>
               </a:pPr>
-              <a:t>76</a:t>
+              <a:t>77</a:t>
             </a:fld>
             <a:endParaRPr lang="en-US" sz="1800" b="0" strike="noStrike" spc="-1">
               <a:solidFill>
@@ -10344,7 +10345,7 @@
                   <a:spcPct val="100000"/>
                 </a:lnSpc>
               </a:pPr>
-              <a:t>76</a:t>
+              <a:t>77</a:t>
             </a:fld>
             <a:endParaRPr lang="en-US" sz="1400" b="0" strike="noStrike" spc="-1">
               <a:solidFill>
@@ -10443,7 +10444,7 @@
                   <a:spcPct val="100000"/>
                 </a:lnSpc>
               </a:pPr>
-              <a:t>77</a:t>
+              <a:t>78</a:t>
             </a:fld>
             <a:endParaRPr lang="en-US" sz="1800" b="0" strike="noStrike" spc="-1">
               <a:solidFill>
@@ -10537,7 +10538,7 @@
                   <a:spcPct val="100000"/>
                 </a:lnSpc>
               </a:pPr>
-              <a:t>77</a:t>
+              <a:t>78</a:t>
             </a:fld>
             <a:endParaRPr lang="en-US" sz="1400" b="0" strike="noStrike" spc="-1">
               <a:solidFill>
@@ -10636,7 +10637,7 @@
                   <a:spcPct val="100000"/>
                 </a:lnSpc>
               </a:pPr>
-              <a:t>83</a:t>
+              <a:t>84</a:t>
             </a:fld>
             <a:endParaRPr lang="en-US" sz="1800" b="0" strike="noStrike" spc="-1">
               <a:solidFill>
@@ -10730,7 +10731,7 @@
                   <a:spcPct val="100000"/>
                 </a:lnSpc>
               </a:pPr>
-              <a:t>83</a:t>
+              <a:t>84</a:t>
             </a:fld>
             <a:endParaRPr lang="en-US" sz="1400" b="0" strike="noStrike" spc="-1">
               <a:solidFill>
@@ -10829,7 +10830,7 @@
                   <a:spcPct val="100000"/>
                 </a:lnSpc>
               </a:pPr>
-              <a:t>84</a:t>
+              <a:t>85</a:t>
             </a:fld>
             <a:endParaRPr lang="en-US" sz="1800" b="0" strike="noStrike" spc="-1">
               <a:solidFill>
@@ -10923,7 +10924,7 @@
                   <a:spcPct val="100000"/>
                 </a:lnSpc>
               </a:pPr>
-              <a:t>84</a:t>
+              <a:t>85</a:t>
             </a:fld>
             <a:endParaRPr lang="en-US" sz="1400" b="0" strike="noStrike" spc="-1">
               <a:solidFill>
@@ -11022,7 +11023,7 @@
                   <a:spcPct val="100000"/>
                 </a:lnSpc>
               </a:pPr>
-              <a:t>85</a:t>
+              <a:t>86</a:t>
             </a:fld>
             <a:endParaRPr lang="en-US" sz="1800" b="0" strike="noStrike" spc="-1">
               <a:solidFill>
@@ -11116,7 +11117,7 @@
                   <a:spcPct val="100000"/>
                 </a:lnSpc>
               </a:pPr>
-              <a:t>85</a:t>
+              <a:t>86</a:t>
             </a:fld>
             <a:endParaRPr lang="en-US" sz="1400" b="0" strike="noStrike" spc="-1">
               <a:solidFill>
@@ -35284,7 +35285,97 @@
                 <a:latin typeface="微软雅黑"/>
                 <a:ea typeface="微软雅黑"/>
               </a:rPr>
-              <a:t>ff标志导致合并操作创建一个新commit对象</a:t>
+              <a:t>ff</a:t>
+            </a:r>
+            <a:r>
+              <a:rPr lang="en-US" sz="1800" b="0" strike="noStrike" spc="-1" dirty="0" err="1" smtClean="0">
+                <a:solidFill>
+                  <a:srgbClr val="70AD47"/>
+                </a:solidFill>
+                <a:uFill>
+                  <a:solidFill>
+                    <a:srgbClr val="FFFFFF"/>
+                  </a:solidFill>
+                </a:uFill>
+                <a:latin typeface="微软雅黑"/>
+                <a:ea typeface="微软雅黑"/>
+              </a:rPr>
+              <a:t>标志</a:t>
+            </a:r>
+            <a:r>
+              <a:rPr lang="zh-CN" altLang="en-US" spc="-1" dirty="0" smtClean="0">
+                <a:solidFill>
+                  <a:srgbClr val="70AD47"/>
+                </a:solidFill>
+                <a:uFill>
+                  <a:solidFill>
+                    <a:srgbClr val="FFFFFF"/>
+                  </a:solidFill>
+                </a:uFill>
+                <a:latin typeface="微软雅黑"/>
+                <a:ea typeface="微软雅黑"/>
+              </a:rPr>
+              <a:t>会</a:t>
+            </a:r>
+            <a:r>
+              <a:rPr lang="en-US" sz="1800" b="0" strike="noStrike" spc="-1" dirty="0" err="1" smtClean="0">
+                <a:solidFill>
+                  <a:srgbClr val="70AD47"/>
+                </a:solidFill>
+                <a:uFill>
+                  <a:solidFill>
+                    <a:srgbClr val="FFFFFF"/>
+                  </a:solidFill>
+                </a:uFill>
+                <a:latin typeface="微软雅黑"/>
+                <a:ea typeface="微软雅黑"/>
+              </a:rPr>
+              <a:t>创建一个</a:t>
+            </a:r>
+            <a:r>
+              <a:rPr lang="zh-CN" altLang="en-US" spc="-1" dirty="0" smtClean="0">
+                <a:solidFill>
+                  <a:srgbClr val="70AD47"/>
+                </a:solidFill>
+                <a:uFill>
+                  <a:solidFill>
+                    <a:srgbClr val="FFFFFF"/>
+                  </a:solidFill>
+                </a:uFill>
+                <a:latin typeface="微软雅黑"/>
+                <a:ea typeface="微软雅黑"/>
+              </a:rPr>
+              <a:t>额外的</a:t>
+            </a:r>
+            <a:r>
+              <a:rPr lang="en-US" sz="1800" b="0" strike="noStrike" spc="-1" dirty="0" err="1" smtClean="0">
+                <a:solidFill>
+                  <a:srgbClr val="70AD47"/>
+                </a:solidFill>
+                <a:uFill>
+                  <a:solidFill>
+                    <a:srgbClr val="FFFFFF"/>
+                  </a:solidFill>
+                </a:uFill>
+                <a:latin typeface="微软雅黑"/>
+                <a:ea typeface="微软雅黑"/>
+              </a:rPr>
+              <a:t>commit</a:t>
+            </a:r>
+            <a:r>
+              <a:rPr lang="en-US" sz="1800" b="0" strike="noStrike" spc="-1" dirty="0" err="1">
+                <a:solidFill>
+                  <a:srgbClr val="70AD47"/>
+                </a:solidFill>
+                <a:uFill>
+                  <a:solidFill>
+                    <a:srgbClr val="FFFFFF"/>
+                  </a:solidFill>
+                </a:uFill>
+                <a:latin typeface="微软雅黑"/>
+                <a:ea typeface="微软雅黑"/>
+              </a:rPr>
+              <a:t>对象</a:t>
             </a:r>
             <a:r>
               <a:rPr lang="en-US" sz="1800" b="0" strike="noStrike" spc="-1" dirty="0">
@@ -35320,252 +35411,34 @@
               </a:lnSpc>
             </a:pPr>
             <a:r>
-              <a:rPr lang="en-US" sz="1800" b="0" strike="noStrike" spc="-1" dirty="0" err="1">
-                <a:solidFill>
-                  <a:srgbClr val="70AD47"/>
-                </a:solidFill>
-                <a:uFill>
-                  <a:solidFill>
-                    <a:srgbClr val="FFFFFF"/>
-                  </a:solidFill>
-                </a:uFill>
-                <a:latin typeface="微软雅黑"/>
-                <a:ea typeface="微软雅黑"/>
-              </a:rPr>
-              <a:t>后一种情况，不可能从Git历史中看到哪些提交一起实现了一个功能</a:t>
-            </a:r>
-            <a:r>
-              <a:rPr lang="en-US" sz="1800" b="0" strike="noStrike" spc="-1" dirty="0">
-                <a:solidFill>
-                  <a:srgbClr val="70AD47"/>
-                </a:solidFill>
-                <a:uFill>
-                  <a:solidFill>
-                    <a:srgbClr val="FFFFFF"/>
-                  </a:solidFill>
-                </a:uFill>
-                <a:latin typeface="微软雅黑"/>
-                <a:ea typeface="微软雅黑"/>
-              </a:rPr>
-              <a:t>——</a:t>
-            </a:r>
-            <a:r>
-              <a:rPr lang="en-US" sz="1800" b="0" strike="noStrike" spc="-1" dirty="0" err="1">
-                <a:solidFill>
-                  <a:srgbClr val="70AD47"/>
-                </a:solidFill>
-                <a:uFill>
-                  <a:solidFill>
-                    <a:srgbClr val="FFFFFF"/>
-                  </a:solidFill>
-                </a:uFill>
-                <a:latin typeface="微软雅黑"/>
-                <a:ea typeface="微软雅黑"/>
-              </a:rPr>
-              <a:t>你必须手工阅读全部的日志信息</a:t>
-            </a:r>
-            <a:r>
-              <a:rPr lang="en-US" sz="1800" b="0" strike="noStrike" spc="-1" dirty="0">
-                <a:solidFill>
-                  <a:srgbClr val="70AD47"/>
-                </a:solidFill>
-                <a:uFill>
-                  <a:solidFill>
-                    <a:srgbClr val="FFFFFF"/>
-                  </a:solidFill>
-                </a:uFill>
-                <a:latin typeface="微软雅黑"/>
-                <a:ea typeface="微软雅黑"/>
-              </a:rPr>
-              <a:t>。</a:t>
-            </a:r>
-            <a:r>
-              <a:rPr lang="en-US" sz="1800" b="0" strike="noStrike" spc="-1" dirty="0" err="1">
-                <a:solidFill>
-                  <a:srgbClr val="70AD47"/>
-                </a:solidFill>
-                <a:uFill>
-                  <a:solidFill>
-                    <a:srgbClr val="FFFFFF"/>
-                  </a:solidFill>
-                </a:uFill>
-                <a:latin typeface="微软雅黑"/>
-                <a:ea typeface="微软雅黑"/>
-              </a:rPr>
-              <a:t>如果对整个功能进行回退</a:t>
-            </a:r>
-            <a:r>
-              <a:rPr lang="en-US" sz="1800" b="0" strike="noStrike" spc="-1" dirty="0">
-                <a:solidFill>
-                  <a:srgbClr val="70AD47"/>
-                </a:solidFill>
-                <a:uFill>
-                  <a:solidFill>
-                    <a:srgbClr val="FFFFFF"/>
-                  </a:solidFill>
-                </a:uFill>
-                <a:latin typeface="微软雅黑"/>
-                <a:ea typeface="微软雅黑"/>
-              </a:rPr>
-              <a:t> (</a:t>
-            </a:r>
-            <a:r>
-              <a:rPr lang="en-US" sz="1800" b="0" strike="noStrike" spc="-1" dirty="0" err="1">
-                <a:solidFill>
-                  <a:srgbClr val="70AD47"/>
-                </a:solidFill>
-                <a:uFill>
-                  <a:solidFill>
-                    <a:srgbClr val="FFFFFF"/>
-                  </a:solidFill>
-                </a:uFill>
-                <a:latin typeface="微软雅黑"/>
-                <a:ea typeface="微软雅黑"/>
-              </a:rPr>
-              <a:t>比如一组提交</a:t>
-            </a:r>
-            <a:r>
-              <a:rPr lang="en-US" sz="1800" b="0" strike="noStrike" spc="-1" dirty="0">
-                <a:solidFill>
-                  <a:srgbClr val="70AD47"/>
-                </a:solidFill>
-                <a:uFill>
-                  <a:solidFill>
-                    <a:srgbClr val="FFFFFF"/>
-                  </a:solidFill>
-                </a:uFill>
-                <a:latin typeface="微软雅黑"/>
-                <a:ea typeface="微软雅黑"/>
-              </a:rPr>
-              <a:t>)，</a:t>
-            </a:r>
-            <a:r>
-              <a:rPr lang="en-US" sz="1800" b="0" strike="noStrike" spc="-1" dirty="0" err="1">
-                <a:solidFill>
-                  <a:srgbClr val="70AD47"/>
-                </a:solidFill>
-                <a:uFill>
-                  <a:solidFill>
-                    <a:srgbClr val="FFFFFF"/>
-                  </a:solidFill>
-                </a:uFill>
-                <a:latin typeface="微软雅黑"/>
-                <a:ea typeface="微软雅黑"/>
-              </a:rPr>
-              <a:t>后一种方式会是一种真正头痛的问题，而</a:t>
-            </a:r>
-            <a:r>
-              <a:rPr lang="en-US" sz="1800" b="0" strike="noStrike" spc="-1" dirty="0">
-                <a:solidFill>
-                  <a:srgbClr val="70AD47"/>
-                </a:solidFill>
-                <a:uFill>
-                  <a:solidFill>
-                    <a:srgbClr val="FFFFFF"/>
-                  </a:solidFill>
-                </a:uFill>
-                <a:latin typeface="微软雅黑"/>
-                <a:ea typeface="微软雅黑"/>
-              </a:rPr>
-              <a:t>--no-ff </a:t>
-            </a:r>
-            <a:r>
-              <a:rPr lang="en-US" sz="1800" b="0" strike="noStrike" spc="-1" dirty="0" err="1">
-                <a:solidFill>
-                  <a:srgbClr val="70AD47"/>
-                </a:solidFill>
-                <a:uFill>
-                  <a:solidFill>
-                    <a:srgbClr val="FFFFFF"/>
-                  </a:solidFill>
-                </a:uFill>
-                <a:latin typeface="微软雅黑"/>
-                <a:ea typeface="微软雅黑"/>
-              </a:rPr>
-              <a:t>flag的情况则很容易</a:t>
-            </a:r>
-            <a:r>
-              <a:rPr lang="en-US" sz="1800" b="0" strike="noStrike" spc="-1" dirty="0">
-                <a:solidFill>
-                  <a:srgbClr val="70AD47"/>
-                </a:solidFill>
-                <a:uFill>
-                  <a:solidFill>
-                    <a:srgbClr val="FFFFFF"/>
-                  </a:solidFill>
-                </a:uFill>
-                <a:latin typeface="微软雅黑"/>
-                <a:ea typeface="微软雅黑"/>
-              </a:rPr>
-              <a:t>。</a:t>
-            </a:r>
-            <a:endParaRPr lang="en-US" sz="1800" b="0" strike="noStrike" spc="-1" dirty="0">
-              <a:solidFill>
-                <a:srgbClr val="000000"/>
-              </a:solidFill>
-              <a:uFill>
-                <a:solidFill>
-                  <a:srgbClr val="FFFFFF"/>
-                </a:solidFill>
-              </a:uFill>
-              <a:latin typeface="Arial"/>
-            </a:endParaRPr>
-          </a:p>
-          <a:p>
-            <a:pPr>
-              <a:lnSpc>
-                <a:spcPct val="100000"/>
-              </a:lnSpc>
-            </a:pPr>
-            <a:r>
-              <a:rPr lang="en-US" sz="1800" b="0" strike="noStrike" spc="-1" dirty="0" err="1">
-                <a:solidFill>
-                  <a:srgbClr val="70AD47"/>
-                </a:solidFill>
-                <a:uFill>
-                  <a:solidFill>
-                    <a:srgbClr val="FFFFFF"/>
-                  </a:solidFill>
-                </a:uFill>
-                <a:latin typeface="微软雅黑"/>
-                <a:ea typeface="微软雅黑"/>
-              </a:rPr>
-              <a:t>是的，它会创建一个新的（空）提交对象，但是收益远大于开销</a:t>
-            </a:r>
-            <a:r>
-              <a:rPr lang="en-US" sz="1800" b="0" strike="noStrike" spc="-1" dirty="0">
-                <a:solidFill>
-                  <a:srgbClr val="70AD47"/>
-                </a:solidFill>
-                <a:uFill>
-                  <a:solidFill>
-                    <a:srgbClr val="FFFFFF"/>
-                  </a:solidFill>
-                </a:uFill>
-                <a:latin typeface="微软雅黑"/>
-                <a:ea typeface="微软雅黑"/>
-              </a:rPr>
-              <a:t>。</a:t>
-            </a:r>
-            <a:endParaRPr lang="en-US" sz="1800" b="0" strike="noStrike" spc="-1" dirty="0">
-              <a:solidFill>
-                <a:srgbClr val="000000"/>
-              </a:solidFill>
-              <a:uFill>
-                <a:solidFill>
-                  <a:srgbClr val="FFFFFF"/>
-                </a:solidFill>
-              </a:uFill>
-              <a:latin typeface="Arial"/>
-            </a:endParaRPr>
-          </a:p>
-          <a:p>
-            <a:pPr>
-              <a:lnSpc>
-                <a:spcPct val="100000"/>
-              </a:lnSpc>
-            </a:pPr>
-            <a:endParaRPr lang="en-US" sz="1800" b="0" strike="noStrike" spc="-1" dirty="0">
+              <a:rPr lang="en-US" altLang="zh-CN" sz="1800" b="0" strike="noStrike" spc="-1" dirty="0" smtClean="0">
+                <a:solidFill>
+                  <a:srgbClr val="000000"/>
+                </a:solidFill>
+                <a:uFill>
+                  <a:solidFill>
+                    <a:srgbClr val="FFFFFF"/>
+                  </a:solidFill>
+                </a:uFill>
+                <a:latin typeface="Arial"/>
+              </a:rPr>
+              <a:t>--no-ff</a:t>
+            </a:r>
+            <a:r>
+              <a:rPr lang="zh-CN" altLang="en-US" sz="1800" b="0" strike="noStrike" spc="-1" dirty="0" smtClean="0">
+                <a:solidFill>
+                  <a:srgbClr val="000000"/>
+                </a:solidFill>
+                <a:uFill>
+                  <a:solidFill>
+                    <a:srgbClr val="FFFFFF"/>
+                  </a:solidFill>
+                </a:uFill>
+                <a:latin typeface="Arial"/>
+              </a:rPr>
+              <a:t>使得查看分支合并历史比较容易。</a:t>
+            </a:r>
+            <a:endParaRPr lang="en-US" altLang="zh-CN" sz="1800" b="0" strike="noStrike" spc="-1" dirty="0" smtClean="0">
               <a:solidFill>
                 <a:srgbClr val="000000"/>
               </a:solidFill>
@@ -35622,7 +35495,7 @@
         </p:blipFill>
         <p:spPr bwMode="auto">
           <a:xfrm>
-            <a:off x="209550" y="2900362"/>
+            <a:off x="251520" y="5661248"/>
             <a:ext cx="8724900" cy="1057275"/>
           </a:xfrm>
           <a:prstGeom prst="rect">
@@ -35860,8 +35733,21 @@
               </a:rPr>
               <a:t>。</a:t>
             </a:r>
-            <a:r>
-              <a:rPr lang="en-US" altLang="zh-CN" spc="-1" dirty="0" err="1" smtClean="0">
+            <a:endParaRPr lang="en-US" sz="1800" b="0" strike="noStrike" spc="-1" dirty="0">
+              <a:solidFill>
+                <a:srgbClr val="000000"/>
+              </a:solidFill>
+              <a:uFill>
+                <a:solidFill>
+                  <a:srgbClr val="FFFFFF"/>
+                </a:solidFill>
+              </a:uFill>
+              <a:latin typeface="Arial"/>
+            </a:endParaRPr>
+          </a:p>
+          <a:p>
+            <a:r>
+              <a:rPr lang="en-US" sz="1800" b="0" strike="noStrike" spc="-1" dirty="0">
                 <a:solidFill>
                   <a:srgbClr val="000000"/>
                 </a:solidFill>
@@ -35870,11 +35756,14 @@
                     <a:srgbClr val="FFFFFF"/>
                   </a:solidFill>
                 </a:uFill>
-              </a:rPr>
-              <a:t>因为在这个过程中没有创建</a:t>
-            </a:r>
-            <a:r>
-              <a:rPr lang="zh-CN" altLang="en-US" spc="-1" dirty="0" smtClean="0">
+                <a:latin typeface="Arial"/>
+              </a:rPr>
+              <a:t> </a:t>
+            </a:r>
+          </a:p>
+          <a:p>
+            <a:r>
+              <a:rPr lang="en-US" sz="1800" b="0" strike="noStrike" spc="-1" dirty="0" err="1">
                 <a:solidFill>
                   <a:srgbClr val="000000"/>
                 </a:solidFill>
@@ -35883,8 +35772,169 @@
                     <a:srgbClr val="FFFFFF"/>
                   </a:solidFill>
                 </a:uFill>
-              </a:rPr>
-              <a:t>新的提交</a:t>
+                <a:latin typeface="Arial"/>
+              </a:rPr>
+              <a:t>git</a:t>
+            </a:r>
+            <a:r>
+              <a:rPr lang="en-US" sz="1800" b="0" strike="noStrike" spc="-1" dirty="0">
+                <a:solidFill>
+                  <a:srgbClr val="000000"/>
+                </a:solidFill>
+                <a:uFill>
+                  <a:solidFill>
+                    <a:srgbClr val="FFFFFF"/>
+                  </a:solidFill>
+                </a:uFill>
+                <a:latin typeface="Arial"/>
+              </a:rPr>
+              <a:t> merge --squash 是用来把一些不必要commit进行压缩，比如说，你的feature在开发的时候写的commit很乱，那么我们合并的时候不希望把这些历史commit带过来，于是使用--squash进行合并，此时文件已经同合并后一样了，但不移动HEAD，不提交。</a:t>
+            </a:r>
+            <a:r>
+              <a:rPr lang="en-US" sz="1800" b="0" strike="noStrike" spc="-1" dirty="0" err="1">
+                <a:solidFill>
+                  <a:srgbClr val="000000"/>
+                </a:solidFill>
+                <a:uFill>
+                  <a:solidFill>
+                    <a:srgbClr val="FFFFFF"/>
+                  </a:solidFill>
+                </a:uFill>
+                <a:latin typeface="Arial"/>
+              </a:rPr>
+              <a:t>需要进行一次额外的commit来“总结”一下</a:t>
+            </a:r>
+            <a:r>
+              <a:rPr lang="en-US" sz="1800" b="0" strike="noStrike" spc="-1" dirty="0" smtClean="0">
+                <a:solidFill>
+                  <a:srgbClr val="000000"/>
+                </a:solidFill>
+                <a:uFill>
+                  <a:solidFill>
+                    <a:srgbClr val="FFFFFF"/>
+                  </a:solidFill>
+                </a:uFill>
+                <a:latin typeface="Arial"/>
+              </a:rPr>
+              <a:t>，</a:t>
+            </a:r>
+            <a:r>
+              <a:rPr lang="zh-CN" altLang="en-US" sz="1800" b="0" strike="noStrike" spc="-1" dirty="0" smtClean="0">
+                <a:solidFill>
+                  <a:srgbClr val="000000"/>
+                </a:solidFill>
+                <a:uFill>
+                  <a:solidFill>
+                    <a:srgbClr val="FFFFFF"/>
+                  </a:solidFill>
+                </a:uFill>
+                <a:latin typeface="Arial"/>
+              </a:rPr>
+              <a:t>写提交注释</a:t>
+            </a:r>
+            <a:r>
+              <a:rPr lang="en-US" sz="1800" b="0" strike="noStrike" spc="-1" dirty="0" err="1" smtClean="0">
+                <a:solidFill>
+                  <a:srgbClr val="000000"/>
+                </a:solidFill>
+                <a:uFill>
+                  <a:solidFill>
+                    <a:srgbClr val="FFFFFF"/>
+                  </a:solidFill>
+                </a:uFill>
+                <a:latin typeface="Arial"/>
+              </a:rPr>
+              <a:t>完成最终的合并</a:t>
+            </a:r>
+            <a:r>
+              <a:rPr lang="en-US" sz="1800" b="0" strike="noStrike" spc="-1" dirty="0">
+                <a:solidFill>
+                  <a:srgbClr val="000000"/>
+                </a:solidFill>
+                <a:uFill>
+                  <a:solidFill>
+                    <a:srgbClr val="FFFFFF"/>
+                  </a:solidFill>
+                </a:uFill>
+                <a:latin typeface="Arial"/>
+              </a:rPr>
+              <a:t>。</a:t>
+            </a:r>
+          </a:p>
+          <a:p>
+            <a:r>
+              <a:rPr lang="en-US" sz="1800" b="0" strike="noStrike" spc="-1" dirty="0">
+                <a:solidFill>
+                  <a:srgbClr val="000000"/>
+                </a:solidFill>
+                <a:uFill>
+                  <a:solidFill>
+                    <a:srgbClr val="FFFFFF"/>
+                  </a:solidFill>
+                </a:uFill>
+                <a:latin typeface="Arial"/>
+              </a:rPr>
+              <a:t> </a:t>
+            </a:r>
+          </a:p>
+          <a:p>
+            <a:r>
+              <a:rPr lang="en-US" sz="1800" b="0" strike="noStrike" spc="-1" dirty="0" err="1">
+                <a:solidFill>
+                  <a:srgbClr val="000000"/>
+                </a:solidFill>
+                <a:uFill>
+                  <a:solidFill>
+                    <a:srgbClr val="FFFFFF"/>
+                  </a:solidFill>
+                </a:uFill>
+                <a:latin typeface="Arial"/>
+              </a:rPr>
+              <a:t>总结</a:t>
+            </a:r>
+            <a:r>
+              <a:rPr lang="en-US" sz="1800" b="0" strike="noStrike" spc="-1" dirty="0">
+                <a:solidFill>
+                  <a:srgbClr val="000000"/>
+                </a:solidFill>
+                <a:uFill>
+                  <a:solidFill>
+                    <a:srgbClr val="FFFFFF"/>
+                  </a:solidFill>
+                </a:uFill>
+                <a:latin typeface="Arial"/>
+              </a:rPr>
+              <a:t>：</a:t>
+            </a:r>
+          </a:p>
+          <a:p>
+            <a:r>
+              <a:rPr lang="en-US" sz="1800" b="0" strike="noStrike" spc="-1" dirty="0">
+                <a:solidFill>
+                  <a:srgbClr val="000000"/>
+                </a:solidFill>
+                <a:uFill>
+                  <a:solidFill>
+                    <a:srgbClr val="FFFFFF"/>
+                  </a:solidFill>
+                </a:uFill>
+                <a:latin typeface="Arial"/>
+              </a:rPr>
+              <a:t>--no-</a:t>
+            </a:r>
+            <a:r>
+              <a:rPr lang="en-US" sz="1800" b="0" strike="noStrike" spc="-1" dirty="0" err="1">
+                <a:solidFill>
+                  <a:srgbClr val="000000"/>
+                </a:solidFill>
+                <a:uFill>
+                  <a:solidFill>
+                    <a:srgbClr val="FFFFFF"/>
+                  </a:solidFill>
+                </a:uFill>
+                <a:latin typeface="Arial"/>
+              </a:rPr>
+              <a:t>ff：不使用fast-forward方式合并，保留分支的commit历史</a:t>
             </a:r>
             <a:endParaRPr lang="en-US" sz="1800" b="0" strike="noStrike" spc="-1" dirty="0">
               <a:solidFill>
@@ -35911,10 +35961,8 @@
                 </a:uFill>
                 <a:latin typeface="Arial"/>
               </a:rPr>
-              <a:t> </a:t>
-            </a:r>
-          </a:p>
-          <a:p>
+              <a:t>--</a:t>
+            </a:r>
             <a:r>
               <a:rPr lang="en-US" sz="1800" b="0" strike="noStrike" spc="-1" dirty="0" err="1">
                 <a:solidFill>
@@ -35927,167 +35975,7 @@
                 </a:uFill>
                 <a:latin typeface="Arial"/>
               </a:rPr>
-              <a:t>git</a:t>
-            </a:r>
-            <a:r>
-              <a:rPr lang="en-US" sz="1800" b="0" strike="noStrike" spc="-1" dirty="0">
-                <a:solidFill>
-                  <a:srgbClr val="000000"/>
-                </a:solidFill>
-                <a:uFill>
-                  <a:solidFill>
-                    <a:srgbClr val="FFFFFF"/>
-                  </a:solidFill>
-                </a:uFill>
-                <a:latin typeface="Arial"/>
-              </a:rPr>
-              <a:t> merge --squash 是用来把一些不必要commit进行压缩，比如说，你的feature在开发的时候写的commit很乱，那么我们合并的时候不希望把这些历史commit带过来，于是使用--squash进行合并，此时文件已经同合并后一样了，但不移动HEAD，不提交。</a:t>
-            </a:r>
-            <a:r>
-              <a:rPr lang="en-US" sz="1800" b="0" strike="noStrike" spc="-1" dirty="0" err="1">
-                <a:solidFill>
-                  <a:srgbClr val="000000"/>
-                </a:solidFill>
-                <a:uFill>
-                  <a:solidFill>
-                    <a:srgbClr val="FFFFFF"/>
-                  </a:solidFill>
-                </a:uFill>
-                <a:latin typeface="Arial"/>
-              </a:rPr>
-              <a:t>需要进行一次额外的commit来“总结”一下</a:t>
-            </a:r>
-            <a:r>
-              <a:rPr lang="en-US" sz="1800" b="0" strike="noStrike" spc="-1" dirty="0" smtClean="0">
-                <a:solidFill>
-                  <a:srgbClr val="000000"/>
-                </a:solidFill>
-                <a:uFill>
-                  <a:solidFill>
-                    <a:srgbClr val="FFFFFF"/>
-                  </a:solidFill>
-                </a:uFill>
-                <a:latin typeface="Arial"/>
-              </a:rPr>
-              <a:t>，</a:t>
-            </a:r>
-            <a:r>
-              <a:rPr lang="zh-CN" altLang="en-US" sz="1800" b="0" strike="noStrike" spc="-1" dirty="0" smtClean="0">
-                <a:solidFill>
-                  <a:srgbClr val="000000"/>
-                </a:solidFill>
-                <a:uFill>
-                  <a:solidFill>
-                    <a:srgbClr val="FFFFFF"/>
-                  </a:solidFill>
-                </a:uFill>
-                <a:latin typeface="Arial"/>
-              </a:rPr>
-              <a:t>写提交注释</a:t>
-            </a:r>
-            <a:r>
-              <a:rPr lang="en-US" sz="1800" b="0" strike="noStrike" spc="-1" dirty="0" err="1" smtClean="0">
-                <a:solidFill>
-                  <a:srgbClr val="000000"/>
-                </a:solidFill>
-                <a:uFill>
-                  <a:solidFill>
-                    <a:srgbClr val="FFFFFF"/>
-                  </a:solidFill>
-                </a:uFill>
-                <a:latin typeface="Arial"/>
-              </a:rPr>
-              <a:t>完成最终的合并</a:t>
-            </a:r>
-            <a:r>
-              <a:rPr lang="en-US" sz="1800" b="0" strike="noStrike" spc="-1" dirty="0">
-                <a:solidFill>
-                  <a:srgbClr val="000000"/>
-                </a:solidFill>
-                <a:uFill>
-                  <a:solidFill>
-                    <a:srgbClr val="FFFFFF"/>
-                  </a:solidFill>
-                </a:uFill>
-                <a:latin typeface="Arial"/>
-              </a:rPr>
-              <a:t>。</a:t>
-            </a:r>
-          </a:p>
-          <a:p>
-            <a:r>
-              <a:rPr lang="en-US" sz="1800" b="0" strike="noStrike" spc="-1" dirty="0">
-                <a:solidFill>
-                  <a:srgbClr val="000000"/>
-                </a:solidFill>
-                <a:uFill>
-                  <a:solidFill>
-                    <a:srgbClr val="FFFFFF"/>
-                  </a:solidFill>
-                </a:uFill>
-                <a:latin typeface="Arial"/>
-              </a:rPr>
-              <a:t> </a:t>
-            </a:r>
-          </a:p>
-          <a:p>
-            <a:r>
-              <a:rPr lang="en-US" sz="1800" b="0" strike="noStrike" spc="-1" dirty="0" err="1">
-                <a:solidFill>
-                  <a:srgbClr val="000000"/>
-                </a:solidFill>
-                <a:uFill>
-                  <a:solidFill>
-                    <a:srgbClr val="FFFFFF"/>
-                  </a:solidFill>
-                </a:uFill>
-                <a:latin typeface="Arial"/>
-              </a:rPr>
-              <a:t>总结</a:t>
-            </a:r>
-            <a:r>
-              <a:rPr lang="en-US" sz="1800" b="0" strike="noStrike" spc="-1" dirty="0">
-                <a:solidFill>
-                  <a:srgbClr val="000000"/>
-                </a:solidFill>
-                <a:uFill>
-                  <a:solidFill>
-                    <a:srgbClr val="FFFFFF"/>
-                  </a:solidFill>
-                </a:uFill>
-                <a:latin typeface="Arial"/>
-              </a:rPr>
-              <a:t>：</a:t>
-            </a:r>
-          </a:p>
-          <a:p>
-            <a:r>
-              <a:rPr lang="en-US" sz="1800" b="0" strike="noStrike" spc="-1" dirty="0">
-                <a:solidFill>
-                  <a:srgbClr val="000000"/>
-                </a:solidFill>
-                <a:uFill>
-                  <a:solidFill>
-                    <a:srgbClr val="FFFFFF"/>
-                  </a:solidFill>
-                </a:uFill>
-                <a:latin typeface="Arial"/>
-              </a:rPr>
-              <a:t>--no-</a:t>
-            </a:r>
-            <a:r>
-              <a:rPr lang="en-US" sz="1800" b="0" strike="noStrike" spc="-1" dirty="0" err="1">
-                <a:solidFill>
-                  <a:srgbClr val="000000"/>
-                </a:solidFill>
-                <a:uFill>
-                  <a:solidFill>
-                    <a:srgbClr val="FFFFFF"/>
-                  </a:solidFill>
-                </a:uFill>
-                <a:latin typeface="Arial"/>
-              </a:rPr>
-              <a:t>ff：不使用fast-forward方式合并，保留分支的commit历史</a:t>
+              <a:t>squash：使用squash方式合并，把多次分支commit历史压缩为一次</a:t>
             </a:r>
             <a:endParaRPr lang="en-US" sz="1800" b="0" strike="noStrike" spc="-1" dirty="0">
               <a:solidFill>
@@ -36101,46 +35989,72 @@
               <a:latin typeface="Arial"/>
             </a:endParaRPr>
           </a:p>
-          <a:p>
-            <a:r>
-              <a:rPr lang="en-US" sz="1800" b="0" strike="noStrike" spc="-1" dirty="0">
-                <a:solidFill>
-                  <a:srgbClr val="000000"/>
-                </a:solidFill>
-                <a:uFill>
-                  <a:solidFill>
-                    <a:srgbClr val="FFFFFF"/>
-                  </a:solidFill>
-                </a:uFill>
-                <a:latin typeface="Arial"/>
-              </a:rPr>
+        </p:txBody>
+      </p:sp>
+      <p:pic>
+        <p:nvPicPr>
+          <p:cNvPr id="1026" name="Picture 2" descr="F:\a\Selection_009.png"/>
+          <p:cNvPicPr>
+            <a:picLocks noChangeAspect="1" noChangeArrowheads="1"/>
+          </p:cNvPicPr>
+          <p:nvPr/>
+        </p:nvPicPr>
+        <p:blipFill>
+          <a:blip r:embed="rId2" cstate="print"/>
+          <a:srcRect/>
+          <a:stretch>
+            <a:fillRect/>
+          </a:stretch>
+        </p:blipFill>
+        <p:spPr bwMode="auto">
+          <a:xfrm>
+            <a:off x="179512" y="476672"/>
+            <a:ext cx="8534400" cy="962025"/>
+          </a:xfrm>
+          <a:prstGeom prst="rect">
+            <a:avLst/>
+          </a:prstGeom>
+          <a:noFill/>
+        </p:spPr>
+      </p:pic>
+      <p:sp>
+        <p:nvSpPr>
+          <p:cNvPr id="4" name="矩形 3"/>
+          <p:cNvSpPr/>
+          <p:nvPr/>
+        </p:nvSpPr>
+        <p:spPr>
+          <a:xfrm>
+            <a:off x="179512" y="116632"/>
+            <a:ext cx="2411879" cy="369332"/>
+          </a:xfrm>
+          <a:prstGeom prst="rect">
+            <a:avLst/>
+          </a:prstGeom>
+        </p:spPr>
+        <p:txBody>
+          <a:bodyPr wrap="none">
+            <a:spAutoFit/>
+          </a:bodyPr>
+          <a:lstStyle/>
+          <a:p>
+            <a:r>
+              <a:rPr lang="zh-CN" altLang="en-US" dirty="0" smtClean="0"/>
+              <a:t>带</a:t>
+            </a:r>
+            <a:r>
+              <a:rPr lang="en-US" altLang="zh-CN" dirty="0" smtClean="0"/>
               <a:t>--</a:t>
             </a:r>
             <a:r>
-              <a:rPr lang="en-US" sz="1800" b="0" strike="noStrike" spc="-1" dirty="0" err="1">
-                <a:solidFill>
-                  <a:srgbClr val="000000"/>
-                </a:solidFill>
-                <a:uFill>
-                  <a:solidFill>
-                    <a:srgbClr val="FFFFFF"/>
-                  </a:solidFill>
-                </a:uFill>
-                <a:latin typeface="Arial"/>
-              </a:rPr>
-              <a:t>squash：使用squash方式合并，把多次分支commit历史压缩为一次</a:t>
-            </a:r>
-            <a:endParaRPr lang="en-US" sz="1800" b="0" strike="noStrike" spc="-1" dirty="0">
-              <a:solidFill>
-                <a:srgbClr val="000000"/>
-              </a:solidFill>
-              <a:uFill>
-                <a:solidFill>
-                  <a:srgbClr val="FFFFFF"/>
-                </a:solidFill>
-              </a:uFill>
-              <a:latin typeface="Arial"/>
-            </a:endParaRPr>
+              <a:rPr lang="en-US" altLang="zh-CN" dirty="0" smtClean="0"/>
+              <a:t>no-ff</a:t>
+            </a:r>
+            <a:r>
+              <a:rPr lang="zh-CN" altLang="en-US" smtClean="0"/>
+              <a:t>删除分支后：</a:t>
+            </a:r>
+            <a:endParaRPr lang="zh-CN" altLang="en-US" dirty="0"/>
           </a:p>
         </p:txBody>
       </p:sp>
@@ -36153,6 +36067,236 @@
 </file>
 
 <file path=ppt/slides/slide48.xml><?xml version="1.0" encoding="utf-8"?>
+<p:sld xmlns:a="http://schemas.openxmlformats.org/drawingml/2006/main" xmlns:r="http://schemas.openxmlformats.org/officeDocument/2006/relationships" xmlns:p="http://schemas.openxmlformats.org/presentationml/2006/main">
+  <p:cSld>
+    <p:spTree>
+      <p:nvGrpSpPr>
+        <p:cNvPr id="1" name=""/>
+        <p:cNvGrpSpPr/>
+        <p:nvPr/>
+      </p:nvGrpSpPr>
+      <p:grpSpPr>
+        <a:xfrm>
+          <a:off x="0" y="0"/>
+          <a:ext cx="0" cy="0"/>
+          <a:chOff x="0" y="0"/>
+          <a:chExt cx="0" cy="0"/>
+        </a:xfrm>
+      </p:grpSpPr>
+      <p:pic>
+        <p:nvPicPr>
+          <p:cNvPr id="1026" name="Picture 2" descr="F:\a\Selection_002.png"/>
+          <p:cNvPicPr>
+            <a:picLocks noChangeAspect="1" noChangeArrowheads="1"/>
+          </p:cNvPicPr>
+          <p:nvPr/>
+        </p:nvPicPr>
+        <p:blipFill>
+          <a:blip r:embed="rId2" cstate="print"/>
+          <a:srcRect/>
+          <a:stretch>
+            <a:fillRect/>
+          </a:stretch>
+        </p:blipFill>
+        <p:spPr bwMode="auto">
+          <a:xfrm>
+            <a:off x="395536" y="548680"/>
+            <a:ext cx="7934325" cy="1304925"/>
+          </a:xfrm>
+          <a:prstGeom prst="rect">
+            <a:avLst/>
+          </a:prstGeom>
+          <a:noFill/>
+        </p:spPr>
+      </p:pic>
+      <p:pic>
+        <p:nvPicPr>
+          <p:cNvPr id="1027" name="Picture 3" descr="F:\a\Selection_005.png"/>
+          <p:cNvPicPr>
+            <a:picLocks noChangeAspect="1" noChangeArrowheads="1"/>
+          </p:cNvPicPr>
+          <p:nvPr/>
+        </p:nvPicPr>
+        <p:blipFill>
+          <a:blip r:embed="rId3" cstate="print"/>
+          <a:srcRect/>
+          <a:stretch>
+            <a:fillRect/>
+          </a:stretch>
+        </p:blipFill>
+        <p:spPr bwMode="auto">
+          <a:xfrm>
+            <a:off x="0" y="2708920"/>
+            <a:ext cx="9286876" cy="495300"/>
+          </a:xfrm>
+          <a:prstGeom prst="rect">
+            <a:avLst/>
+          </a:prstGeom>
+          <a:noFill/>
+        </p:spPr>
+      </p:pic>
+      <p:pic>
+        <p:nvPicPr>
+          <p:cNvPr id="1028" name="Picture 4" descr="F:\a\Selection_006.png"/>
+          <p:cNvPicPr>
+            <a:picLocks noChangeAspect="1" noChangeArrowheads="1"/>
+          </p:cNvPicPr>
+          <p:nvPr/>
+        </p:nvPicPr>
+        <p:blipFill>
+          <a:blip r:embed="rId4" cstate="print"/>
+          <a:srcRect/>
+          <a:stretch>
+            <a:fillRect/>
+          </a:stretch>
+        </p:blipFill>
+        <p:spPr bwMode="auto">
+          <a:xfrm>
+            <a:off x="-38100" y="4509120"/>
+            <a:ext cx="9182100" cy="628650"/>
+          </a:xfrm>
+          <a:prstGeom prst="rect">
+            <a:avLst/>
+          </a:prstGeom>
+          <a:noFill/>
+        </p:spPr>
+      </p:pic>
+      <p:sp>
+        <p:nvSpPr>
+          <p:cNvPr id="7" name="矩形 6"/>
+          <p:cNvSpPr/>
+          <p:nvPr/>
+        </p:nvSpPr>
+        <p:spPr>
+          <a:xfrm>
+            <a:off x="0" y="2204864"/>
+            <a:ext cx="2377574" cy="369332"/>
+          </a:xfrm>
+          <a:prstGeom prst="rect">
+            <a:avLst/>
+          </a:prstGeom>
+        </p:spPr>
+        <p:txBody>
+          <a:bodyPr wrap="none">
+            <a:spAutoFit/>
+          </a:bodyPr>
+          <a:lstStyle/>
+          <a:p>
+            <a:r>
+              <a:rPr lang="zh-CN" altLang="en-US" dirty="0" smtClean="0"/>
+              <a:t>删除</a:t>
+            </a:r>
+            <a:r>
+              <a:rPr lang="en-US" altLang="zh-CN" dirty="0" smtClean="0"/>
+              <a:t>develop</a:t>
+            </a:r>
+            <a:r>
+              <a:rPr lang="zh-CN" altLang="en-US" dirty="0" smtClean="0"/>
+              <a:t>分支前：</a:t>
+            </a:r>
+            <a:endParaRPr lang="zh-CN" altLang="en-US" dirty="0"/>
+          </a:p>
+        </p:txBody>
+      </p:sp>
+      <p:sp>
+        <p:nvSpPr>
+          <p:cNvPr id="8" name="矩形 7"/>
+          <p:cNvSpPr/>
+          <p:nvPr/>
+        </p:nvSpPr>
+        <p:spPr>
+          <a:xfrm>
+            <a:off x="0" y="3789040"/>
+            <a:ext cx="5262979" cy="369332"/>
+          </a:xfrm>
+          <a:prstGeom prst="rect">
+            <a:avLst/>
+          </a:prstGeom>
+        </p:spPr>
+        <p:txBody>
+          <a:bodyPr wrap="none">
+            <a:spAutoFit/>
+          </a:bodyPr>
+          <a:lstStyle/>
+          <a:p>
+            <a:r>
+              <a:rPr lang="zh-CN" altLang="en-US" dirty="0" smtClean="0"/>
+              <a:t>删除</a:t>
+            </a:r>
+            <a:r>
+              <a:rPr lang="en-US" altLang="zh-CN" dirty="0" smtClean="0"/>
+              <a:t>develop</a:t>
+            </a:r>
+            <a:r>
+              <a:rPr lang="zh-CN" altLang="en-US" dirty="0" smtClean="0"/>
+              <a:t>分支后，</a:t>
+            </a:r>
+            <a:r>
+              <a:rPr lang="en-US" altLang="zh-CN" dirty="0" smtClean="0"/>
+              <a:t>develop</a:t>
+            </a:r>
+            <a:r>
+              <a:rPr lang="zh-CN" altLang="en-US" dirty="0" smtClean="0"/>
+              <a:t>分支信</a:t>
+            </a:r>
+            <a:r>
+              <a:rPr lang="zh-CN" altLang="en-US" dirty="0" smtClean="0"/>
+              <a:t>息完全丢</a:t>
+            </a:r>
+            <a:r>
+              <a:rPr lang="zh-CN" altLang="en-US" dirty="0" smtClean="0"/>
+              <a:t>失：</a:t>
+            </a:r>
+            <a:endParaRPr lang="zh-CN" altLang="en-US" dirty="0"/>
+          </a:p>
+        </p:txBody>
+      </p:sp>
+      <p:sp>
+        <p:nvSpPr>
+          <p:cNvPr id="9" name="矩形 8"/>
+          <p:cNvSpPr/>
+          <p:nvPr/>
+        </p:nvSpPr>
+        <p:spPr>
+          <a:xfrm>
+            <a:off x="179512" y="116632"/>
+            <a:ext cx="1488549" cy="369332"/>
+          </a:xfrm>
+          <a:prstGeom prst="rect">
+            <a:avLst/>
+          </a:prstGeom>
+        </p:spPr>
+        <p:txBody>
+          <a:bodyPr wrap="none">
+            <a:spAutoFit/>
+          </a:bodyPr>
+          <a:lstStyle/>
+          <a:p>
+            <a:r>
+              <a:rPr lang="zh-CN" altLang="en-US" dirty="0" smtClean="0"/>
+              <a:t>未带</a:t>
+            </a:r>
+            <a:r>
+              <a:rPr lang="en-US" altLang="zh-CN" dirty="0" smtClean="0"/>
+              <a:t>--no-ff</a:t>
+            </a:r>
+            <a:r>
+              <a:rPr lang="zh-CN" altLang="en-US" dirty="0" smtClean="0"/>
+              <a:t>：</a:t>
+            </a:r>
+            <a:endParaRPr lang="zh-CN" altLang="en-US" dirty="0"/>
+          </a:p>
+        </p:txBody>
+      </p:sp>
+    </p:spTree>
+  </p:cSld>
+  <p:clrMapOvr>
+    <a:masterClrMapping/>
+  </p:clrMapOvr>
+</p:sld>
+</file>
+
+<file path=ppt/slides/slide49.xml><?xml version="1.0" encoding="utf-8"?>
 <p:sld xmlns:a="http://schemas.openxmlformats.org/drawingml/2006/main" xmlns:r="http://schemas.openxmlformats.org/officeDocument/2006/relationships" xmlns:p="http://schemas.openxmlformats.org/presentationml/2006/main">
   <p:cSld>
     <p:spTree>
@@ -36974,1070 +37118,6 @@
       </p:par>
     </p:tnLst>
   </p:timing>
-</p:sld>
-</file>
-
-<file path=ppt/slides/slide49.xml><?xml version="1.0" encoding="utf-8"?>
-<p:sld xmlns:a="http://schemas.openxmlformats.org/drawingml/2006/main" xmlns:r="http://schemas.openxmlformats.org/officeDocument/2006/relationships" xmlns:p="http://schemas.openxmlformats.org/presentationml/2006/main">
-  <p:cSld>
-    <p:spTree>
-      <p:nvGrpSpPr>
-        <p:cNvPr id="1" name=""/>
-        <p:cNvGrpSpPr/>
-        <p:nvPr/>
-      </p:nvGrpSpPr>
-      <p:grpSpPr>
-        <a:xfrm>
-          <a:off x="0" y="0"/>
-          <a:ext cx="0" cy="0"/>
-          <a:chOff x="0" y="0"/>
-          <a:chExt cx="0" cy="0"/>
-        </a:xfrm>
-      </p:grpSpPr>
-      <p:sp>
-        <p:nvSpPr>
-          <p:cNvPr id="1029" name="Rectangle 5"/>
-          <p:cNvSpPr>
-            <a:spLocks noChangeArrowheads="1"/>
-          </p:cNvSpPr>
-          <p:nvPr/>
-        </p:nvSpPr>
-        <p:spPr bwMode="auto">
-          <a:xfrm>
-            <a:off x="0" y="0"/>
-            <a:ext cx="9144000" cy="457200"/>
-          </a:xfrm>
-          <a:prstGeom prst="rect">
-            <a:avLst/>
-          </a:prstGeom>
-          <a:noFill/>
-          <a:ln w="9525">
-            <a:noFill/>
-            <a:miter lim="800000"/>
-            <a:headEnd/>
-            <a:tailEnd/>
-          </a:ln>
-          <a:effectLst/>
-        </p:spPr>
-        <p:txBody>
-          <a:bodyPr vert="horz" wrap="none" lIns="91440" tIns="45720" rIns="91440" bIns="45720" numCol="1" anchor="ctr" anchorCtr="0" compatLnSpc="1">
-            <a:prstTxWarp prst="textNoShape">
-              <a:avLst/>
-            </a:prstTxWarp>
-            <a:spAutoFit/>
-          </a:bodyPr>
-          <a:lstStyle/>
-          <a:p>
-            <a:pPr marL="0" marR="0" lvl="0" indent="0" algn="l" defTabSz="914400" rtl="0" eaLnBrk="1" fontAlgn="base" latinLnBrk="0" hangingPunct="1">
-              <a:lnSpc>
-                <a:spcPct val="100000"/>
-              </a:lnSpc>
-              <a:spcBef>
-                <a:spcPct val="0"/>
-              </a:spcBef>
-              <a:spcAft>
-                <a:spcPct val="0"/>
-              </a:spcAft>
-              <a:buClrTx/>
-              <a:buSzTx/>
-              <a:buFontTx/>
-              <a:buNone/>
-              <a:tabLst/>
-            </a:pPr>
-            <a:r>
-              <a:rPr kumimoji="0" lang="zh-CN" sz="1100" b="0" i="0" u="none" strike="noStrike" cap="none" normalizeH="0" baseline="0" smtClean="0">
-                <a:ln>
-                  <a:noFill/>
-                </a:ln>
-                <a:solidFill>
-                  <a:schemeClr val="tx1"/>
-                </a:solidFill>
-                <a:effectLst/>
-                <a:latin typeface="Tahoma" pitchFamily="34" charset="0"/>
-                <a:ea typeface="微软雅黑" pitchFamily="34" charset="-122"/>
-                <a:cs typeface="Tahoma" pitchFamily="34" charset="0"/>
-              </a:rPr>
-              <a:t>初始化的样子：</a:t>
-            </a:r>
-            <a:r>
-              <a:rPr kumimoji="0" lang="en-US" altLang="zh-CN" sz="1100" b="0" i="0" u="none" strike="noStrike" cap="none" normalizeH="0" baseline="0" smtClean="0">
-                <a:ln>
-                  <a:noFill/>
-                </a:ln>
-                <a:solidFill>
-                  <a:schemeClr val="tx1"/>
-                </a:solidFill>
-                <a:effectLst/>
-                <a:latin typeface="Tahoma" pitchFamily="34" charset="0"/>
-                <a:ea typeface="微软雅黑" pitchFamily="34" charset="-122"/>
-                <a:cs typeface="Tahoma" pitchFamily="34" charset="0"/>
-              </a:rPr>
-              <a:t>git log </a:t>
-            </a:r>
-            <a:r>
-              <a:rPr kumimoji="0" lang="en-US" altLang="zh-CN" sz="1100" b="0" i="0" u="none" strike="noStrike" cap="none" normalizeH="0" baseline="0" smtClean="0">
-                <a:ln>
-                  <a:noFill/>
-                </a:ln>
-                <a:solidFill>
-                  <a:schemeClr val="tx1"/>
-                </a:solidFill>
-                <a:effectLst/>
-                <a:latin typeface="Arial"/>
-                <a:ea typeface="微软雅黑" pitchFamily="34" charset="-122"/>
-                <a:cs typeface="Tahoma" pitchFamily="34" charset="0"/>
-              </a:rPr>
-              <a:t>–</a:t>
-            </a:r>
-            <a:r>
-              <a:rPr kumimoji="0" lang="en-US" altLang="zh-CN" sz="1100" b="0" i="0" u="none" strike="noStrike" cap="none" normalizeH="0" baseline="0" smtClean="0">
-                <a:ln>
-                  <a:noFill/>
-                </a:ln>
-                <a:solidFill>
-                  <a:schemeClr val="tx1"/>
-                </a:solidFill>
-                <a:effectLst/>
-                <a:latin typeface="Tahoma" pitchFamily="34" charset="0"/>
-                <a:ea typeface="微软雅黑" pitchFamily="34" charset="-122"/>
-                <a:cs typeface="Tahoma" pitchFamily="34" charset="0"/>
-              </a:rPr>
-              <a:t>oneline -6</a:t>
-            </a:r>
-            <a:endParaRPr kumimoji="0" lang="en-US" altLang="zh-CN" sz="600" b="0" i="0" u="none" strike="noStrike" cap="none" normalizeH="0" baseline="0" smtClean="0">
-              <a:ln>
-                <a:noFill/>
-              </a:ln>
-              <a:solidFill>
-                <a:schemeClr val="tx1"/>
-              </a:solidFill>
-              <a:effectLst/>
-              <a:latin typeface="Arial" pitchFamily="34" charset="0"/>
-              <a:ea typeface="宋体" pitchFamily="2" charset="-122"/>
-              <a:cs typeface="宋体" pitchFamily="2" charset="-122"/>
-            </a:endParaRPr>
-          </a:p>
-          <a:p>
-            <a:pPr marL="0" marR="0" lvl="0" indent="0" algn="l" defTabSz="914400" rtl="0" eaLnBrk="0" fontAlgn="base" latinLnBrk="0" hangingPunct="0">
-              <a:lnSpc>
-                <a:spcPct val="100000"/>
-              </a:lnSpc>
-              <a:spcBef>
-                <a:spcPct val="0"/>
-              </a:spcBef>
-              <a:spcAft>
-                <a:spcPct val="0"/>
-              </a:spcAft>
-              <a:buClrTx/>
-              <a:buSzTx/>
-              <a:buFontTx/>
-              <a:buNone/>
-              <a:tabLst/>
-            </a:pPr>
-            <a:endParaRPr kumimoji="0" lang="en-US" altLang="zh-CN" sz="1800" b="0" i="0" u="none" strike="noStrike" cap="none" normalizeH="0" baseline="0" smtClean="0">
-              <a:ln>
-                <a:noFill/>
-              </a:ln>
-              <a:solidFill>
-                <a:schemeClr val="tx1"/>
-              </a:solidFill>
-              <a:effectLst/>
-              <a:latin typeface="Arial" pitchFamily="34" charset="0"/>
-              <a:ea typeface="宋体" pitchFamily="2" charset="-122"/>
-              <a:cs typeface="宋体" pitchFamily="2" charset="-122"/>
-            </a:endParaRPr>
-          </a:p>
-        </p:txBody>
-      </p:sp>
-      <p:pic>
-        <p:nvPicPr>
-          <p:cNvPr id="1028" name="图片 1" descr="https://img-blog.csdn.net/20150626144458586?watermark/2/text/aHR0cDovL2Jsb2cuY3Nkbi5uZXQvendsb3ZlNTI4MA==/font/5a6L5L2T/fontsize/400/fill/I0JBQkFCMA==/dissolve/70/gravity/Center"/>
-          <p:cNvPicPr>
-            <a:picLocks noChangeAspect="1" noChangeArrowheads="1"/>
-          </p:cNvPicPr>
-          <p:nvPr/>
-        </p:nvPicPr>
-        <p:blipFill>
-          <a:blip r:embed="rId2" cstate="print"/>
-          <a:srcRect/>
-          <a:stretch>
-            <a:fillRect/>
-          </a:stretch>
-        </p:blipFill>
-        <p:spPr bwMode="auto">
-          <a:xfrm>
-            <a:off x="0" y="457200"/>
-            <a:ext cx="5276850" cy="714375"/>
-          </a:xfrm>
-          <a:prstGeom prst="rect">
-            <a:avLst/>
-          </a:prstGeom>
-          <a:noFill/>
-        </p:spPr>
-      </p:pic>
-      <p:sp>
-        <p:nvSpPr>
-          <p:cNvPr id="1030" name="Rectangle 6"/>
-          <p:cNvSpPr>
-            <a:spLocks noChangeArrowheads="1"/>
-          </p:cNvSpPr>
-          <p:nvPr/>
-        </p:nvSpPr>
-        <p:spPr bwMode="auto">
-          <a:xfrm>
-            <a:off x="0" y="1184731"/>
-            <a:ext cx="4567276" cy="430887"/>
-          </a:xfrm>
-          <a:prstGeom prst="rect">
-            <a:avLst/>
-          </a:prstGeom>
-          <a:noFill/>
-          <a:ln w="9525">
-            <a:noFill/>
-            <a:miter lim="800000"/>
-            <a:headEnd/>
-            <a:tailEnd/>
-          </a:ln>
-          <a:effectLst/>
-        </p:spPr>
-        <p:txBody>
-          <a:bodyPr vert="horz" wrap="none" lIns="91440" tIns="45720" rIns="91440" bIns="45720" numCol="1" anchor="ctr" anchorCtr="0" compatLnSpc="1">
-            <a:prstTxWarp prst="textNoShape">
-              <a:avLst/>
-            </a:prstTxWarp>
-            <a:spAutoFit/>
-          </a:bodyPr>
-          <a:lstStyle/>
-          <a:p>
-            <a:pPr marL="0" marR="0" lvl="0" indent="0" algn="l" defTabSz="914400" rtl="0" eaLnBrk="1" fontAlgn="base" latinLnBrk="0" hangingPunct="1">
-              <a:lnSpc>
-                <a:spcPct val="100000"/>
-              </a:lnSpc>
-              <a:spcBef>
-                <a:spcPct val="0"/>
-              </a:spcBef>
-              <a:spcAft>
-                <a:spcPct val="0"/>
-              </a:spcAft>
-              <a:buClrTx/>
-              <a:buSzTx/>
-              <a:buFontTx/>
-              <a:buNone/>
-              <a:tabLst/>
-            </a:pPr>
-            <a:r>
-              <a:rPr kumimoji="0" lang="zh-CN" sz="1100" b="0" i="0" u="none" strike="noStrike" cap="none" normalizeH="0" baseline="0" dirty="0" smtClean="0">
-                <a:ln>
-                  <a:noFill/>
-                </a:ln>
-                <a:solidFill>
-                  <a:schemeClr val="tx1"/>
-                </a:solidFill>
-                <a:effectLst/>
-                <a:latin typeface="Tahoma" pitchFamily="34" charset="0"/>
-                <a:ea typeface="微软雅黑" pitchFamily="34" charset="-122"/>
-                <a:cs typeface="Tahoma" pitchFamily="34" charset="0"/>
-              </a:rPr>
-              <a:t>从上到下是</a:t>
-            </a:r>
-            <a:r>
-              <a:rPr kumimoji="0" lang="en-US" altLang="zh-CN" sz="1100" b="0" i="0" u="none" strike="noStrike" cap="none" normalizeH="0" baseline="0" dirty="0" smtClean="0">
-                <a:ln>
-                  <a:noFill/>
-                </a:ln>
-                <a:solidFill>
-                  <a:schemeClr val="tx1"/>
-                </a:solidFill>
-                <a:effectLst/>
-                <a:latin typeface="Tahoma" pitchFamily="34" charset="0"/>
-                <a:ea typeface="微软雅黑" pitchFamily="34" charset="-122"/>
-                <a:cs typeface="Tahoma" pitchFamily="34" charset="0"/>
-              </a:rPr>
-              <a:t>1</a:t>
-            </a:r>
-            <a:r>
-              <a:rPr kumimoji="0" lang="zh-CN" altLang="en-US" sz="1100" b="0" i="0" u="none" strike="noStrike" cap="none" normalizeH="0" baseline="0" dirty="0" smtClean="0">
-                <a:ln>
-                  <a:noFill/>
-                </a:ln>
-                <a:solidFill>
-                  <a:schemeClr val="tx1"/>
-                </a:solidFill>
-                <a:effectLst/>
-                <a:latin typeface="Tahoma" pitchFamily="34" charset="0"/>
-                <a:ea typeface="微软雅黑" pitchFamily="34" charset="-122"/>
-                <a:cs typeface="Tahoma" pitchFamily="34" charset="0"/>
-              </a:rPr>
-              <a:t>、</a:t>
-            </a:r>
-            <a:r>
-              <a:rPr kumimoji="0" lang="en-US" altLang="zh-CN" sz="1100" b="0" i="0" u="none" strike="noStrike" cap="none" normalizeH="0" baseline="0" dirty="0" smtClean="0">
-                <a:ln>
-                  <a:noFill/>
-                </a:ln>
-                <a:solidFill>
-                  <a:schemeClr val="tx1"/>
-                </a:solidFill>
-                <a:effectLst/>
-                <a:latin typeface="Tahoma" pitchFamily="34" charset="0"/>
-                <a:ea typeface="微软雅黑" pitchFamily="34" charset="-122"/>
-                <a:cs typeface="Tahoma" pitchFamily="34" charset="0"/>
-              </a:rPr>
-              <a:t>2</a:t>
-            </a:r>
-            <a:r>
-              <a:rPr kumimoji="0" lang="zh-CN" altLang="en-US" sz="1100" b="0" i="0" u="none" strike="noStrike" cap="none" normalizeH="0" baseline="0" dirty="0" smtClean="0">
-                <a:ln>
-                  <a:noFill/>
-                </a:ln>
-                <a:solidFill>
-                  <a:schemeClr val="tx1"/>
-                </a:solidFill>
-                <a:effectLst/>
-                <a:latin typeface="Tahoma" pitchFamily="34" charset="0"/>
-                <a:ea typeface="微软雅黑" pitchFamily="34" charset="-122"/>
-                <a:cs typeface="Tahoma" pitchFamily="34" charset="0"/>
-              </a:rPr>
-              <a:t>、</a:t>
-            </a:r>
-            <a:r>
-              <a:rPr kumimoji="0" lang="en-US" altLang="zh-CN" sz="1100" b="0" i="0" u="none" strike="noStrike" cap="none" normalizeH="0" baseline="0" dirty="0" smtClean="0">
-                <a:ln>
-                  <a:noFill/>
-                </a:ln>
-                <a:solidFill>
-                  <a:schemeClr val="tx1"/>
-                </a:solidFill>
-                <a:effectLst/>
-                <a:latin typeface="Tahoma" pitchFamily="34" charset="0"/>
-                <a:ea typeface="微软雅黑" pitchFamily="34" charset="-122"/>
-                <a:cs typeface="Tahoma" pitchFamily="34" charset="0"/>
-              </a:rPr>
-              <a:t>3</a:t>
-            </a:r>
-            <a:r>
-              <a:rPr kumimoji="0" lang="zh-CN" altLang="en-US" sz="1100" b="0" i="0" u="none" strike="noStrike" cap="none" normalizeH="0" baseline="0" dirty="0" smtClean="0">
-                <a:ln>
-                  <a:noFill/>
-                </a:ln>
-                <a:solidFill>
-                  <a:schemeClr val="tx1"/>
-                </a:solidFill>
-                <a:effectLst/>
-                <a:latin typeface="Tahoma" pitchFamily="34" charset="0"/>
-                <a:ea typeface="微软雅黑" pitchFamily="34" charset="-122"/>
-                <a:cs typeface="Tahoma" pitchFamily="34" charset="0"/>
-              </a:rPr>
-              <a:t>、</a:t>
-            </a:r>
-            <a:r>
-              <a:rPr kumimoji="0" lang="en-US" altLang="zh-CN" sz="1100" b="0" i="0" u="none" strike="noStrike" cap="none" normalizeH="0" baseline="0" dirty="0" smtClean="0">
-                <a:ln>
-                  <a:noFill/>
-                </a:ln>
-                <a:solidFill>
-                  <a:schemeClr val="tx1"/>
-                </a:solidFill>
-                <a:effectLst/>
-                <a:latin typeface="Tahoma" pitchFamily="34" charset="0"/>
-                <a:ea typeface="微软雅黑" pitchFamily="34" charset="-122"/>
-                <a:cs typeface="Tahoma" pitchFamily="34" charset="0"/>
-              </a:rPr>
-              <a:t>4</a:t>
-            </a:r>
-            <a:r>
-              <a:rPr kumimoji="0" lang="zh-CN" altLang="en-US" sz="1100" b="0" i="0" u="none" strike="noStrike" cap="none" normalizeH="0" baseline="0" dirty="0" smtClean="0">
-                <a:ln>
-                  <a:noFill/>
-                </a:ln>
-                <a:solidFill>
-                  <a:schemeClr val="tx1"/>
-                </a:solidFill>
-                <a:effectLst/>
-                <a:latin typeface="Tahoma" pitchFamily="34" charset="0"/>
-                <a:ea typeface="微软雅黑" pitchFamily="34" charset="-122"/>
-                <a:cs typeface="Tahoma" pitchFamily="34" charset="0"/>
-              </a:rPr>
-              <a:t>、</a:t>
-            </a:r>
-            <a:r>
-              <a:rPr kumimoji="0" lang="en-US" altLang="zh-CN" sz="1100" b="0" i="0" u="none" strike="noStrike" cap="none" normalizeH="0" baseline="0" dirty="0" smtClean="0">
-                <a:ln>
-                  <a:noFill/>
-                </a:ln>
-                <a:solidFill>
-                  <a:schemeClr val="tx1"/>
-                </a:solidFill>
-                <a:effectLst/>
-                <a:latin typeface="Tahoma" pitchFamily="34" charset="0"/>
-                <a:ea typeface="微软雅黑" pitchFamily="34" charset="-122"/>
-                <a:cs typeface="Tahoma" pitchFamily="34" charset="0"/>
-              </a:rPr>
-              <a:t>5</a:t>
-            </a:r>
-            <a:r>
-              <a:rPr kumimoji="0" lang="zh-CN" altLang="en-US" sz="1100" b="0" i="0" u="none" strike="noStrike" cap="none" normalizeH="0" baseline="0" dirty="0" smtClean="0">
-                <a:ln>
-                  <a:noFill/>
-                </a:ln>
-                <a:solidFill>
-                  <a:schemeClr val="tx1"/>
-                </a:solidFill>
-                <a:effectLst/>
-                <a:latin typeface="Tahoma" pitchFamily="34" charset="0"/>
-                <a:ea typeface="微软雅黑" pitchFamily="34" charset="-122"/>
-                <a:cs typeface="Tahoma" pitchFamily="34" charset="0"/>
-              </a:rPr>
-              <a:t>、</a:t>
-            </a:r>
-            <a:r>
-              <a:rPr kumimoji="0" lang="en-US" altLang="zh-CN" sz="1100" b="0" i="0" u="none" strike="noStrike" cap="none" normalizeH="0" baseline="0" dirty="0" smtClean="0">
-                <a:ln>
-                  <a:noFill/>
-                </a:ln>
-                <a:solidFill>
-                  <a:schemeClr val="tx1"/>
-                </a:solidFill>
-                <a:effectLst/>
-                <a:latin typeface="Tahoma" pitchFamily="34" charset="0"/>
-                <a:ea typeface="微软雅黑" pitchFamily="34" charset="-122"/>
-                <a:cs typeface="Tahoma" pitchFamily="34" charset="0"/>
-              </a:rPr>
-              <a:t>6</a:t>
-            </a:r>
-            <a:r>
-              <a:rPr kumimoji="0" lang="zh-CN" altLang="en-US" sz="1100" b="0" i="0" u="none" strike="noStrike" cap="none" normalizeH="0" baseline="0" dirty="0" smtClean="0">
-                <a:ln>
-                  <a:noFill/>
-                </a:ln>
-                <a:solidFill>
-                  <a:schemeClr val="tx1"/>
-                </a:solidFill>
-                <a:effectLst/>
-                <a:latin typeface="Tahoma" pitchFamily="34" charset="0"/>
-                <a:ea typeface="微软雅黑" pitchFamily="34" charset="-122"/>
-                <a:cs typeface="Tahoma" pitchFamily="34" charset="0"/>
-              </a:rPr>
-              <a:t>。第</a:t>
-            </a:r>
-            <a:r>
-              <a:rPr kumimoji="0" lang="en-US" altLang="zh-CN" sz="1100" b="0" i="0" u="none" strike="noStrike" cap="none" normalizeH="0" baseline="0" dirty="0" smtClean="0">
-                <a:ln>
-                  <a:noFill/>
-                </a:ln>
-                <a:solidFill>
-                  <a:schemeClr val="tx1"/>
-                </a:solidFill>
-                <a:effectLst/>
-                <a:latin typeface="Tahoma" pitchFamily="34" charset="0"/>
-                <a:ea typeface="微软雅黑" pitchFamily="34" charset="-122"/>
-                <a:cs typeface="Tahoma" pitchFamily="34" charset="0"/>
-              </a:rPr>
-              <a:t>1</a:t>
-            </a:r>
-            <a:r>
-              <a:rPr kumimoji="0" lang="zh-CN" altLang="en-US" sz="1100" b="0" i="0" u="none" strike="noStrike" cap="none" normalizeH="0" baseline="0" dirty="0" smtClean="0">
-                <a:ln>
-                  <a:noFill/>
-                </a:ln>
-                <a:solidFill>
-                  <a:schemeClr val="tx1"/>
-                </a:solidFill>
-                <a:effectLst/>
-                <a:latin typeface="Tahoma" pitchFamily="34" charset="0"/>
-                <a:ea typeface="微软雅黑" pitchFamily="34" charset="-122"/>
-                <a:cs typeface="Tahoma" pitchFamily="34" charset="0"/>
-              </a:rPr>
-              <a:t>个</a:t>
-            </a:r>
-            <a:r>
-              <a:rPr kumimoji="0" lang="en-US" altLang="zh-CN" sz="1100" b="0" i="0" u="none" strike="noStrike" cap="none" normalizeH="0" baseline="0" dirty="0" smtClean="0">
-                <a:ln>
-                  <a:noFill/>
-                </a:ln>
-                <a:solidFill>
-                  <a:schemeClr val="tx1"/>
-                </a:solidFill>
-                <a:effectLst/>
-                <a:latin typeface="Tahoma" pitchFamily="34" charset="0"/>
-                <a:ea typeface="微软雅黑" pitchFamily="34" charset="-122"/>
-                <a:cs typeface="Tahoma" pitchFamily="34" charset="0"/>
-              </a:rPr>
-              <a:t>commit</a:t>
-            </a:r>
-            <a:r>
-              <a:rPr kumimoji="0" lang="zh-CN" altLang="en-US" sz="1100" b="0" i="0" u="none" strike="noStrike" cap="none" normalizeH="0" baseline="0" dirty="0" smtClean="0">
-                <a:ln>
-                  <a:noFill/>
-                </a:ln>
-                <a:solidFill>
-                  <a:schemeClr val="tx1"/>
-                </a:solidFill>
-                <a:effectLst/>
-                <a:latin typeface="Tahoma" pitchFamily="34" charset="0"/>
-                <a:ea typeface="微软雅黑" pitchFamily="34" charset="-122"/>
-                <a:cs typeface="Tahoma" pitchFamily="34" charset="0"/>
-              </a:rPr>
-              <a:t>是最新的（时间最晚）。</a:t>
-            </a:r>
-            <a:endParaRPr kumimoji="0" lang="zh-CN" altLang="en-US" sz="600" b="0" i="0" u="none" strike="noStrike" cap="none" normalizeH="0" baseline="0" dirty="0" smtClean="0">
-              <a:ln>
-                <a:noFill/>
-              </a:ln>
-              <a:solidFill>
-                <a:schemeClr val="tx1"/>
-              </a:solidFill>
-              <a:effectLst/>
-              <a:latin typeface="Arial" pitchFamily="34" charset="0"/>
-              <a:ea typeface="宋体" pitchFamily="2" charset="-122"/>
-              <a:cs typeface="宋体" pitchFamily="2" charset="-122"/>
-            </a:endParaRPr>
-          </a:p>
-          <a:p>
-            <a:pPr marL="0" marR="0" lvl="0" indent="0" algn="l" defTabSz="914400" rtl="0" eaLnBrk="0" fontAlgn="base" latinLnBrk="0" hangingPunct="0">
-              <a:lnSpc>
-                <a:spcPct val="100000"/>
-              </a:lnSpc>
-              <a:spcBef>
-                <a:spcPct val="0"/>
-              </a:spcBef>
-              <a:spcAft>
-                <a:spcPct val="0"/>
-              </a:spcAft>
-              <a:buClrTx/>
-              <a:buSzTx/>
-              <a:buFontTx/>
-              <a:buNone/>
-              <a:tabLst/>
-            </a:pPr>
-            <a:r>
-              <a:rPr kumimoji="0" lang="zh-CN" altLang="en-US" sz="1100" b="0" i="0" u="none" strike="noStrike" cap="none" normalizeH="0" baseline="0" dirty="0" smtClean="0">
-                <a:ln>
-                  <a:noFill/>
-                </a:ln>
-                <a:solidFill>
-                  <a:schemeClr val="tx1"/>
-                </a:solidFill>
-                <a:effectLst/>
-                <a:latin typeface="Arial"/>
-                <a:ea typeface="微软雅黑" pitchFamily="34" charset="-122"/>
-                <a:cs typeface="Tahoma" pitchFamily="34" charset="0"/>
-              </a:rPr>
-              <a:t> </a:t>
-            </a:r>
-            <a:r>
-              <a:rPr kumimoji="0" lang="zh-CN" altLang="en-US" sz="1100" b="0" i="0" u="none" strike="noStrike" cap="none" normalizeH="0" baseline="0" dirty="0" smtClean="0">
-                <a:ln>
-                  <a:noFill/>
-                </a:ln>
-                <a:solidFill>
-                  <a:schemeClr val="tx1"/>
-                </a:solidFill>
-                <a:effectLst/>
-                <a:latin typeface="微软雅黑" pitchFamily="34" charset="-122"/>
-                <a:ea typeface="微软雅黑" pitchFamily="34" charset="-122"/>
-                <a:cs typeface="Times New Roman" pitchFamily="18" charset="0"/>
-              </a:rPr>
-              <a:t>现在要去掉第</a:t>
-            </a:r>
-            <a:r>
-              <a:rPr kumimoji="0" lang="en-US" altLang="zh-CN" sz="1100" b="0" i="0" u="none" strike="noStrike" cap="none" normalizeH="0" baseline="0" dirty="0" smtClean="0">
-                <a:ln>
-                  <a:noFill/>
-                </a:ln>
-                <a:solidFill>
-                  <a:schemeClr val="tx1"/>
-                </a:solidFill>
-                <a:effectLst/>
-                <a:latin typeface="Tahoma" pitchFamily="34" charset="0"/>
-                <a:ea typeface="微软雅黑" pitchFamily="34" charset="-122"/>
-                <a:cs typeface="Tahoma" pitchFamily="34" charset="0"/>
-              </a:rPr>
-              <a:t>2</a:t>
-            </a:r>
-            <a:r>
-              <a:rPr kumimoji="0" lang="zh-CN" altLang="en-US" sz="1100" b="0" i="0" u="none" strike="noStrike" cap="none" normalizeH="0" baseline="0" dirty="0" smtClean="0">
-                <a:ln>
-                  <a:noFill/>
-                </a:ln>
-                <a:solidFill>
-                  <a:schemeClr val="tx1"/>
-                </a:solidFill>
-                <a:effectLst/>
-                <a:latin typeface="微软雅黑" pitchFamily="34" charset="-122"/>
-                <a:ea typeface="微软雅黑" pitchFamily="34" charset="-122"/>
-                <a:cs typeface="Times New Roman" pitchFamily="18" charset="0"/>
-              </a:rPr>
-              <a:t>个提交，合并</a:t>
-            </a:r>
-            <a:r>
-              <a:rPr kumimoji="0" lang="en-US" altLang="zh-CN" sz="1100" b="0" i="0" u="none" strike="noStrike" cap="none" normalizeH="0" baseline="0" dirty="0" smtClean="0">
-                <a:ln>
-                  <a:noFill/>
-                </a:ln>
-                <a:solidFill>
-                  <a:schemeClr val="tx1"/>
-                </a:solidFill>
-                <a:effectLst/>
-                <a:latin typeface="Tahoma" pitchFamily="34" charset="0"/>
-                <a:ea typeface="微软雅黑" pitchFamily="34" charset="-122"/>
-                <a:cs typeface="Tahoma" pitchFamily="34" charset="0"/>
-              </a:rPr>
-              <a:t>3.4.5</a:t>
-            </a:r>
-            <a:r>
-              <a:rPr kumimoji="0" lang="zh-CN" altLang="en-US" sz="1100" b="0" i="0" u="none" strike="noStrike" cap="none" normalizeH="0" baseline="0" dirty="0" smtClean="0">
-                <a:ln>
-                  <a:noFill/>
-                </a:ln>
-                <a:solidFill>
-                  <a:schemeClr val="tx1"/>
-                </a:solidFill>
-                <a:effectLst/>
-                <a:latin typeface="微软雅黑" pitchFamily="34" charset="-122"/>
-                <a:ea typeface="微软雅黑" pitchFamily="34" charset="-122"/>
-                <a:cs typeface="Times New Roman" pitchFamily="18" charset="0"/>
-              </a:rPr>
-              <a:t>提交</a:t>
-            </a:r>
-            <a:r>
-              <a:rPr kumimoji="0" lang="en-US" altLang="zh-CN" sz="1100" b="0" i="0" u="none" strike="noStrike" cap="none" normalizeH="0" baseline="0" dirty="0" smtClean="0">
-                <a:ln>
-                  <a:noFill/>
-                </a:ln>
-                <a:solidFill>
-                  <a:schemeClr val="tx1"/>
-                </a:solidFill>
-                <a:effectLst/>
-                <a:latin typeface="Tahoma" pitchFamily="34" charset="0"/>
-                <a:ea typeface="微软雅黑" pitchFamily="34" charset="-122"/>
-                <a:cs typeface="Tahoma" pitchFamily="34" charset="0"/>
-              </a:rPr>
-              <a:t>,</a:t>
-            </a:r>
-            <a:r>
-              <a:rPr kumimoji="0" lang="zh-CN" altLang="en-US" sz="1100" b="0" i="0" u="none" strike="noStrike" cap="none" normalizeH="0" baseline="0" dirty="0" smtClean="0">
-                <a:ln>
-                  <a:noFill/>
-                </a:ln>
-                <a:solidFill>
-                  <a:schemeClr val="tx1"/>
-                </a:solidFill>
-                <a:effectLst/>
-                <a:latin typeface="微软雅黑" pitchFamily="34" charset="-122"/>
-                <a:ea typeface="微软雅黑" pitchFamily="34" charset="-122"/>
-                <a:cs typeface="Times New Roman" pitchFamily="18" charset="0"/>
-              </a:rPr>
-              <a:t>重新修改第</a:t>
-            </a:r>
-            <a:r>
-              <a:rPr kumimoji="0" lang="en-US" altLang="zh-CN" sz="1100" b="0" i="0" u="none" strike="noStrike" cap="none" normalizeH="0" baseline="0" dirty="0" smtClean="0">
-                <a:ln>
-                  <a:noFill/>
-                </a:ln>
-                <a:solidFill>
-                  <a:schemeClr val="tx1"/>
-                </a:solidFill>
-                <a:effectLst/>
-                <a:latin typeface="Tahoma" pitchFamily="34" charset="0"/>
-                <a:ea typeface="微软雅黑" pitchFamily="34" charset="-122"/>
-                <a:cs typeface="Tahoma" pitchFamily="34" charset="0"/>
-              </a:rPr>
-              <a:t>5</a:t>
-            </a:r>
-            <a:r>
-              <a:rPr kumimoji="0" lang="zh-CN" altLang="en-US" sz="1100" b="0" i="0" u="none" strike="noStrike" cap="none" normalizeH="0" baseline="0" dirty="0" smtClean="0">
-                <a:ln>
-                  <a:noFill/>
-                </a:ln>
-                <a:solidFill>
-                  <a:schemeClr val="tx1"/>
-                </a:solidFill>
-                <a:effectLst/>
-                <a:latin typeface="微软雅黑" pitchFamily="34" charset="-122"/>
-                <a:ea typeface="微软雅黑" pitchFamily="34" charset="-122"/>
-                <a:cs typeface="Times New Roman" pitchFamily="18" charset="0"/>
-              </a:rPr>
-              <a:t>个提交的注释。</a:t>
-            </a:r>
-            <a:r>
-              <a:rPr kumimoji="0" lang="zh-CN" altLang="en-US" sz="600" b="0" i="0" u="none" strike="noStrike" cap="none" normalizeH="0" baseline="0" dirty="0" smtClean="0">
-                <a:ln>
-                  <a:noFill/>
-                </a:ln>
-                <a:solidFill>
-                  <a:schemeClr val="tx1"/>
-                </a:solidFill>
-                <a:effectLst/>
-                <a:latin typeface="Arial" pitchFamily="34" charset="0"/>
-                <a:ea typeface="宋体" pitchFamily="2" charset="-122"/>
-                <a:cs typeface="宋体" pitchFamily="2" charset="-122"/>
-              </a:rPr>
-              <a:t> </a:t>
-            </a:r>
-            <a:endParaRPr kumimoji="0" lang="zh-CN" altLang="en-US" sz="1800" b="0" i="0" u="none" strike="noStrike" cap="none" normalizeH="0" baseline="0" dirty="0" smtClean="0">
-              <a:ln>
-                <a:noFill/>
-              </a:ln>
-              <a:solidFill>
-                <a:schemeClr val="tx1"/>
-              </a:solidFill>
-              <a:effectLst/>
-              <a:latin typeface="Arial" pitchFamily="34" charset="0"/>
-              <a:ea typeface="宋体" pitchFamily="2" charset="-122"/>
-              <a:cs typeface="宋体" pitchFamily="2" charset="-122"/>
-            </a:endParaRPr>
-          </a:p>
-        </p:txBody>
-      </p:sp>
-      <p:sp>
-        <p:nvSpPr>
-          <p:cNvPr id="10" name="矩形 9"/>
-          <p:cNvSpPr/>
-          <p:nvPr/>
-        </p:nvSpPr>
-        <p:spPr>
-          <a:xfrm>
-            <a:off x="0" y="1772816"/>
-            <a:ext cx="5455340" cy="369332"/>
-          </a:xfrm>
-          <a:prstGeom prst="rect">
-            <a:avLst/>
-          </a:prstGeom>
-        </p:spPr>
-        <p:txBody>
-          <a:bodyPr wrap="none">
-            <a:spAutoFit/>
-          </a:bodyPr>
-          <a:lstStyle/>
-          <a:p>
-            <a:r>
-              <a:rPr lang="zh-CN" altLang="zh-CN" dirty="0" smtClean="0"/>
-              <a:t>使用</a:t>
-            </a:r>
-            <a:r>
-              <a:rPr lang="en-US" altLang="zh-CN" dirty="0" err="1" smtClean="0"/>
-              <a:t>git</a:t>
-            </a:r>
-            <a:r>
-              <a:rPr lang="en-US" altLang="zh-CN" dirty="0" smtClean="0"/>
-              <a:t> rebase -</a:t>
-            </a:r>
-            <a:r>
-              <a:rPr lang="en-US" altLang="zh-CN" dirty="0" err="1" smtClean="0"/>
-              <a:t>i</a:t>
-            </a:r>
-            <a:r>
-              <a:rPr lang="en-US" altLang="zh-CN" dirty="0" smtClean="0"/>
-              <a:t> b1c38d5   # </a:t>
-            </a:r>
-            <a:r>
-              <a:rPr lang="zh-CN" altLang="en-US" dirty="0" smtClean="0"/>
-              <a:t>第</a:t>
-            </a:r>
-            <a:r>
-              <a:rPr lang="en-US" altLang="zh-CN" dirty="0" smtClean="0"/>
-              <a:t>6</a:t>
-            </a:r>
-            <a:r>
-              <a:rPr lang="zh-CN" altLang="en-US" dirty="0" smtClean="0"/>
-              <a:t>个提交的</a:t>
-            </a:r>
-            <a:r>
-              <a:rPr lang="en-US" altLang="zh-CN" dirty="0" smtClean="0"/>
-              <a:t>commit id</a:t>
-            </a:r>
-            <a:endParaRPr lang="zh-CN" altLang="en-US" dirty="0"/>
-          </a:p>
-        </p:txBody>
-      </p:sp>
-      <p:pic>
-        <p:nvPicPr>
-          <p:cNvPr id="11" name="图片 10" descr="https://img-blog.csdn.net/20150626145532885?watermark/2/text/aHR0cDovL2Jsb2cuY3Nkbi5uZXQvendsb3ZlNTI4MA==/font/5a6L5L2T/fontsize/400/fill/I0JBQkFCMA==/dissolve/70/gravity/Center"/>
-          <p:cNvPicPr/>
-          <p:nvPr/>
-        </p:nvPicPr>
-        <p:blipFill>
-          <a:blip r:embed="rId3" cstate="print"/>
-          <a:srcRect/>
-          <a:stretch>
-            <a:fillRect/>
-          </a:stretch>
-        </p:blipFill>
-        <p:spPr bwMode="auto">
-          <a:xfrm>
-            <a:off x="179512" y="2204864"/>
-            <a:ext cx="5274310" cy="2002952"/>
-          </a:xfrm>
-          <a:prstGeom prst="rect">
-            <a:avLst/>
-          </a:prstGeom>
-          <a:noFill/>
-          <a:ln w="9525">
-            <a:noFill/>
-            <a:miter lim="800000"/>
-            <a:headEnd/>
-            <a:tailEnd/>
-          </a:ln>
-        </p:spPr>
-      </p:pic>
-      <p:sp>
-        <p:nvSpPr>
-          <p:cNvPr id="12" name="矩形 11"/>
-          <p:cNvSpPr/>
-          <p:nvPr/>
-        </p:nvSpPr>
-        <p:spPr>
-          <a:xfrm>
-            <a:off x="179512" y="4293096"/>
-            <a:ext cx="8712968" cy="646331"/>
-          </a:xfrm>
-          <a:prstGeom prst="rect">
-            <a:avLst/>
-          </a:prstGeom>
-        </p:spPr>
-        <p:txBody>
-          <a:bodyPr wrap="square">
-            <a:spAutoFit/>
-          </a:bodyPr>
-          <a:lstStyle/>
-          <a:p>
-            <a:r>
-              <a:rPr lang="zh-CN" altLang="zh-CN" dirty="0" smtClean="0"/>
-              <a:t>这个界面的</a:t>
-            </a:r>
-            <a:r>
-              <a:rPr lang="en-US" altLang="zh-CN" dirty="0" smtClean="0"/>
-              <a:t>Log</a:t>
-            </a:r>
-            <a:r>
-              <a:rPr lang="zh-CN" altLang="zh-CN" dirty="0" smtClean="0"/>
-              <a:t>信息和我们使用</a:t>
-            </a:r>
-            <a:r>
-              <a:rPr lang="en-US" altLang="zh-CN" dirty="0" err="1" smtClean="0"/>
-              <a:t>git</a:t>
-            </a:r>
-            <a:r>
-              <a:rPr lang="en-US" altLang="zh-CN" dirty="0" smtClean="0"/>
-              <a:t> log</a:t>
-            </a:r>
-            <a:r>
-              <a:rPr lang="zh-CN" altLang="zh-CN" dirty="0" smtClean="0"/>
-              <a:t>出现的顺序是相反的，</a:t>
-            </a:r>
-            <a:r>
-              <a:rPr lang="zh-CN" altLang="en-US" dirty="0" smtClean="0"/>
-              <a:t>这里</a:t>
-            </a:r>
-            <a:r>
-              <a:rPr lang="zh-CN" altLang="zh-CN" dirty="0" smtClean="0"/>
-              <a:t>说的第几个都是按照</a:t>
-            </a:r>
-            <a:r>
-              <a:rPr lang="en-US" altLang="zh-CN" dirty="0" err="1" smtClean="0"/>
-              <a:t>git</a:t>
-            </a:r>
-            <a:r>
-              <a:rPr lang="en-US" altLang="zh-CN" dirty="0" smtClean="0"/>
-              <a:t> log</a:t>
-            </a:r>
-            <a:r>
-              <a:rPr lang="zh-CN" altLang="zh-CN" dirty="0" smtClean="0"/>
-              <a:t>的顺序</a:t>
-            </a:r>
-            <a:r>
-              <a:rPr lang="zh-CN" altLang="en-US" dirty="0" smtClean="0"/>
-              <a:t>来的。</a:t>
-            </a:r>
-            <a:endParaRPr lang="zh-CN" altLang="en-US" dirty="0"/>
-          </a:p>
-        </p:txBody>
-      </p:sp>
-      <p:sp>
-        <p:nvSpPr>
-          <p:cNvPr id="13" name="矩形 12"/>
-          <p:cNvSpPr/>
-          <p:nvPr/>
-        </p:nvSpPr>
-        <p:spPr>
-          <a:xfrm>
-            <a:off x="0" y="5085184"/>
-            <a:ext cx="8964488" cy="1200329"/>
-          </a:xfrm>
-          <a:prstGeom prst="rect">
-            <a:avLst/>
-          </a:prstGeom>
-        </p:spPr>
-        <p:txBody>
-          <a:bodyPr wrap="square">
-            <a:spAutoFit/>
-          </a:bodyPr>
-          <a:lstStyle/>
-          <a:p>
-            <a:r>
-              <a:rPr lang="zh-CN" altLang="zh-CN" dirty="0" smtClean="0"/>
-              <a:t>删除了</a:t>
-            </a:r>
-            <a:r>
-              <a:rPr lang="en-US" altLang="zh-CN" dirty="0" smtClean="0"/>
-              <a:t>pick add </a:t>
-            </a:r>
-            <a:r>
-              <a:rPr lang="en-US" altLang="zh-CN" dirty="0" err="1" smtClean="0"/>
-              <a:t>wei</a:t>
-            </a:r>
-            <a:r>
-              <a:rPr lang="zh-CN" altLang="en-US" dirty="0" smtClean="0"/>
-              <a:t>（第</a:t>
-            </a:r>
-            <a:r>
-              <a:rPr lang="en-US" altLang="zh-CN" dirty="0" smtClean="0"/>
-              <a:t>2</a:t>
-            </a:r>
-            <a:r>
-              <a:rPr lang="zh-CN" altLang="en-US" dirty="0" smtClean="0"/>
-              <a:t>个提交）</a:t>
-            </a:r>
-            <a:r>
-              <a:rPr lang="zh-CN" altLang="zh-CN" dirty="0" smtClean="0"/>
-              <a:t>，这样它就不</a:t>
-            </a:r>
-            <a:r>
-              <a:rPr lang="en-US" altLang="zh-CN" dirty="0" smtClean="0"/>
-              <a:t>cherry-pick</a:t>
-            </a:r>
-            <a:r>
-              <a:rPr lang="zh-CN" altLang="en-US" dirty="0" smtClean="0"/>
-              <a:t>了，代码修改就丢失了，比</a:t>
-            </a:r>
-            <a:r>
-              <a:rPr lang="en-US" altLang="zh-CN" dirty="0" smtClean="0"/>
-              <a:t>revert</a:t>
-            </a:r>
-            <a:r>
-              <a:rPr lang="zh-CN" altLang="en-US" dirty="0" smtClean="0"/>
-              <a:t>方便吧</a:t>
-            </a:r>
-            <a:r>
-              <a:rPr lang="zh-CN" altLang="zh-CN" dirty="0" smtClean="0"/>
-              <a:t>。</a:t>
-            </a:r>
-            <a:endParaRPr lang="en-US" altLang="zh-CN" dirty="0" smtClean="0"/>
-          </a:p>
-          <a:p>
-            <a:r>
-              <a:rPr lang="zh-CN" altLang="zh-CN" dirty="0" smtClean="0"/>
-              <a:t>把</a:t>
-            </a:r>
-            <a:r>
-              <a:rPr lang="en-US" altLang="zh-CN" dirty="0" smtClean="0"/>
-              <a:t>3</a:t>
-            </a:r>
-            <a:r>
-              <a:rPr lang="zh-CN" altLang="zh-CN" dirty="0" smtClean="0"/>
-              <a:t>、</a:t>
-            </a:r>
-            <a:r>
-              <a:rPr lang="en-US" altLang="zh-CN" dirty="0" smtClean="0"/>
-              <a:t>4</a:t>
-            </a:r>
-            <a:r>
-              <a:rPr lang="zh-CN" altLang="zh-CN" dirty="0" smtClean="0"/>
-              <a:t>前面的</a:t>
-            </a:r>
-            <a:r>
-              <a:rPr lang="en-US" altLang="zh-CN" dirty="0" smtClean="0"/>
-              <a:t>pick</a:t>
-            </a:r>
-            <a:r>
-              <a:rPr lang="zh-CN" altLang="zh-CN" dirty="0" smtClean="0"/>
-              <a:t>改为</a:t>
-            </a:r>
-            <a:r>
-              <a:rPr lang="en-US" altLang="zh-CN" dirty="0" smtClean="0"/>
-              <a:t>f</a:t>
-            </a:r>
-            <a:r>
-              <a:rPr lang="zh-CN" altLang="zh-CN" dirty="0" smtClean="0"/>
-              <a:t>，也就是说</a:t>
-            </a:r>
-            <a:r>
-              <a:rPr lang="en-US" altLang="zh-CN" dirty="0" smtClean="0"/>
-              <a:t>3</a:t>
-            </a:r>
-            <a:r>
-              <a:rPr lang="zh-CN" altLang="zh-CN" dirty="0" smtClean="0"/>
-              <a:t>、</a:t>
-            </a:r>
-            <a:r>
-              <a:rPr lang="en-US" altLang="zh-CN" dirty="0" smtClean="0"/>
-              <a:t>4</a:t>
-            </a:r>
-            <a:r>
-              <a:rPr lang="zh-CN" altLang="zh-CN" dirty="0" smtClean="0"/>
-              <a:t>被合并到</a:t>
-            </a:r>
-            <a:r>
-              <a:rPr lang="en-US" altLang="zh-CN" dirty="0" smtClean="0"/>
-              <a:t>5</a:t>
-            </a:r>
-            <a:r>
-              <a:rPr lang="zh-CN" altLang="zh-CN" dirty="0" smtClean="0"/>
-              <a:t>中了。</a:t>
-            </a:r>
-            <a:endParaRPr lang="en-US" altLang="zh-CN" dirty="0" smtClean="0"/>
-          </a:p>
-          <a:p>
-            <a:r>
-              <a:rPr lang="zh-CN" altLang="zh-CN" dirty="0" smtClean="0"/>
-              <a:t>重新修改</a:t>
-            </a:r>
-            <a:r>
-              <a:rPr lang="en-US" altLang="zh-CN" dirty="0" smtClean="0"/>
-              <a:t>5 </a:t>
-            </a:r>
-            <a:r>
-              <a:rPr lang="zh-CN" altLang="zh-CN" dirty="0" smtClean="0"/>
-              <a:t>的信息，那么我们在</a:t>
-            </a:r>
-            <a:r>
-              <a:rPr lang="en-US" altLang="zh-CN" dirty="0" smtClean="0"/>
-              <a:t>5</a:t>
-            </a:r>
-            <a:r>
-              <a:rPr lang="zh-CN" altLang="zh-CN" dirty="0" smtClean="0"/>
-              <a:t>上，把</a:t>
-            </a:r>
-            <a:r>
-              <a:rPr lang="en-US" altLang="zh-CN" dirty="0" smtClean="0"/>
-              <a:t>Pick</a:t>
-            </a:r>
-            <a:r>
-              <a:rPr lang="zh-CN" altLang="zh-CN" dirty="0" smtClean="0"/>
-              <a:t>改为</a:t>
-            </a:r>
-            <a:r>
-              <a:rPr lang="en-US" altLang="zh-CN" dirty="0" smtClean="0"/>
-              <a:t>r ,</a:t>
-            </a:r>
-            <a:r>
-              <a:rPr lang="zh-CN" altLang="zh-CN" dirty="0" smtClean="0"/>
-              <a:t>因此就出现上图的界面</a:t>
-            </a:r>
-            <a:r>
-              <a:rPr lang="zh-CN" altLang="en-US" dirty="0" smtClean="0"/>
-              <a:t>。</a:t>
-            </a:r>
-            <a:endParaRPr lang="zh-CN" altLang="en-US" dirty="0"/>
-          </a:p>
-        </p:txBody>
-      </p:sp>
-    </p:spTree>
-  </p:cSld>
-  <p:clrMapOvr>
-    <a:masterClrMapping/>
-  </p:clrMapOvr>
 </p:sld>
 </file>
 
@@ -38212,6 +37292,1070 @@
       </p:grpSpPr>
       <p:sp>
         <p:nvSpPr>
+          <p:cNvPr id="1029" name="Rectangle 5"/>
+          <p:cNvSpPr>
+            <a:spLocks noChangeArrowheads="1"/>
+          </p:cNvSpPr>
+          <p:nvPr/>
+        </p:nvSpPr>
+        <p:spPr bwMode="auto">
+          <a:xfrm>
+            <a:off x="0" y="0"/>
+            <a:ext cx="9144000" cy="457200"/>
+          </a:xfrm>
+          <a:prstGeom prst="rect">
+            <a:avLst/>
+          </a:prstGeom>
+          <a:noFill/>
+          <a:ln w="9525">
+            <a:noFill/>
+            <a:miter lim="800000"/>
+            <a:headEnd/>
+            <a:tailEnd/>
+          </a:ln>
+          <a:effectLst/>
+        </p:spPr>
+        <p:txBody>
+          <a:bodyPr vert="horz" wrap="none" lIns="91440" tIns="45720" rIns="91440" bIns="45720" numCol="1" anchor="ctr" anchorCtr="0" compatLnSpc="1">
+            <a:prstTxWarp prst="textNoShape">
+              <a:avLst/>
+            </a:prstTxWarp>
+            <a:spAutoFit/>
+          </a:bodyPr>
+          <a:lstStyle/>
+          <a:p>
+            <a:pPr marL="0" marR="0" lvl="0" indent="0" algn="l" defTabSz="914400" rtl="0" eaLnBrk="1" fontAlgn="base" latinLnBrk="0" hangingPunct="1">
+              <a:lnSpc>
+                <a:spcPct val="100000"/>
+              </a:lnSpc>
+              <a:spcBef>
+                <a:spcPct val="0"/>
+              </a:spcBef>
+              <a:spcAft>
+                <a:spcPct val="0"/>
+              </a:spcAft>
+              <a:buClrTx/>
+              <a:buSzTx/>
+              <a:buFontTx/>
+              <a:buNone/>
+              <a:tabLst/>
+            </a:pPr>
+            <a:r>
+              <a:rPr kumimoji="0" lang="zh-CN" sz="1100" b="0" i="0" u="none" strike="noStrike" cap="none" normalizeH="0" baseline="0" smtClean="0">
+                <a:ln>
+                  <a:noFill/>
+                </a:ln>
+                <a:solidFill>
+                  <a:schemeClr val="tx1"/>
+                </a:solidFill>
+                <a:effectLst/>
+                <a:latin typeface="Tahoma" pitchFamily="34" charset="0"/>
+                <a:ea typeface="微软雅黑" pitchFamily="34" charset="-122"/>
+                <a:cs typeface="Tahoma" pitchFamily="34" charset="0"/>
+              </a:rPr>
+              <a:t>初始化的样子：</a:t>
+            </a:r>
+            <a:r>
+              <a:rPr kumimoji="0" lang="en-US" altLang="zh-CN" sz="1100" b="0" i="0" u="none" strike="noStrike" cap="none" normalizeH="0" baseline="0" smtClean="0">
+                <a:ln>
+                  <a:noFill/>
+                </a:ln>
+                <a:solidFill>
+                  <a:schemeClr val="tx1"/>
+                </a:solidFill>
+                <a:effectLst/>
+                <a:latin typeface="Tahoma" pitchFamily="34" charset="0"/>
+                <a:ea typeface="微软雅黑" pitchFamily="34" charset="-122"/>
+                <a:cs typeface="Tahoma" pitchFamily="34" charset="0"/>
+              </a:rPr>
+              <a:t>git log </a:t>
+            </a:r>
+            <a:r>
+              <a:rPr kumimoji="0" lang="en-US" altLang="zh-CN" sz="1100" b="0" i="0" u="none" strike="noStrike" cap="none" normalizeH="0" baseline="0" smtClean="0">
+                <a:ln>
+                  <a:noFill/>
+                </a:ln>
+                <a:solidFill>
+                  <a:schemeClr val="tx1"/>
+                </a:solidFill>
+                <a:effectLst/>
+                <a:latin typeface="Arial"/>
+                <a:ea typeface="微软雅黑" pitchFamily="34" charset="-122"/>
+                <a:cs typeface="Tahoma" pitchFamily="34" charset="0"/>
+              </a:rPr>
+              <a:t>–</a:t>
+            </a:r>
+            <a:r>
+              <a:rPr kumimoji="0" lang="en-US" altLang="zh-CN" sz="1100" b="0" i="0" u="none" strike="noStrike" cap="none" normalizeH="0" baseline="0" smtClean="0">
+                <a:ln>
+                  <a:noFill/>
+                </a:ln>
+                <a:solidFill>
+                  <a:schemeClr val="tx1"/>
+                </a:solidFill>
+                <a:effectLst/>
+                <a:latin typeface="Tahoma" pitchFamily="34" charset="0"/>
+                <a:ea typeface="微软雅黑" pitchFamily="34" charset="-122"/>
+                <a:cs typeface="Tahoma" pitchFamily="34" charset="0"/>
+              </a:rPr>
+              <a:t>oneline -6</a:t>
+            </a:r>
+            <a:endParaRPr kumimoji="0" lang="en-US" altLang="zh-CN" sz="600" b="0" i="0" u="none" strike="noStrike" cap="none" normalizeH="0" baseline="0" smtClean="0">
+              <a:ln>
+                <a:noFill/>
+              </a:ln>
+              <a:solidFill>
+                <a:schemeClr val="tx1"/>
+              </a:solidFill>
+              <a:effectLst/>
+              <a:latin typeface="Arial" pitchFamily="34" charset="0"/>
+              <a:ea typeface="宋体" pitchFamily="2" charset="-122"/>
+              <a:cs typeface="宋体" pitchFamily="2" charset="-122"/>
+            </a:endParaRPr>
+          </a:p>
+          <a:p>
+            <a:pPr marL="0" marR="0" lvl="0" indent="0" algn="l" defTabSz="914400" rtl="0" eaLnBrk="0" fontAlgn="base" latinLnBrk="0" hangingPunct="0">
+              <a:lnSpc>
+                <a:spcPct val="100000"/>
+              </a:lnSpc>
+              <a:spcBef>
+                <a:spcPct val="0"/>
+              </a:spcBef>
+              <a:spcAft>
+                <a:spcPct val="0"/>
+              </a:spcAft>
+              <a:buClrTx/>
+              <a:buSzTx/>
+              <a:buFontTx/>
+              <a:buNone/>
+              <a:tabLst/>
+            </a:pPr>
+            <a:endParaRPr kumimoji="0" lang="en-US" altLang="zh-CN" sz="1800" b="0" i="0" u="none" strike="noStrike" cap="none" normalizeH="0" baseline="0" smtClean="0">
+              <a:ln>
+                <a:noFill/>
+              </a:ln>
+              <a:solidFill>
+                <a:schemeClr val="tx1"/>
+              </a:solidFill>
+              <a:effectLst/>
+              <a:latin typeface="Arial" pitchFamily="34" charset="0"/>
+              <a:ea typeface="宋体" pitchFamily="2" charset="-122"/>
+              <a:cs typeface="宋体" pitchFamily="2" charset="-122"/>
+            </a:endParaRPr>
+          </a:p>
+        </p:txBody>
+      </p:sp>
+      <p:pic>
+        <p:nvPicPr>
+          <p:cNvPr id="1028" name="图片 1" descr="https://img-blog.csdn.net/20150626144458586?watermark/2/text/aHR0cDovL2Jsb2cuY3Nkbi5uZXQvendsb3ZlNTI4MA==/font/5a6L5L2T/fontsize/400/fill/I0JBQkFCMA==/dissolve/70/gravity/Center"/>
+          <p:cNvPicPr>
+            <a:picLocks noChangeAspect="1" noChangeArrowheads="1"/>
+          </p:cNvPicPr>
+          <p:nvPr/>
+        </p:nvPicPr>
+        <p:blipFill>
+          <a:blip r:embed="rId2" cstate="print"/>
+          <a:srcRect/>
+          <a:stretch>
+            <a:fillRect/>
+          </a:stretch>
+        </p:blipFill>
+        <p:spPr bwMode="auto">
+          <a:xfrm>
+            <a:off x="0" y="457200"/>
+            <a:ext cx="5276850" cy="714375"/>
+          </a:xfrm>
+          <a:prstGeom prst="rect">
+            <a:avLst/>
+          </a:prstGeom>
+          <a:noFill/>
+        </p:spPr>
+      </p:pic>
+      <p:sp>
+        <p:nvSpPr>
+          <p:cNvPr id="1030" name="Rectangle 6"/>
+          <p:cNvSpPr>
+            <a:spLocks noChangeArrowheads="1"/>
+          </p:cNvSpPr>
+          <p:nvPr/>
+        </p:nvSpPr>
+        <p:spPr bwMode="auto">
+          <a:xfrm>
+            <a:off x="0" y="1184731"/>
+            <a:ext cx="4567276" cy="430887"/>
+          </a:xfrm>
+          <a:prstGeom prst="rect">
+            <a:avLst/>
+          </a:prstGeom>
+          <a:noFill/>
+          <a:ln w="9525">
+            <a:noFill/>
+            <a:miter lim="800000"/>
+            <a:headEnd/>
+            <a:tailEnd/>
+          </a:ln>
+          <a:effectLst/>
+        </p:spPr>
+        <p:txBody>
+          <a:bodyPr vert="horz" wrap="none" lIns="91440" tIns="45720" rIns="91440" bIns="45720" numCol="1" anchor="ctr" anchorCtr="0" compatLnSpc="1">
+            <a:prstTxWarp prst="textNoShape">
+              <a:avLst/>
+            </a:prstTxWarp>
+            <a:spAutoFit/>
+          </a:bodyPr>
+          <a:lstStyle/>
+          <a:p>
+            <a:pPr marL="0" marR="0" lvl="0" indent="0" algn="l" defTabSz="914400" rtl="0" eaLnBrk="1" fontAlgn="base" latinLnBrk="0" hangingPunct="1">
+              <a:lnSpc>
+                <a:spcPct val="100000"/>
+              </a:lnSpc>
+              <a:spcBef>
+                <a:spcPct val="0"/>
+              </a:spcBef>
+              <a:spcAft>
+                <a:spcPct val="0"/>
+              </a:spcAft>
+              <a:buClrTx/>
+              <a:buSzTx/>
+              <a:buFontTx/>
+              <a:buNone/>
+              <a:tabLst/>
+            </a:pPr>
+            <a:r>
+              <a:rPr kumimoji="0" lang="zh-CN" sz="1100" b="0" i="0" u="none" strike="noStrike" cap="none" normalizeH="0" baseline="0" dirty="0" smtClean="0">
+                <a:ln>
+                  <a:noFill/>
+                </a:ln>
+                <a:solidFill>
+                  <a:schemeClr val="tx1"/>
+                </a:solidFill>
+                <a:effectLst/>
+                <a:latin typeface="Tahoma" pitchFamily="34" charset="0"/>
+                <a:ea typeface="微软雅黑" pitchFamily="34" charset="-122"/>
+                <a:cs typeface="Tahoma" pitchFamily="34" charset="0"/>
+              </a:rPr>
+              <a:t>从上到下是</a:t>
+            </a:r>
+            <a:r>
+              <a:rPr kumimoji="0" lang="en-US" altLang="zh-CN" sz="1100" b="0" i="0" u="none" strike="noStrike" cap="none" normalizeH="0" baseline="0" dirty="0" smtClean="0">
+                <a:ln>
+                  <a:noFill/>
+                </a:ln>
+                <a:solidFill>
+                  <a:schemeClr val="tx1"/>
+                </a:solidFill>
+                <a:effectLst/>
+                <a:latin typeface="Tahoma" pitchFamily="34" charset="0"/>
+                <a:ea typeface="微软雅黑" pitchFamily="34" charset="-122"/>
+                <a:cs typeface="Tahoma" pitchFamily="34" charset="0"/>
+              </a:rPr>
+              <a:t>1</a:t>
+            </a:r>
+            <a:r>
+              <a:rPr kumimoji="0" lang="zh-CN" altLang="en-US" sz="1100" b="0" i="0" u="none" strike="noStrike" cap="none" normalizeH="0" baseline="0" dirty="0" smtClean="0">
+                <a:ln>
+                  <a:noFill/>
+                </a:ln>
+                <a:solidFill>
+                  <a:schemeClr val="tx1"/>
+                </a:solidFill>
+                <a:effectLst/>
+                <a:latin typeface="Tahoma" pitchFamily="34" charset="0"/>
+                <a:ea typeface="微软雅黑" pitchFamily="34" charset="-122"/>
+                <a:cs typeface="Tahoma" pitchFamily="34" charset="0"/>
+              </a:rPr>
+              <a:t>、</a:t>
+            </a:r>
+            <a:r>
+              <a:rPr kumimoji="0" lang="en-US" altLang="zh-CN" sz="1100" b="0" i="0" u="none" strike="noStrike" cap="none" normalizeH="0" baseline="0" dirty="0" smtClean="0">
+                <a:ln>
+                  <a:noFill/>
+                </a:ln>
+                <a:solidFill>
+                  <a:schemeClr val="tx1"/>
+                </a:solidFill>
+                <a:effectLst/>
+                <a:latin typeface="Tahoma" pitchFamily="34" charset="0"/>
+                <a:ea typeface="微软雅黑" pitchFamily="34" charset="-122"/>
+                <a:cs typeface="Tahoma" pitchFamily="34" charset="0"/>
+              </a:rPr>
+              <a:t>2</a:t>
+            </a:r>
+            <a:r>
+              <a:rPr kumimoji="0" lang="zh-CN" altLang="en-US" sz="1100" b="0" i="0" u="none" strike="noStrike" cap="none" normalizeH="0" baseline="0" dirty="0" smtClean="0">
+                <a:ln>
+                  <a:noFill/>
+                </a:ln>
+                <a:solidFill>
+                  <a:schemeClr val="tx1"/>
+                </a:solidFill>
+                <a:effectLst/>
+                <a:latin typeface="Tahoma" pitchFamily="34" charset="0"/>
+                <a:ea typeface="微软雅黑" pitchFamily="34" charset="-122"/>
+                <a:cs typeface="Tahoma" pitchFamily="34" charset="0"/>
+              </a:rPr>
+              <a:t>、</a:t>
+            </a:r>
+            <a:r>
+              <a:rPr kumimoji="0" lang="en-US" altLang="zh-CN" sz="1100" b="0" i="0" u="none" strike="noStrike" cap="none" normalizeH="0" baseline="0" dirty="0" smtClean="0">
+                <a:ln>
+                  <a:noFill/>
+                </a:ln>
+                <a:solidFill>
+                  <a:schemeClr val="tx1"/>
+                </a:solidFill>
+                <a:effectLst/>
+                <a:latin typeface="Tahoma" pitchFamily="34" charset="0"/>
+                <a:ea typeface="微软雅黑" pitchFamily="34" charset="-122"/>
+                <a:cs typeface="Tahoma" pitchFamily="34" charset="0"/>
+              </a:rPr>
+              <a:t>3</a:t>
+            </a:r>
+            <a:r>
+              <a:rPr kumimoji="0" lang="zh-CN" altLang="en-US" sz="1100" b="0" i="0" u="none" strike="noStrike" cap="none" normalizeH="0" baseline="0" dirty="0" smtClean="0">
+                <a:ln>
+                  <a:noFill/>
+                </a:ln>
+                <a:solidFill>
+                  <a:schemeClr val="tx1"/>
+                </a:solidFill>
+                <a:effectLst/>
+                <a:latin typeface="Tahoma" pitchFamily="34" charset="0"/>
+                <a:ea typeface="微软雅黑" pitchFamily="34" charset="-122"/>
+                <a:cs typeface="Tahoma" pitchFamily="34" charset="0"/>
+              </a:rPr>
+              <a:t>、</a:t>
+            </a:r>
+            <a:r>
+              <a:rPr kumimoji="0" lang="en-US" altLang="zh-CN" sz="1100" b="0" i="0" u="none" strike="noStrike" cap="none" normalizeH="0" baseline="0" dirty="0" smtClean="0">
+                <a:ln>
+                  <a:noFill/>
+                </a:ln>
+                <a:solidFill>
+                  <a:schemeClr val="tx1"/>
+                </a:solidFill>
+                <a:effectLst/>
+                <a:latin typeface="Tahoma" pitchFamily="34" charset="0"/>
+                <a:ea typeface="微软雅黑" pitchFamily="34" charset="-122"/>
+                <a:cs typeface="Tahoma" pitchFamily="34" charset="0"/>
+              </a:rPr>
+              <a:t>4</a:t>
+            </a:r>
+            <a:r>
+              <a:rPr kumimoji="0" lang="zh-CN" altLang="en-US" sz="1100" b="0" i="0" u="none" strike="noStrike" cap="none" normalizeH="0" baseline="0" dirty="0" smtClean="0">
+                <a:ln>
+                  <a:noFill/>
+                </a:ln>
+                <a:solidFill>
+                  <a:schemeClr val="tx1"/>
+                </a:solidFill>
+                <a:effectLst/>
+                <a:latin typeface="Tahoma" pitchFamily="34" charset="0"/>
+                <a:ea typeface="微软雅黑" pitchFamily="34" charset="-122"/>
+                <a:cs typeface="Tahoma" pitchFamily="34" charset="0"/>
+              </a:rPr>
+              <a:t>、</a:t>
+            </a:r>
+            <a:r>
+              <a:rPr kumimoji="0" lang="en-US" altLang="zh-CN" sz="1100" b="0" i="0" u="none" strike="noStrike" cap="none" normalizeH="0" baseline="0" dirty="0" smtClean="0">
+                <a:ln>
+                  <a:noFill/>
+                </a:ln>
+                <a:solidFill>
+                  <a:schemeClr val="tx1"/>
+                </a:solidFill>
+                <a:effectLst/>
+                <a:latin typeface="Tahoma" pitchFamily="34" charset="0"/>
+                <a:ea typeface="微软雅黑" pitchFamily="34" charset="-122"/>
+                <a:cs typeface="Tahoma" pitchFamily="34" charset="0"/>
+              </a:rPr>
+              <a:t>5</a:t>
+            </a:r>
+            <a:r>
+              <a:rPr kumimoji="0" lang="zh-CN" altLang="en-US" sz="1100" b="0" i="0" u="none" strike="noStrike" cap="none" normalizeH="0" baseline="0" dirty="0" smtClean="0">
+                <a:ln>
+                  <a:noFill/>
+                </a:ln>
+                <a:solidFill>
+                  <a:schemeClr val="tx1"/>
+                </a:solidFill>
+                <a:effectLst/>
+                <a:latin typeface="Tahoma" pitchFamily="34" charset="0"/>
+                <a:ea typeface="微软雅黑" pitchFamily="34" charset="-122"/>
+                <a:cs typeface="Tahoma" pitchFamily="34" charset="0"/>
+              </a:rPr>
+              <a:t>、</a:t>
+            </a:r>
+            <a:r>
+              <a:rPr kumimoji="0" lang="en-US" altLang="zh-CN" sz="1100" b="0" i="0" u="none" strike="noStrike" cap="none" normalizeH="0" baseline="0" dirty="0" smtClean="0">
+                <a:ln>
+                  <a:noFill/>
+                </a:ln>
+                <a:solidFill>
+                  <a:schemeClr val="tx1"/>
+                </a:solidFill>
+                <a:effectLst/>
+                <a:latin typeface="Tahoma" pitchFamily="34" charset="0"/>
+                <a:ea typeface="微软雅黑" pitchFamily="34" charset="-122"/>
+                <a:cs typeface="Tahoma" pitchFamily="34" charset="0"/>
+              </a:rPr>
+              <a:t>6</a:t>
+            </a:r>
+            <a:r>
+              <a:rPr kumimoji="0" lang="zh-CN" altLang="en-US" sz="1100" b="0" i="0" u="none" strike="noStrike" cap="none" normalizeH="0" baseline="0" dirty="0" smtClean="0">
+                <a:ln>
+                  <a:noFill/>
+                </a:ln>
+                <a:solidFill>
+                  <a:schemeClr val="tx1"/>
+                </a:solidFill>
+                <a:effectLst/>
+                <a:latin typeface="Tahoma" pitchFamily="34" charset="0"/>
+                <a:ea typeface="微软雅黑" pitchFamily="34" charset="-122"/>
+                <a:cs typeface="Tahoma" pitchFamily="34" charset="0"/>
+              </a:rPr>
+              <a:t>。第</a:t>
+            </a:r>
+            <a:r>
+              <a:rPr kumimoji="0" lang="en-US" altLang="zh-CN" sz="1100" b="0" i="0" u="none" strike="noStrike" cap="none" normalizeH="0" baseline="0" dirty="0" smtClean="0">
+                <a:ln>
+                  <a:noFill/>
+                </a:ln>
+                <a:solidFill>
+                  <a:schemeClr val="tx1"/>
+                </a:solidFill>
+                <a:effectLst/>
+                <a:latin typeface="Tahoma" pitchFamily="34" charset="0"/>
+                <a:ea typeface="微软雅黑" pitchFamily="34" charset="-122"/>
+                <a:cs typeface="Tahoma" pitchFamily="34" charset="0"/>
+              </a:rPr>
+              <a:t>1</a:t>
+            </a:r>
+            <a:r>
+              <a:rPr kumimoji="0" lang="zh-CN" altLang="en-US" sz="1100" b="0" i="0" u="none" strike="noStrike" cap="none" normalizeH="0" baseline="0" dirty="0" smtClean="0">
+                <a:ln>
+                  <a:noFill/>
+                </a:ln>
+                <a:solidFill>
+                  <a:schemeClr val="tx1"/>
+                </a:solidFill>
+                <a:effectLst/>
+                <a:latin typeface="Tahoma" pitchFamily="34" charset="0"/>
+                <a:ea typeface="微软雅黑" pitchFamily="34" charset="-122"/>
+                <a:cs typeface="Tahoma" pitchFamily="34" charset="0"/>
+              </a:rPr>
+              <a:t>个</a:t>
+            </a:r>
+            <a:r>
+              <a:rPr kumimoji="0" lang="en-US" altLang="zh-CN" sz="1100" b="0" i="0" u="none" strike="noStrike" cap="none" normalizeH="0" baseline="0" dirty="0" smtClean="0">
+                <a:ln>
+                  <a:noFill/>
+                </a:ln>
+                <a:solidFill>
+                  <a:schemeClr val="tx1"/>
+                </a:solidFill>
+                <a:effectLst/>
+                <a:latin typeface="Tahoma" pitchFamily="34" charset="0"/>
+                <a:ea typeface="微软雅黑" pitchFamily="34" charset="-122"/>
+                <a:cs typeface="Tahoma" pitchFamily="34" charset="0"/>
+              </a:rPr>
+              <a:t>commit</a:t>
+            </a:r>
+            <a:r>
+              <a:rPr kumimoji="0" lang="zh-CN" altLang="en-US" sz="1100" b="0" i="0" u="none" strike="noStrike" cap="none" normalizeH="0" baseline="0" dirty="0" smtClean="0">
+                <a:ln>
+                  <a:noFill/>
+                </a:ln>
+                <a:solidFill>
+                  <a:schemeClr val="tx1"/>
+                </a:solidFill>
+                <a:effectLst/>
+                <a:latin typeface="Tahoma" pitchFamily="34" charset="0"/>
+                <a:ea typeface="微软雅黑" pitchFamily="34" charset="-122"/>
+                <a:cs typeface="Tahoma" pitchFamily="34" charset="0"/>
+              </a:rPr>
+              <a:t>是最新的（时间最晚）。</a:t>
+            </a:r>
+            <a:endParaRPr kumimoji="0" lang="zh-CN" altLang="en-US" sz="600" b="0" i="0" u="none" strike="noStrike" cap="none" normalizeH="0" baseline="0" dirty="0" smtClean="0">
+              <a:ln>
+                <a:noFill/>
+              </a:ln>
+              <a:solidFill>
+                <a:schemeClr val="tx1"/>
+              </a:solidFill>
+              <a:effectLst/>
+              <a:latin typeface="Arial" pitchFamily="34" charset="0"/>
+              <a:ea typeface="宋体" pitchFamily="2" charset="-122"/>
+              <a:cs typeface="宋体" pitchFamily="2" charset="-122"/>
+            </a:endParaRPr>
+          </a:p>
+          <a:p>
+            <a:pPr marL="0" marR="0" lvl="0" indent="0" algn="l" defTabSz="914400" rtl="0" eaLnBrk="0" fontAlgn="base" latinLnBrk="0" hangingPunct="0">
+              <a:lnSpc>
+                <a:spcPct val="100000"/>
+              </a:lnSpc>
+              <a:spcBef>
+                <a:spcPct val="0"/>
+              </a:spcBef>
+              <a:spcAft>
+                <a:spcPct val="0"/>
+              </a:spcAft>
+              <a:buClrTx/>
+              <a:buSzTx/>
+              <a:buFontTx/>
+              <a:buNone/>
+              <a:tabLst/>
+            </a:pPr>
+            <a:r>
+              <a:rPr kumimoji="0" lang="zh-CN" altLang="en-US" sz="1100" b="0" i="0" u="none" strike="noStrike" cap="none" normalizeH="0" baseline="0" dirty="0" smtClean="0">
+                <a:ln>
+                  <a:noFill/>
+                </a:ln>
+                <a:solidFill>
+                  <a:schemeClr val="tx1"/>
+                </a:solidFill>
+                <a:effectLst/>
+                <a:latin typeface="Arial"/>
+                <a:ea typeface="微软雅黑" pitchFamily="34" charset="-122"/>
+                <a:cs typeface="Tahoma" pitchFamily="34" charset="0"/>
+              </a:rPr>
+              <a:t> </a:t>
+            </a:r>
+            <a:r>
+              <a:rPr kumimoji="0" lang="zh-CN" altLang="en-US" sz="1100" b="0" i="0" u="none" strike="noStrike" cap="none" normalizeH="0" baseline="0" dirty="0" smtClean="0">
+                <a:ln>
+                  <a:noFill/>
+                </a:ln>
+                <a:solidFill>
+                  <a:schemeClr val="tx1"/>
+                </a:solidFill>
+                <a:effectLst/>
+                <a:latin typeface="微软雅黑" pitchFamily="34" charset="-122"/>
+                <a:ea typeface="微软雅黑" pitchFamily="34" charset="-122"/>
+                <a:cs typeface="Times New Roman" pitchFamily="18" charset="0"/>
+              </a:rPr>
+              <a:t>现在要去掉第</a:t>
+            </a:r>
+            <a:r>
+              <a:rPr kumimoji="0" lang="en-US" altLang="zh-CN" sz="1100" b="0" i="0" u="none" strike="noStrike" cap="none" normalizeH="0" baseline="0" dirty="0" smtClean="0">
+                <a:ln>
+                  <a:noFill/>
+                </a:ln>
+                <a:solidFill>
+                  <a:schemeClr val="tx1"/>
+                </a:solidFill>
+                <a:effectLst/>
+                <a:latin typeface="Tahoma" pitchFamily="34" charset="0"/>
+                <a:ea typeface="微软雅黑" pitchFamily="34" charset="-122"/>
+                <a:cs typeface="Tahoma" pitchFamily="34" charset="0"/>
+              </a:rPr>
+              <a:t>2</a:t>
+            </a:r>
+            <a:r>
+              <a:rPr kumimoji="0" lang="zh-CN" altLang="en-US" sz="1100" b="0" i="0" u="none" strike="noStrike" cap="none" normalizeH="0" baseline="0" dirty="0" smtClean="0">
+                <a:ln>
+                  <a:noFill/>
+                </a:ln>
+                <a:solidFill>
+                  <a:schemeClr val="tx1"/>
+                </a:solidFill>
+                <a:effectLst/>
+                <a:latin typeface="微软雅黑" pitchFamily="34" charset="-122"/>
+                <a:ea typeface="微软雅黑" pitchFamily="34" charset="-122"/>
+                <a:cs typeface="Times New Roman" pitchFamily="18" charset="0"/>
+              </a:rPr>
+              <a:t>个提交，合并</a:t>
+            </a:r>
+            <a:r>
+              <a:rPr kumimoji="0" lang="en-US" altLang="zh-CN" sz="1100" b="0" i="0" u="none" strike="noStrike" cap="none" normalizeH="0" baseline="0" dirty="0" smtClean="0">
+                <a:ln>
+                  <a:noFill/>
+                </a:ln>
+                <a:solidFill>
+                  <a:schemeClr val="tx1"/>
+                </a:solidFill>
+                <a:effectLst/>
+                <a:latin typeface="Tahoma" pitchFamily="34" charset="0"/>
+                <a:ea typeface="微软雅黑" pitchFamily="34" charset="-122"/>
+                <a:cs typeface="Tahoma" pitchFamily="34" charset="0"/>
+              </a:rPr>
+              <a:t>3.4.5</a:t>
+            </a:r>
+            <a:r>
+              <a:rPr kumimoji="0" lang="zh-CN" altLang="en-US" sz="1100" b="0" i="0" u="none" strike="noStrike" cap="none" normalizeH="0" baseline="0" dirty="0" smtClean="0">
+                <a:ln>
+                  <a:noFill/>
+                </a:ln>
+                <a:solidFill>
+                  <a:schemeClr val="tx1"/>
+                </a:solidFill>
+                <a:effectLst/>
+                <a:latin typeface="微软雅黑" pitchFamily="34" charset="-122"/>
+                <a:ea typeface="微软雅黑" pitchFamily="34" charset="-122"/>
+                <a:cs typeface="Times New Roman" pitchFamily="18" charset="0"/>
+              </a:rPr>
+              <a:t>提交</a:t>
+            </a:r>
+            <a:r>
+              <a:rPr kumimoji="0" lang="en-US" altLang="zh-CN" sz="1100" b="0" i="0" u="none" strike="noStrike" cap="none" normalizeH="0" baseline="0" dirty="0" smtClean="0">
+                <a:ln>
+                  <a:noFill/>
+                </a:ln>
+                <a:solidFill>
+                  <a:schemeClr val="tx1"/>
+                </a:solidFill>
+                <a:effectLst/>
+                <a:latin typeface="Tahoma" pitchFamily="34" charset="0"/>
+                <a:ea typeface="微软雅黑" pitchFamily="34" charset="-122"/>
+                <a:cs typeface="Tahoma" pitchFamily="34" charset="0"/>
+              </a:rPr>
+              <a:t>,</a:t>
+            </a:r>
+            <a:r>
+              <a:rPr kumimoji="0" lang="zh-CN" altLang="en-US" sz="1100" b="0" i="0" u="none" strike="noStrike" cap="none" normalizeH="0" baseline="0" dirty="0" smtClean="0">
+                <a:ln>
+                  <a:noFill/>
+                </a:ln>
+                <a:solidFill>
+                  <a:schemeClr val="tx1"/>
+                </a:solidFill>
+                <a:effectLst/>
+                <a:latin typeface="微软雅黑" pitchFamily="34" charset="-122"/>
+                <a:ea typeface="微软雅黑" pitchFamily="34" charset="-122"/>
+                <a:cs typeface="Times New Roman" pitchFamily="18" charset="0"/>
+              </a:rPr>
+              <a:t>重新修改第</a:t>
+            </a:r>
+            <a:r>
+              <a:rPr kumimoji="0" lang="en-US" altLang="zh-CN" sz="1100" b="0" i="0" u="none" strike="noStrike" cap="none" normalizeH="0" baseline="0" dirty="0" smtClean="0">
+                <a:ln>
+                  <a:noFill/>
+                </a:ln>
+                <a:solidFill>
+                  <a:schemeClr val="tx1"/>
+                </a:solidFill>
+                <a:effectLst/>
+                <a:latin typeface="Tahoma" pitchFamily="34" charset="0"/>
+                <a:ea typeface="微软雅黑" pitchFamily="34" charset="-122"/>
+                <a:cs typeface="Tahoma" pitchFamily="34" charset="0"/>
+              </a:rPr>
+              <a:t>5</a:t>
+            </a:r>
+            <a:r>
+              <a:rPr kumimoji="0" lang="zh-CN" altLang="en-US" sz="1100" b="0" i="0" u="none" strike="noStrike" cap="none" normalizeH="0" baseline="0" dirty="0" smtClean="0">
+                <a:ln>
+                  <a:noFill/>
+                </a:ln>
+                <a:solidFill>
+                  <a:schemeClr val="tx1"/>
+                </a:solidFill>
+                <a:effectLst/>
+                <a:latin typeface="微软雅黑" pitchFamily="34" charset="-122"/>
+                <a:ea typeface="微软雅黑" pitchFamily="34" charset="-122"/>
+                <a:cs typeface="Times New Roman" pitchFamily="18" charset="0"/>
+              </a:rPr>
+              <a:t>个提交的注释。</a:t>
+            </a:r>
+            <a:r>
+              <a:rPr kumimoji="0" lang="zh-CN" altLang="en-US" sz="600" b="0" i="0" u="none" strike="noStrike" cap="none" normalizeH="0" baseline="0" dirty="0" smtClean="0">
+                <a:ln>
+                  <a:noFill/>
+                </a:ln>
+                <a:solidFill>
+                  <a:schemeClr val="tx1"/>
+                </a:solidFill>
+                <a:effectLst/>
+                <a:latin typeface="Arial" pitchFamily="34" charset="0"/>
+                <a:ea typeface="宋体" pitchFamily="2" charset="-122"/>
+                <a:cs typeface="宋体" pitchFamily="2" charset="-122"/>
+              </a:rPr>
+              <a:t> </a:t>
+            </a:r>
+            <a:endParaRPr kumimoji="0" lang="zh-CN" altLang="en-US" sz="1800" b="0" i="0" u="none" strike="noStrike" cap="none" normalizeH="0" baseline="0" dirty="0" smtClean="0">
+              <a:ln>
+                <a:noFill/>
+              </a:ln>
+              <a:solidFill>
+                <a:schemeClr val="tx1"/>
+              </a:solidFill>
+              <a:effectLst/>
+              <a:latin typeface="Arial" pitchFamily="34" charset="0"/>
+              <a:ea typeface="宋体" pitchFamily="2" charset="-122"/>
+              <a:cs typeface="宋体" pitchFamily="2" charset="-122"/>
+            </a:endParaRPr>
+          </a:p>
+        </p:txBody>
+      </p:sp>
+      <p:sp>
+        <p:nvSpPr>
+          <p:cNvPr id="10" name="矩形 9"/>
+          <p:cNvSpPr/>
+          <p:nvPr/>
+        </p:nvSpPr>
+        <p:spPr>
+          <a:xfrm>
+            <a:off x="0" y="1772816"/>
+            <a:ext cx="5455340" cy="369332"/>
+          </a:xfrm>
+          <a:prstGeom prst="rect">
+            <a:avLst/>
+          </a:prstGeom>
+        </p:spPr>
+        <p:txBody>
+          <a:bodyPr wrap="none">
+            <a:spAutoFit/>
+          </a:bodyPr>
+          <a:lstStyle/>
+          <a:p>
+            <a:r>
+              <a:rPr lang="zh-CN" altLang="zh-CN" dirty="0" smtClean="0"/>
+              <a:t>使用</a:t>
+            </a:r>
+            <a:r>
+              <a:rPr lang="en-US" altLang="zh-CN" dirty="0" err="1" smtClean="0"/>
+              <a:t>git</a:t>
+            </a:r>
+            <a:r>
+              <a:rPr lang="en-US" altLang="zh-CN" dirty="0" smtClean="0"/>
+              <a:t> rebase -</a:t>
+            </a:r>
+            <a:r>
+              <a:rPr lang="en-US" altLang="zh-CN" dirty="0" err="1" smtClean="0"/>
+              <a:t>i</a:t>
+            </a:r>
+            <a:r>
+              <a:rPr lang="en-US" altLang="zh-CN" dirty="0" smtClean="0"/>
+              <a:t> b1c38d5   # </a:t>
+            </a:r>
+            <a:r>
+              <a:rPr lang="zh-CN" altLang="en-US" dirty="0" smtClean="0"/>
+              <a:t>第</a:t>
+            </a:r>
+            <a:r>
+              <a:rPr lang="en-US" altLang="zh-CN" dirty="0" smtClean="0"/>
+              <a:t>6</a:t>
+            </a:r>
+            <a:r>
+              <a:rPr lang="zh-CN" altLang="en-US" dirty="0" smtClean="0"/>
+              <a:t>个提交的</a:t>
+            </a:r>
+            <a:r>
+              <a:rPr lang="en-US" altLang="zh-CN" dirty="0" smtClean="0"/>
+              <a:t>commit id</a:t>
+            </a:r>
+            <a:endParaRPr lang="zh-CN" altLang="en-US" dirty="0"/>
+          </a:p>
+        </p:txBody>
+      </p:sp>
+      <p:pic>
+        <p:nvPicPr>
+          <p:cNvPr id="11" name="图片 10" descr="https://img-blog.csdn.net/20150626145532885?watermark/2/text/aHR0cDovL2Jsb2cuY3Nkbi5uZXQvendsb3ZlNTI4MA==/font/5a6L5L2T/fontsize/400/fill/I0JBQkFCMA==/dissolve/70/gravity/Center"/>
+          <p:cNvPicPr/>
+          <p:nvPr/>
+        </p:nvPicPr>
+        <p:blipFill>
+          <a:blip r:embed="rId3" cstate="print"/>
+          <a:srcRect/>
+          <a:stretch>
+            <a:fillRect/>
+          </a:stretch>
+        </p:blipFill>
+        <p:spPr bwMode="auto">
+          <a:xfrm>
+            <a:off x="179512" y="2204864"/>
+            <a:ext cx="5274310" cy="2002952"/>
+          </a:xfrm>
+          <a:prstGeom prst="rect">
+            <a:avLst/>
+          </a:prstGeom>
+          <a:noFill/>
+          <a:ln w="9525">
+            <a:noFill/>
+            <a:miter lim="800000"/>
+            <a:headEnd/>
+            <a:tailEnd/>
+          </a:ln>
+        </p:spPr>
+      </p:pic>
+      <p:sp>
+        <p:nvSpPr>
+          <p:cNvPr id="12" name="矩形 11"/>
+          <p:cNvSpPr/>
+          <p:nvPr/>
+        </p:nvSpPr>
+        <p:spPr>
+          <a:xfrm>
+            <a:off x="179512" y="4293096"/>
+            <a:ext cx="8712968" cy="646331"/>
+          </a:xfrm>
+          <a:prstGeom prst="rect">
+            <a:avLst/>
+          </a:prstGeom>
+        </p:spPr>
+        <p:txBody>
+          <a:bodyPr wrap="square">
+            <a:spAutoFit/>
+          </a:bodyPr>
+          <a:lstStyle/>
+          <a:p>
+            <a:r>
+              <a:rPr lang="zh-CN" altLang="zh-CN" dirty="0" smtClean="0"/>
+              <a:t>这个界面的</a:t>
+            </a:r>
+            <a:r>
+              <a:rPr lang="en-US" altLang="zh-CN" dirty="0" smtClean="0"/>
+              <a:t>Log</a:t>
+            </a:r>
+            <a:r>
+              <a:rPr lang="zh-CN" altLang="zh-CN" dirty="0" smtClean="0"/>
+              <a:t>信息和我们使用</a:t>
+            </a:r>
+            <a:r>
+              <a:rPr lang="en-US" altLang="zh-CN" dirty="0" err="1" smtClean="0"/>
+              <a:t>git</a:t>
+            </a:r>
+            <a:r>
+              <a:rPr lang="en-US" altLang="zh-CN" dirty="0" smtClean="0"/>
+              <a:t> log</a:t>
+            </a:r>
+            <a:r>
+              <a:rPr lang="zh-CN" altLang="zh-CN" dirty="0" smtClean="0"/>
+              <a:t>出现的顺序是相反的，</a:t>
+            </a:r>
+            <a:r>
+              <a:rPr lang="zh-CN" altLang="en-US" dirty="0" smtClean="0"/>
+              <a:t>这里</a:t>
+            </a:r>
+            <a:r>
+              <a:rPr lang="zh-CN" altLang="zh-CN" dirty="0" smtClean="0"/>
+              <a:t>说的第几个都是按照</a:t>
+            </a:r>
+            <a:r>
+              <a:rPr lang="en-US" altLang="zh-CN" dirty="0" err="1" smtClean="0"/>
+              <a:t>git</a:t>
+            </a:r>
+            <a:r>
+              <a:rPr lang="en-US" altLang="zh-CN" dirty="0" smtClean="0"/>
+              <a:t> log</a:t>
+            </a:r>
+            <a:r>
+              <a:rPr lang="zh-CN" altLang="zh-CN" dirty="0" smtClean="0"/>
+              <a:t>的顺序</a:t>
+            </a:r>
+            <a:r>
+              <a:rPr lang="zh-CN" altLang="en-US" dirty="0" smtClean="0"/>
+              <a:t>来的。</a:t>
+            </a:r>
+            <a:endParaRPr lang="zh-CN" altLang="en-US" dirty="0"/>
+          </a:p>
+        </p:txBody>
+      </p:sp>
+      <p:sp>
+        <p:nvSpPr>
+          <p:cNvPr id="13" name="矩形 12"/>
+          <p:cNvSpPr/>
+          <p:nvPr/>
+        </p:nvSpPr>
+        <p:spPr>
+          <a:xfrm>
+            <a:off x="0" y="5085184"/>
+            <a:ext cx="8964488" cy="1200329"/>
+          </a:xfrm>
+          <a:prstGeom prst="rect">
+            <a:avLst/>
+          </a:prstGeom>
+        </p:spPr>
+        <p:txBody>
+          <a:bodyPr wrap="square">
+            <a:spAutoFit/>
+          </a:bodyPr>
+          <a:lstStyle/>
+          <a:p>
+            <a:r>
+              <a:rPr lang="zh-CN" altLang="zh-CN" dirty="0" smtClean="0"/>
+              <a:t>删除了</a:t>
+            </a:r>
+            <a:r>
+              <a:rPr lang="en-US" altLang="zh-CN" dirty="0" smtClean="0"/>
+              <a:t>pick add </a:t>
+            </a:r>
+            <a:r>
+              <a:rPr lang="en-US" altLang="zh-CN" dirty="0" err="1" smtClean="0"/>
+              <a:t>wei</a:t>
+            </a:r>
+            <a:r>
+              <a:rPr lang="zh-CN" altLang="en-US" dirty="0" smtClean="0"/>
+              <a:t>（第</a:t>
+            </a:r>
+            <a:r>
+              <a:rPr lang="en-US" altLang="zh-CN" dirty="0" smtClean="0"/>
+              <a:t>2</a:t>
+            </a:r>
+            <a:r>
+              <a:rPr lang="zh-CN" altLang="en-US" dirty="0" smtClean="0"/>
+              <a:t>个提交）</a:t>
+            </a:r>
+            <a:r>
+              <a:rPr lang="zh-CN" altLang="zh-CN" dirty="0" smtClean="0"/>
+              <a:t>，这样它就不</a:t>
+            </a:r>
+            <a:r>
+              <a:rPr lang="en-US" altLang="zh-CN" dirty="0" smtClean="0"/>
+              <a:t>cherry-pick</a:t>
+            </a:r>
+            <a:r>
+              <a:rPr lang="zh-CN" altLang="en-US" dirty="0" smtClean="0"/>
+              <a:t>了，代码修改就丢失了，比</a:t>
+            </a:r>
+            <a:r>
+              <a:rPr lang="en-US" altLang="zh-CN" dirty="0" smtClean="0"/>
+              <a:t>revert</a:t>
+            </a:r>
+            <a:r>
+              <a:rPr lang="zh-CN" altLang="en-US" dirty="0" smtClean="0"/>
+              <a:t>方便吧</a:t>
+            </a:r>
+            <a:r>
+              <a:rPr lang="zh-CN" altLang="zh-CN" dirty="0" smtClean="0"/>
+              <a:t>。</a:t>
+            </a:r>
+            <a:endParaRPr lang="en-US" altLang="zh-CN" dirty="0" smtClean="0"/>
+          </a:p>
+          <a:p>
+            <a:r>
+              <a:rPr lang="zh-CN" altLang="zh-CN" dirty="0" smtClean="0"/>
+              <a:t>把</a:t>
+            </a:r>
+            <a:r>
+              <a:rPr lang="en-US" altLang="zh-CN" dirty="0" smtClean="0"/>
+              <a:t>3</a:t>
+            </a:r>
+            <a:r>
+              <a:rPr lang="zh-CN" altLang="zh-CN" dirty="0" smtClean="0"/>
+              <a:t>、</a:t>
+            </a:r>
+            <a:r>
+              <a:rPr lang="en-US" altLang="zh-CN" dirty="0" smtClean="0"/>
+              <a:t>4</a:t>
+            </a:r>
+            <a:r>
+              <a:rPr lang="zh-CN" altLang="zh-CN" dirty="0" smtClean="0"/>
+              <a:t>前面的</a:t>
+            </a:r>
+            <a:r>
+              <a:rPr lang="en-US" altLang="zh-CN" dirty="0" smtClean="0"/>
+              <a:t>pick</a:t>
+            </a:r>
+            <a:r>
+              <a:rPr lang="zh-CN" altLang="zh-CN" dirty="0" smtClean="0"/>
+              <a:t>改为</a:t>
+            </a:r>
+            <a:r>
+              <a:rPr lang="en-US" altLang="zh-CN" dirty="0" smtClean="0"/>
+              <a:t>f</a:t>
+            </a:r>
+            <a:r>
+              <a:rPr lang="zh-CN" altLang="zh-CN" dirty="0" smtClean="0"/>
+              <a:t>，也就是说</a:t>
+            </a:r>
+            <a:r>
+              <a:rPr lang="en-US" altLang="zh-CN" dirty="0" smtClean="0"/>
+              <a:t>3</a:t>
+            </a:r>
+            <a:r>
+              <a:rPr lang="zh-CN" altLang="zh-CN" dirty="0" smtClean="0"/>
+              <a:t>、</a:t>
+            </a:r>
+            <a:r>
+              <a:rPr lang="en-US" altLang="zh-CN" dirty="0" smtClean="0"/>
+              <a:t>4</a:t>
+            </a:r>
+            <a:r>
+              <a:rPr lang="zh-CN" altLang="zh-CN" dirty="0" smtClean="0"/>
+              <a:t>被合并到</a:t>
+            </a:r>
+            <a:r>
+              <a:rPr lang="en-US" altLang="zh-CN" dirty="0" smtClean="0"/>
+              <a:t>5</a:t>
+            </a:r>
+            <a:r>
+              <a:rPr lang="zh-CN" altLang="zh-CN" dirty="0" smtClean="0"/>
+              <a:t>中了。</a:t>
+            </a:r>
+            <a:endParaRPr lang="en-US" altLang="zh-CN" dirty="0" smtClean="0"/>
+          </a:p>
+          <a:p>
+            <a:r>
+              <a:rPr lang="zh-CN" altLang="zh-CN" dirty="0" smtClean="0"/>
+              <a:t>重新修改</a:t>
+            </a:r>
+            <a:r>
+              <a:rPr lang="en-US" altLang="zh-CN" dirty="0" smtClean="0"/>
+              <a:t>5 </a:t>
+            </a:r>
+            <a:r>
+              <a:rPr lang="zh-CN" altLang="zh-CN" dirty="0" smtClean="0"/>
+              <a:t>的信息，那么我们在</a:t>
+            </a:r>
+            <a:r>
+              <a:rPr lang="en-US" altLang="zh-CN" dirty="0" smtClean="0"/>
+              <a:t>5</a:t>
+            </a:r>
+            <a:r>
+              <a:rPr lang="zh-CN" altLang="zh-CN" dirty="0" smtClean="0"/>
+              <a:t>上，把</a:t>
+            </a:r>
+            <a:r>
+              <a:rPr lang="en-US" altLang="zh-CN" dirty="0" smtClean="0"/>
+              <a:t>Pick</a:t>
+            </a:r>
+            <a:r>
+              <a:rPr lang="zh-CN" altLang="zh-CN" dirty="0" smtClean="0"/>
+              <a:t>改为</a:t>
+            </a:r>
+            <a:r>
+              <a:rPr lang="en-US" altLang="zh-CN" dirty="0" smtClean="0"/>
+              <a:t>r ,</a:t>
+            </a:r>
+            <a:r>
+              <a:rPr lang="zh-CN" altLang="zh-CN" dirty="0" smtClean="0"/>
+              <a:t>因此就出现上图的界面</a:t>
+            </a:r>
+            <a:r>
+              <a:rPr lang="zh-CN" altLang="en-US" dirty="0" smtClean="0"/>
+              <a:t>。</a:t>
+            </a:r>
+            <a:endParaRPr lang="zh-CN" altLang="en-US" dirty="0"/>
+          </a:p>
+        </p:txBody>
+      </p:sp>
+    </p:spTree>
+  </p:cSld>
+  <p:clrMapOvr>
+    <a:masterClrMapping/>
+  </p:clrMapOvr>
+</p:sld>
+</file>
+
+<file path=ppt/slides/slide51.xml><?xml version="1.0" encoding="utf-8"?>
+<p:sld xmlns:a="http://schemas.openxmlformats.org/drawingml/2006/main" xmlns:r="http://schemas.openxmlformats.org/officeDocument/2006/relationships" xmlns:p="http://schemas.openxmlformats.org/presentationml/2006/main">
+  <p:cSld>
+    <p:spTree>
+      <p:nvGrpSpPr>
+        <p:cNvPr id="1" name=""/>
+        <p:cNvGrpSpPr/>
+        <p:nvPr/>
+      </p:nvGrpSpPr>
+      <p:grpSpPr>
+        <a:xfrm>
+          <a:off x="0" y="0"/>
+          <a:ext cx="0" cy="0"/>
+          <a:chOff x="0" y="0"/>
+          <a:chExt cx="0" cy="0"/>
+        </a:xfrm>
+      </p:grpSpPr>
+      <p:sp>
+        <p:nvSpPr>
           <p:cNvPr id="175105" name="Rectangle 1"/>
           <p:cNvSpPr>
             <a:spLocks noChangeArrowheads="1"/>
@@ -38748,7 +38892,7 @@
 </p:sld>
 </file>
 
-<file path=ppt/slides/slide51.xml><?xml version="1.0" encoding="utf-8"?>
+<file path=ppt/slides/slide52.xml><?xml version="1.0" encoding="utf-8"?>
 <p:sld xmlns:a="http://schemas.openxmlformats.org/drawingml/2006/main" xmlns:r="http://schemas.openxmlformats.org/officeDocument/2006/relationships" xmlns:p="http://schemas.openxmlformats.org/presentationml/2006/main">
   <p:cSld>
     <p:spTree>
@@ -39127,7 +39271,7 @@
 </p:sld>
 </file>
 
-<file path=ppt/slides/slide52.xml><?xml version="1.0" encoding="utf-8"?>
+<file path=ppt/slides/slide53.xml><?xml version="1.0" encoding="utf-8"?>
 <p:sld xmlns:a="http://schemas.openxmlformats.org/drawingml/2006/main" xmlns:r="http://schemas.openxmlformats.org/officeDocument/2006/relationships" xmlns:p="http://schemas.openxmlformats.org/presentationml/2006/main">
   <p:cSld>
     <p:spTree>
@@ -39414,7 +39558,7 @@
 </p:sld>
 </file>
 
-<file path=ppt/slides/slide53.xml><?xml version="1.0" encoding="utf-8"?>
+<file path=ppt/slides/slide54.xml><?xml version="1.0" encoding="utf-8"?>
 <p:sld xmlns:a="http://schemas.openxmlformats.org/drawingml/2006/main" xmlns:r="http://schemas.openxmlformats.org/officeDocument/2006/relationships" xmlns:p="http://schemas.openxmlformats.org/presentationml/2006/main">
   <p:cSld>
     <p:spTree>
@@ -40569,496 +40713,6 @@
               <a:t>息。</a:t>
             </a:r>
             <a:endParaRPr lang="en-US" altLang="zh-CN" dirty="0" smtClean="0"/>
-          </a:p>
-        </p:txBody>
-      </p:sp>
-    </p:spTree>
-  </p:cSld>
-  <p:clrMapOvr>
-    <a:masterClrMapping/>
-  </p:clrMapOvr>
-  <p:timing>
-    <p:tnLst>
-      <p:par>
-        <p:cTn id="1" dur="indefinite" restart="never" nodeType="tmRoot">
-          <p:childTnLst>
-            <p:seq>
-              <p:cTn id="2" nodeType="mainSeq"/>
-              <p:prevCondLst>
-                <p:cond evt="onPrev" delay="0">
-                  <p:tgtEl>
-                    <p:sldTgt/>
-                  </p:tgtEl>
-                </p:cond>
-              </p:prevCondLst>
-              <p:nextCondLst>
-                <p:cond evt="onNext" delay="0">
-                  <p:tgtEl>
-                    <p:sldTgt/>
-                  </p:tgtEl>
-                </p:cond>
-              </p:nextCondLst>
-            </p:seq>
-          </p:childTnLst>
-        </p:cTn>
-      </p:par>
-    </p:tnLst>
-  </p:timing>
-</p:sld>
-</file>
-
-<file path=ppt/slides/slide54.xml><?xml version="1.0" encoding="utf-8"?>
-<p:sld xmlns:a="http://schemas.openxmlformats.org/drawingml/2006/main" xmlns:r="http://schemas.openxmlformats.org/officeDocument/2006/relationships" xmlns:p="http://schemas.openxmlformats.org/presentationml/2006/main">
-  <p:cSld>
-    <p:spTree>
-      <p:nvGrpSpPr>
-        <p:cNvPr id="1" name=""/>
-        <p:cNvGrpSpPr/>
-        <p:nvPr/>
-      </p:nvGrpSpPr>
-      <p:grpSpPr>
-        <a:xfrm>
-          <a:off x="0" y="0"/>
-          <a:ext cx="0" cy="0"/>
-          <a:chOff x="0" y="0"/>
-          <a:chExt cx="0" cy="0"/>
-        </a:xfrm>
-      </p:grpSpPr>
-      <p:sp>
-        <p:nvSpPr>
-          <p:cNvPr id="258" name="CustomShape 1"/>
-          <p:cNvSpPr/>
-          <p:nvPr/>
-        </p:nvSpPr>
-        <p:spPr>
-          <a:xfrm>
-            <a:off x="387360" y="1044720"/>
-            <a:ext cx="8503920" cy="5028120"/>
-          </a:xfrm>
-          <a:prstGeom prst="rect">
-            <a:avLst/>
-          </a:prstGeom>
-          <a:noFill/>
-          <a:ln w="9360">
-            <a:noFill/>
-          </a:ln>
-        </p:spPr>
-        <p:style>
-          <a:lnRef idx="0">
-            <a:scrgbClr r="0" g="0" b="0"/>
-          </a:lnRef>
-          <a:fillRef idx="0">
-            <a:scrgbClr r="0" g="0" b="0"/>
-          </a:fillRef>
-          <a:effectRef idx="0">
-            <a:scrgbClr r="0" g="0" b="0"/>
-          </a:effectRef>
-          <a:fontRef idx="minor"/>
-        </p:style>
-        <p:txBody>
-          <a:bodyPr lIns="90000" tIns="45000" rIns="90000" bIns="45000"/>
-          <a:lstStyle/>
-          <a:p>
-            <a:pPr>
-              <a:lnSpc>
-                <a:spcPct val="100000"/>
-              </a:lnSpc>
-            </a:pPr>
-            <a:r>
-              <a:rPr lang="en-US" sz="1800" b="0" strike="noStrike" spc="-1">
-                <a:solidFill>
-                  <a:srgbClr val="000000"/>
-                </a:solidFill>
-                <a:uFill>
-                  <a:solidFill>
-                    <a:srgbClr val="FFFFFF"/>
-                  </a:solidFill>
-                </a:uFill>
-                <a:latin typeface="微软雅黑"/>
-                <a:ea typeface="微软雅黑"/>
-              </a:rPr>
-              <a:t>git cherry-pick &lt;commit id&gt;:单独合并一个提交</a:t>
-            </a:r>
-            <a:endParaRPr lang="en-US" sz="1800" b="0" strike="noStrike" spc="-1">
-              <a:solidFill>
-                <a:srgbClr val="000000"/>
-              </a:solidFill>
-              <a:uFill>
-                <a:solidFill>
-                  <a:srgbClr val="FFFFFF"/>
-                </a:solidFill>
-              </a:uFill>
-              <a:latin typeface="Arial"/>
-            </a:endParaRPr>
-          </a:p>
-          <a:p>
-            <a:pPr>
-              <a:lnSpc>
-                <a:spcPct val="100000"/>
-              </a:lnSpc>
-            </a:pPr>
-            <a:r>
-              <a:rPr lang="en-US" sz="1800" b="0" strike="noStrike" spc="-1">
-                <a:solidFill>
-                  <a:srgbClr val="000000"/>
-                </a:solidFill>
-                <a:uFill>
-                  <a:solidFill>
-                    <a:srgbClr val="FFFFFF"/>
-                  </a:solidFill>
-                </a:uFill>
-                <a:latin typeface="微软雅黑"/>
-                <a:ea typeface="微软雅黑"/>
-              </a:rPr>
-              <a:t>git cherry-pick  -x &lt;commit id&gt;：同上，不同点：保留原提交者信息。</a:t>
-            </a:r>
-            <a:endParaRPr lang="en-US" sz="1800" b="0" strike="noStrike" spc="-1">
-              <a:solidFill>
-                <a:srgbClr val="000000"/>
-              </a:solidFill>
-              <a:uFill>
-                <a:solidFill>
-                  <a:srgbClr val="FFFFFF"/>
-                </a:solidFill>
-              </a:uFill>
-              <a:latin typeface="Arial"/>
-            </a:endParaRPr>
-          </a:p>
-          <a:p>
-            <a:pPr>
-              <a:lnSpc>
-                <a:spcPct val="100000"/>
-              </a:lnSpc>
-            </a:pPr>
-            <a:endParaRPr lang="en-US" sz="1800" b="0" strike="noStrike" spc="-1">
-              <a:solidFill>
-                <a:srgbClr val="000000"/>
-              </a:solidFill>
-              <a:uFill>
-                <a:solidFill>
-                  <a:srgbClr val="FFFFFF"/>
-                </a:solidFill>
-              </a:uFill>
-              <a:latin typeface="Arial"/>
-            </a:endParaRPr>
-          </a:p>
-          <a:p>
-            <a:pPr>
-              <a:lnSpc>
-                <a:spcPct val="100000"/>
-              </a:lnSpc>
-            </a:pPr>
-            <a:r>
-              <a:rPr lang="en-US" sz="1800" b="0" strike="noStrike" spc="-1">
-                <a:solidFill>
-                  <a:srgbClr val="000000"/>
-                </a:solidFill>
-                <a:uFill>
-                  <a:solidFill>
-                    <a:srgbClr val="FFFFFF"/>
-                  </a:solidFill>
-                </a:uFill>
-                <a:latin typeface="微软雅黑"/>
-                <a:ea typeface="微软雅黑"/>
-              </a:rPr>
-              <a:t>Git从1.7.2版本开始支持批量cherry-pick，就是一次可以cherry-pick一个区间的commit。</a:t>
-            </a:r>
-            <a:endParaRPr lang="en-US" sz="1800" b="0" strike="noStrike" spc="-1">
-              <a:solidFill>
-                <a:srgbClr val="000000"/>
-              </a:solidFill>
-              <a:uFill>
-                <a:solidFill>
-                  <a:srgbClr val="FFFFFF"/>
-                </a:solidFill>
-              </a:uFill>
-              <a:latin typeface="Arial"/>
-            </a:endParaRPr>
-          </a:p>
-          <a:p>
-            <a:pPr>
-              <a:lnSpc>
-                <a:spcPct val="100000"/>
-              </a:lnSpc>
-            </a:pPr>
-            <a:r>
-              <a:rPr lang="en-US" sz="1800" b="0" strike="noStrike" spc="-1">
-                <a:solidFill>
-                  <a:srgbClr val="000000"/>
-                </a:solidFill>
-                <a:uFill>
-                  <a:solidFill>
-                    <a:srgbClr val="FFFFFF"/>
-                  </a:solidFill>
-                </a:uFill>
-                <a:latin typeface="微软雅黑"/>
-                <a:ea typeface="微软雅黑"/>
-              </a:rPr>
-              <a:t> git cherry-pick &lt;start-commit-id&gt;..&lt;end-commit-id&gt;</a:t>
-            </a:r>
-            <a:endParaRPr lang="en-US" sz="1800" b="0" strike="noStrike" spc="-1">
-              <a:solidFill>
-                <a:srgbClr val="000000"/>
-              </a:solidFill>
-              <a:uFill>
-                <a:solidFill>
-                  <a:srgbClr val="FFFFFF"/>
-                </a:solidFill>
-              </a:uFill>
-              <a:latin typeface="Arial"/>
-            </a:endParaRPr>
-          </a:p>
-          <a:p>
-            <a:pPr>
-              <a:lnSpc>
-                <a:spcPct val="100000"/>
-              </a:lnSpc>
-            </a:pPr>
-            <a:r>
-              <a:rPr lang="en-US" sz="1800" b="0" strike="noStrike" spc="-1">
-                <a:solidFill>
-                  <a:srgbClr val="000000"/>
-                </a:solidFill>
-                <a:uFill>
-                  <a:solidFill>
-                    <a:srgbClr val="FFFFFF"/>
-                  </a:solidFill>
-                </a:uFill>
-                <a:latin typeface="微软雅黑"/>
-                <a:ea typeface="微软雅黑"/>
-              </a:rPr>
-              <a:t> 或者</a:t>
-            </a:r>
-            <a:endParaRPr lang="en-US" sz="1800" b="0" strike="noStrike" spc="-1">
-              <a:solidFill>
-                <a:srgbClr val="000000"/>
-              </a:solidFill>
-              <a:uFill>
-                <a:solidFill>
-                  <a:srgbClr val="FFFFFF"/>
-                </a:solidFill>
-              </a:uFill>
-              <a:latin typeface="Arial"/>
-            </a:endParaRPr>
-          </a:p>
-          <a:p>
-            <a:pPr>
-              <a:lnSpc>
-                <a:spcPct val="100000"/>
-              </a:lnSpc>
-            </a:pPr>
-            <a:r>
-              <a:rPr lang="en-US" sz="1800" b="0" strike="noStrike" spc="-1">
-                <a:solidFill>
-                  <a:srgbClr val="000000"/>
-                </a:solidFill>
-                <a:uFill>
-                  <a:solidFill>
-                    <a:srgbClr val="FFFFFF"/>
-                  </a:solidFill>
-                </a:uFill>
-                <a:latin typeface="微软雅黑"/>
-                <a:ea typeface="微软雅黑"/>
-              </a:rPr>
-              <a:t> git cherry-pick &lt;start-commit-id&gt;^..&lt;end-commit-id&gt;</a:t>
-            </a:r>
-            <a:endParaRPr lang="en-US" sz="1800" b="0" strike="noStrike" spc="-1">
-              <a:solidFill>
-                <a:srgbClr val="000000"/>
-              </a:solidFill>
-              <a:uFill>
-                <a:solidFill>
-                  <a:srgbClr val="FFFFFF"/>
-                </a:solidFill>
-              </a:uFill>
-              <a:latin typeface="Arial"/>
-            </a:endParaRPr>
-          </a:p>
-          <a:p>
-            <a:pPr>
-              <a:lnSpc>
-                <a:spcPct val="100000"/>
-              </a:lnSpc>
-            </a:pPr>
-            <a:endParaRPr lang="en-US" sz="1800" b="0" strike="noStrike" spc="-1">
-              <a:solidFill>
-                <a:srgbClr val="000000"/>
-              </a:solidFill>
-              <a:uFill>
-                <a:solidFill>
-                  <a:srgbClr val="FFFFFF"/>
-                </a:solidFill>
-              </a:uFill>
-              <a:latin typeface="Arial"/>
-            </a:endParaRPr>
-          </a:p>
-          <a:p>
-            <a:pPr>
-              <a:lnSpc>
-                <a:spcPct val="100000"/>
-              </a:lnSpc>
-            </a:pPr>
-            <a:r>
-              <a:rPr lang="en-US" sz="1800" b="0" strike="noStrike" spc="-1">
-                <a:solidFill>
-                  <a:srgbClr val="000000"/>
-                </a:solidFill>
-                <a:uFill>
-                  <a:solidFill>
-                    <a:srgbClr val="FFFFFF"/>
-                  </a:solidFill>
-                </a:uFill>
-                <a:latin typeface="微软雅黑"/>
-                <a:ea typeface="微软雅黑"/>
-              </a:rPr>
-              <a:t>前者表示把&lt;start-commit-id&gt;到&lt;end-commit-id&gt;之间(左开右闭，不包含start-commit-id)的提交cherry-pick到当前分支；</a:t>
-            </a:r>
-            <a:endParaRPr lang="en-US" sz="1800" b="0" strike="noStrike" spc="-1">
-              <a:solidFill>
-                <a:srgbClr val="000000"/>
-              </a:solidFill>
-              <a:uFill>
-                <a:solidFill>
-                  <a:srgbClr val="FFFFFF"/>
-                </a:solidFill>
-              </a:uFill>
-              <a:latin typeface="Arial"/>
-            </a:endParaRPr>
-          </a:p>
-          <a:p>
-            <a:pPr>
-              <a:lnSpc>
-                <a:spcPct val="100000"/>
-              </a:lnSpc>
-            </a:pPr>
-            <a:r>
-              <a:rPr lang="en-US" sz="1800" b="0" strike="noStrike" spc="-1">
-                <a:solidFill>
-                  <a:srgbClr val="000000"/>
-                </a:solidFill>
-                <a:uFill>
-                  <a:solidFill>
-                    <a:srgbClr val="FFFFFF"/>
-                  </a:solidFill>
-                </a:uFill>
-                <a:latin typeface="微软雅黑"/>
-                <a:ea typeface="微软雅黑"/>
-              </a:rPr>
-              <a:t>后者表示把&lt;start-commit-id&gt;到&lt;end-commit-id&gt;之间(闭区间，包含start-commit-id)的提交cherry-pick到当前分支。</a:t>
-            </a:r>
-            <a:endParaRPr lang="en-US" sz="1800" b="0" strike="noStrike" spc="-1">
-              <a:solidFill>
-                <a:srgbClr val="000000"/>
-              </a:solidFill>
-              <a:uFill>
-                <a:solidFill>
-                  <a:srgbClr val="FFFFFF"/>
-                </a:solidFill>
-              </a:uFill>
-              <a:latin typeface="Arial"/>
-            </a:endParaRPr>
-          </a:p>
-          <a:p>
-            <a:pPr>
-              <a:lnSpc>
-                <a:spcPct val="100000"/>
-              </a:lnSpc>
-            </a:pPr>
-            <a:endParaRPr lang="en-US" sz="1800" b="0" strike="noStrike" spc="-1">
-              <a:solidFill>
-                <a:srgbClr val="000000"/>
-              </a:solidFill>
-              <a:uFill>
-                <a:solidFill>
-                  <a:srgbClr val="FFFFFF"/>
-                </a:solidFill>
-              </a:uFill>
-              <a:latin typeface="Arial"/>
-            </a:endParaRPr>
-          </a:p>
-          <a:p>
-            <a:pPr>
-              <a:lnSpc>
-                <a:spcPct val="100000"/>
-              </a:lnSpc>
-            </a:pPr>
-            <a:r>
-              <a:rPr lang="en-US" sz="1800" b="0" strike="noStrike" spc="-1">
-                <a:solidFill>
-                  <a:srgbClr val="000000"/>
-                </a:solidFill>
-                <a:uFill>
-                  <a:solidFill>
-                    <a:srgbClr val="FFFFFF"/>
-                  </a:solidFill>
-                </a:uFill>
-                <a:latin typeface="微软雅黑"/>
-                <a:ea typeface="微软雅黑"/>
-              </a:rPr>
-              <a:t>其中，&lt;start-commit-id&gt;到&lt;end-commit-id&gt;只需要commit-id的前6位即可，并且&lt;start-commit-id&gt;在时间上必须早于&lt;end-commit-id&gt;</a:t>
-            </a:r>
-            <a:endParaRPr lang="en-US" sz="1800" b="0" strike="noStrike" spc="-1">
-              <a:solidFill>
-                <a:srgbClr val="000000"/>
-              </a:solidFill>
-              <a:uFill>
-                <a:solidFill>
-                  <a:srgbClr val="FFFFFF"/>
-                </a:solidFill>
-              </a:uFill>
-              <a:latin typeface="Arial"/>
-            </a:endParaRPr>
-          </a:p>
-          <a:p>
-            <a:pPr>
-              <a:lnSpc>
-                <a:spcPct val="100000"/>
-              </a:lnSpc>
-            </a:pPr>
-            <a:endParaRPr lang="en-US" sz="1800" b="0" strike="noStrike" spc="-1">
-              <a:solidFill>
-                <a:srgbClr val="000000"/>
-              </a:solidFill>
-              <a:uFill>
-                <a:solidFill>
-                  <a:srgbClr val="FFFFFF"/>
-                </a:solidFill>
-              </a:uFill>
-              <a:latin typeface="Arial"/>
-            </a:endParaRPr>
-          </a:p>
-          <a:p>
-            <a:pPr>
-              <a:lnSpc>
-                <a:spcPct val="100000"/>
-              </a:lnSpc>
-            </a:pPr>
-            <a:r>
-              <a:rPr lang="en-US" sz="1800" b="0" strike="noStrike" spc="-1">
-                <a:solidFill>
-                  <a:srgbClr val="000000"/>
-                </a:solidFill>
-                <a:uFill>
-                  <a:solidFill>
-                    <a:srgbClr val="FFFFFF"/>
-                  </a:solidFill>
-                </a:uFill>
-                <a:latin typeface="微软雅黑"/>
-                <a:ea typeface="微软雅黑"/>
-              </a:rPr>
-              <a:t>注：以上合并，需要手动push代码。</a:t>
-            </a:r>
-            <a:endParaRPr lang="en-US" sz="1800" b="0" strike="noStrike" spc="-1">
-              <a:solidFill>
-                <a:srgbClr val="000000"/>
-              </a:solidFill>
-              <a:uFill>
-                <a:solidFill>
-                  <a:srgbClr val="FFFFFF"/>
-                </a:solidFill>
-              </a:uFill>
-              <a:latin typeface="Arial"/>
-            </a:endParaRPr>
           </a:p>
         </p:txBody>
       </p:sp>
@@ -41100,14 +40754,6 @@
 <file path=ppt/slides/slide55.xml><?xml version="1.0" encoding="utf-8"?>
 <p:sld xmlns:a="http://schemas.openxmlformats.org/drawingml/2006/main" xmlns:r="http://schemas.openxmlformats.org/officeDocument/2006/relationships" xmlns:p="http://schemas.openxmlformats.org/presentationml/2006/main">
   <p:cSld>
-    <p:bg>
-      <p:bgPr>
-        <a:solidFill>
-          <a:srgbClr val="FFFFFF"/>
-        </a:solidFill>
-        <a:effectLst/>
-      </p:bgPr>
-    </p:bg>
     <p:spTree>
       <p:nvGrpSpPr>
         <p:cNvPr id="1" name=""/>
@@ -41124,14 +40770,14 @@
       </p:grpSpPr>
       <p:sp>
         <p:nvSpPr>
-          <p:cNvPr id="259" name="CustomShape 1"/>
+          <p:cNvPr id="258" name="CustomShape 1"/>
           <p:cNvSpPr/>
           <p:nvPr/>
         </p:nvSpPr>
         <p:spPr>
           <a:xfrm>
-            <a:off x="365040" y="100080"/>
-            <a:ext cx="8402400" cy="794880"/>
+            <a:off x="387360" y="1044720"/>
+            <a:ext cx="8503920" cy="5028120"/>
           </a:xfrm>
           <a:prstGeom prst="rect">
             <a:avLst/>
@@ -41154,18 +40800,18 @@
           <a:fontRef idx="minor"/>
         </p:style>
         <p:txBody>
-          <a:bodyPr lIns="90000" tIns="46800" rIns="90000" bIns="46800" anchor="ctr"/>
+          <a:bodyPr lIns="90000" tIns="45000" rIns="90000" bIns="45000"/>
           <a:lstStyle/>
           <a:p>
             <a:pPr>
               <a:lnSpc>
-                <a:spcPct val="90000"/>
-              </a:lnSpc>
-            </a:pPr>
-            <a:r>
-              <a:rPr lang="en-US" sz="3200" b="1" strike="noStrike" spc="-1">
-                <a:solidFill>
-                  <a:srgbClr val="529329"/>
+                <a:spcPct val="100000"/>
+              </a:lnSpc>
+            </a:pPr>
+            <a:r>
+              <a:rPr lang="en-US" sz="1800" b="0" strike="noStrike" spc="-1">
+                <a:solidFill>
+                  <a:srgbClr val="000000"/>
                 </a:solidFill>
                 <a:uFill>
                   <a:solidFill>
@@ -41175,7 +40821,7 @@
                 <a:latin typeface="微软雅黑"/>
                 <a:ea typeface="微软雅黑"/>
               </a:rPr>
-              <a:t>本地分支和远程分支的追踪关系</a:t>
+              <a:t>git cherry-pick &lt;commit id&gt;:单独合并一个提交</a:t>
             </a:r>
             <a:endParaRPr lang="en-US" sz="1800" b="0" strike="noStrike" spc="-1">
               <a:solidFill>
@@ -41189,57 +40835,16 @@
               <a:latin typeface="Arial"/>
             </a:endParaRPr>
           </a:p>
-        </p:txBody>
-      </p:sp>
-      <p:sp>
-        <p:nvSpPr>
-          <p:cNvPr id="260" name="CustomShape 2"/>
-          <p:cNvSpPr/>
-          <p:nvPr/>
-        </p:nvSpPr>
-        <p:spPr>
-          <a:xfrm>
-            <a:off x="628560" y="1133640"/>
-            <a:ext cx="8138880" cy="5213160"/>
-          </a:xfrm>
-          <a:prstGeom prst="rect">
-            <a:avLst/>
-          </a:prstGeom>
-          <a:noFill/>
-          <a:ln w="9360">
-            <a:noFill/>
-          </a:ln>
-        </p:spPr>
-        <p:style>
-          <a:lnRef idx="0">
-            <a:scrgbClr r="0" g="0" b="0"/>
-          </a:lnRef>
-          <a:fillRef idx="0">
-            <a:scrgbClr r="0" g="0" b="0"/>
-          </a:fillRef>
-          <a:effectRef idx="0">
-            <a:scrgbClr r="0" g="0" b="0"/>
-          </a:effectRef>
-          <a:fontRef idx="minor"/>
-        </p:style>
-        <p:txBody>
-          <a:bodyPr lIns="90000" tIns="46800" rIns="90000" bIns="46800"/>
-          <a:lstStyle/>
-          <a:p>
-            <a:pPr marL="258840" indent="-258480" algn="just">
-              <a:lnSpc>
-                <a:spcPct val="90000"/>
-              </a:lnSpc>
-              <a:buClr>
-                <a:srgbClr val="6EC437"/>
-              </a:buClr>
-              <a:buFont typeface="Wingdings 3" charset="2"/>
-              <a:buChar char=""/>
-            </a:pPr>
-            <a:r>
-              <a:rPr lang="en-US" sz="2200" b="0" strike="noStrike" spc="-1">
-                <a:solidFill>
-                  <a:srgbClr val="6EC437"/>
+          <a:p>
+            <a:pPr>
+              <a:lnSpc>
+                <a:spcPct val="100000"/>
+              </a:lnSpc>
+            </a:pPr>
+            <a:r>
+              <a:rPr lang="en-US" sz="1800" b="0" strike="noStrike" spc="-1">
+                <a:solidFill>
+                  <a:srgbClr val="000000"/>
                 </a:solidFill>
                 <a:uFill>
                   <a:solidFill>
@@ -41249,7 +40854,7 @@
                 <a:latin typeface="微软雅黑"/>
                 <a:ea typeface="微软雅黑"/>
               </a:rPr>
-              <a:t>git会自动在本地分支与远程分支之间建立一种追踪关系（tracking），在git clone的时候，所有本地分支默认与远程的同名分支建立追踪关系，例如本地的master分支自动"追踪"origin/master分支</a:t>
+              <a:t>git cherry-pick  -x &lt;commit id&gt;：同上，不同点：保留原提交者信息。</a:t>
             </a:r>
             <a:endParaRPr lang="en-US" sz="1800" b="0" strike="noStrike" spc="-1">
               <a:solidFill>
@@ -41264,20 +40869,33 @@
             </a:endParaRPr>
           </a:p>
           <a:p>
-            <a:pPr marL="258840" indent="-258480" algn="just">
-              <a:lnSpc>
-                <a:spcPct val="90000"/>
-              </a:lnSpc>
-              <a:buClr>
-                <a:srgbClr val="6EC437"/>
-              </a:buClr>
-              <a:buFont typeface="Wingdings 3" charset="2"/>
-              <a:buChar char=""/>
-            </a:pPr>
-            <a:r>
-              <a:rPr lang="en-US" sz="2200" b="0" strike="noStrike" spc="-1">
-                <a:solidFill>
-                  <a:srgbClr val="6EC437"/>
+            <a:pPr>
+              <a:lnSpc>
+                <a:spcPct val="100000"/>
+              </a:lnSpc>
+            </a:pPr>
+            <a:endParaRPr lang="en-US" sz="1800" b="0" strike="noStrike" spc="-1">
+              <a:solidFill>
+                <a:srgbClr val="000000"/>
+              </a:solidFill>
+              <a:uFill>
+                <a:solidFill>
+                  <a:srgbClr val="FFFFFF"/>
+                </a:solidFill>
+              </a:uFill>
+              <a:latin typeface="Arial"/>
+            </a:endParaRPr>
+          </a:p>
+          <a:p>
+            <a:pPr>
+              <a:lnSpc>
+                <a:spcPct val="100000"/>
+              </a:lnSpc>
+            </a:pPr>
+            <a:r>
+              <a:rPr lang="en-US" sz="1800" b="0" strike="noStrike" spc="-1">
+                <a:solidFill>
+                  <a:srgbClr val="000000"/>
                 </a:solidFill>
                 <a:uFill>
                   <a:solidFill>
@@ -41287,7 +40905,7 @@
                 <a:latin typeface="微软雅黑"/>
                 <a:ea typeface="微软雅黑"/>
               </a:rPr>
-              <a:t>git也允许手动建立追踪关系</a:t>
+              <a:t>Git从1.7.2版本开始支持批量cherry-pick，就是一次可以cherry-pick一个区间的commit。</a:t>
             </a:r>
             <a:endParaRPr lang="en-US" sz="1800" b="0" strike="noStrike" spc="-1">
               <a:solidFill>
@@ -41302,225 +40920,25 @@
             </a:endParaRPr>
           </a:p>
           <a:p>
-            <a:pPr marL="258840" lvl="1" indent="-258480" algn="just">
-              <a:lnSpc>
-                <a:spcPct val="90000"/>
-              </a:lnSpc>
-              <a:buClr>
-                <a:srgbClr val="D9DA8E"/>
-              </a:buClr>
-              <a:buFont typeface="幼圆"/>
-              <a:buChar char=" "/>
-            </a:pPr>
-            <a:r>
-              <a:rPr lang="en-US" sz="1500" b="0" strike="noStrike" spc="-1">
-                <a:solidFill>
-                  <a:srgbClr val="6D6F71"/>
-                </a:solidFill>
-                <a:uFill>
-                  <a:solidFill>
-                    <a:srgbClr val="FFFFFF"/>
-                  </a:solidFill>
-                </a:uFill>
-                <a:latin typeface="幼圆"/>
-                <a:ea typeface="微软雅黑"/>
-              </a:rPr>
-              <a:t>git branch --set-upstream-to=origin/remote1 local1</a:t>
-            </a:r>
-            <a:r>
-              <a:rPr lang="en-US" sz="1500" b="0" strike="noStrike" spc="-1">
-                <a:solidFill>
-                  <a:srgbClr val="6D6F71"/>
-                </a:solidFill>
-                <a:uFill>
-                  <a:solidFill>
-                    <a:srgbClr val="FFFFFF"/>
-                  </a:solidFill>
-                </a:uFill>
-                <a:latin typeface="幼圆"/>
-                <a:ea typeface="宋体"/>
-              </a:rPr>
-              <a:t> </a:t>
-            </a:r>
-            <a:r>
-              <a:rPr lang="en-US" sz="1500" b="0" strike="noStrike" spc="-1">
-                <a:solidFill>
-                  <a:srgbClr val="6D6F71"/>
-                </a:solidFill>
-                <a:uFill>
-                  <a:solidFill>
-                    <a:srgbClr val="FFFFFF"/>
-                  </a:solidFill>
-                </a:uFill>
-                <a:latin typeface="幼圆"/>
-                <a:ea typeface="微软雅黑"/>
-              </a:rPr>
-              <a:t># </a:t>
-            </a:r>
-            <a:r>
-              <a:rPr lang="en-US" sz="1500" b="0" strike="noStrike" spc="-1">
-                <a:solidFill>
-                  <a:srgbClr val="6D6F71"/>
-                </a:solidFill>
-                <a:uFill>
-                  <a:solidFill>
-                    <a:srgbClr val="FFFFFF"/>
-                  </a:solidFill>
-                </a:uFill>
-                <a:latin typeface="幼圆"/>
-                <a:ea typeface="宋体"/>
-              </a:rPr>
-              <a:t>指定本地</a:t>
-            </a:r>
-            <a:r>
-              <a:rPr lang="en-US" sz="1500" b="0" strike="noStrike" spc="-1">
-                <a:solidFill>
-                  <a:srgbClr val="6D6F71"/>
-                </a:solidFill>
-                <a:uFill>
-                  <a:solidFill>
-                    <a:srgbClr val="FFFFFF"/>
-                  </a:solidFill>
-                </a:uFill>
-                <a:latin typeface="幼圆"/>
-                <a:ea typeface="微软雅黑"/>
-              </a:rPr>
-              <a:t>local1</a:t>
-            </a:r>
-            <a:r>
-              <a:rPr lang="en-US" sz="1500" b="0" strike="noStrike" spc="-1">
-                <a:solidFill>
-                  <a:srgbClr val="6D6F71"/>
-                </a:solidFill>
-                <a:uFill>
-                  <a:solidFill>
-                    <a:srgbClr val="FFFFFF"/>
-                  </a:solidFill>
-                </a:uFill>
-                <a:latin typeface="幼圆"/>
-                <a:ea typeface="宋体"/>
-              </a:rPr>
-              <a:t>分支追踪远程的origin/</a:t>
-            </a:r>
-            <a:r>
-              <a:rPr lang="en-US" sz="1500" b="0" strike="noStrike" spc="-1">
-                <a:solidFill>
-                  <a:srgbClr val="6D6F71"/>
-                </a:solidFill>
-                <a:uFill>
-                  <a:solidFill>
-                    <a:srgbClr val="FFFFFF"/>
-                  </a:solidFill>
-                </a:uFill>
-                <a:latin typeface="幼圆"/>
-                <a:ea typeface="微软雅黑"/>
-              </a:rPr>
-              <a:t>remote1</a:t>
-            </a:r>
-            <a:r>
-              <a:rPr lang="en-US" sz="1500" b="0" strike="noStrike" spc="-1">
-                <a:solidFill>
-                  <a:srgbClr val="6D6F71"/>
-                </a:solidFill>
-                <a:uFill>
-                  <a:solidFill>
-                    <a:srgbClr val="FFFFFF"/>
-                  </a:solidFill>
-                </a:uFill>
-                <a:latin typeface="幼圆"/>
-                <a:ea typeface="宋体"/>
-              </a:rPr>
-              <a:t>分支（注意</a:t>
-            </a:r>
-            <a:r>
-              <a:rPr lang="en-US" sz="1500" b="0" strike="noStrike" spc="-1">
-                <a:solidFill>
-                  <a:srgbClr val="6D6F71"/>
-                </a:solidFill>
-                <a:uFill>
-                  <a:solidFill>
-                    <a:srgbClr val="FFFFFF"/>
-                  </a:solidFill>
-                </a:uFill>
-                <a:latin typeface="幼圆"/>
-                <a:ea typeface="微软雅黑"/>
-              </a:rPr>
-              <a:t>git</a:t>
-            </a:r>
-            <a:r>
-              <a:rPr lang="en-US" sz="1500" b="0" strike="noStrike" spc="-1">
-                <a:solidFill>
-                  <a:srgbClr val="6D6F71"/>
-                </a:solidFill>
-                <a:uFill>
-                  <a:solidFill>
-                    <a:srgbClr val="FFFFFF"/>
-                  </a:solidFill>
-                </a:uFill>
-                <a:latin typeface="幼圆"/>
-                <a:ea typeface="宋体"/>
-              </a:rPr>
-              <a:t>版本不同，该命令的格式也有所不同，另一种格式为：git branch --set-upstream </a:t>
-            </a:r>
-            <a:r>
-              <a:rPr lang="en-US" sz="1500" b="0" strike="noStrike" spc="-1">
-                <a:solidFill>
-                  <a:srgbClr val="6D6F71"/>
-                </a:solidFill>
-                <a:uFill>
-                  <a:solidFill>
-                    <a:srgbClr val="FFFFFF"/>
-                  </a:solidFill>
-                </a:uFill>
-                <a:latin typeface="幼圆"/>
-                <a:ea typeface="微软雅黑"/>
-              </a:rPr>
-              <a:t>local1</a:t>
-            </a:r>
-            <a:r>
-              <a:rPr lang="en-US" sz="1500" b="0" strike="noStrike" spc="-1">
-                <a:solidFill>
-                  <a:srgbClr val="6D6F71"/>
-                </a:solidFill>
-                <a:uFill>
-                  <a:solidFill>
-                    <a:srgbClr val="FFFFFF"/>
-                  </a:solidFill>
-                </a:uFill>
-                <a:latin typeface="幼圆"/>
-                <a:ea typeface="宋体"/>
-              </a:rPr>
-              <a:t> origin/</a:t>
-            </a:r>
-            <a:r>
-              <a:rPr lang="en-US" sz="1500" b="0" strike="noStrike" spc="-1">
-                <a:solidFill>
-                  <a:srgbClr val="6D6F71"/>
-                </a:solidFill>
-                <a:uFill>
-                  <a:solidFill>
-                    <a:srgbClr val="FFFFFF"/>
-                  </a:solidFill>
-                </a:uFill>
-                <a:latin typeface="幼圆"/>
-                <a:ea typeface="微软雅黑"/>
-              </a:rPr>
-              <a:t>remote1</a:t>
-            </a:r>
-            <a:r>
-              <a:rPr lang="en-US" sz="1500" b="0" strike="noStrike" spc="-1">
-                <a:solidFill>
-                  <a:srgbClr val="6D6F71"/>
-                </a:solidFill>
-                <a:uFill>
-                  <a:solidFill>
-                    <a:srgbClr val="FFFFFF"/>
-                  </a:solidFill>
-                </a:uFill>
-                <a:latin typeface="幼圆"/>
-                <a:ea typeface="宋体"/>
-              </a:rPr>
-              <a:t>）</a:t>
+            <a:pPr>
+              <a:lnSpc>
+                <a:spcPct val="100000"/>
+              </a:lnSpc>
+            </a:pPr>
+            <a:r>
+              <a:rPr lang="en-US" sz="1800" b="0" strike="noStrike" spc="-1">
+                <a:solidFill>
+                  <a:srgbClr val="000000"/>
+                </a:solidFill>
+                <a:uFill>
+                  <a:solidFill>
+                    <a:srgbClr val="FFFFFF"/>
+                  </a:solidFill>
+                </a:uFill>
+                <a:latin typeface="微软雅黑"/>
+                <a:ea typeface="微软雅黑"/>
+              </a:rPr>
+              <a:t> git cherry-pick &lt;start-commit-id&gt;..&lt;end-commit-id&gt;</a:t>
             </a:r>
             <a:endParaRPr lang="en-US" sz="1800" b="0" strike="noStrike" spc="-1">
               <a:solidFill>
@@ -41535,20 +40953,15 @@
             </a:endParaRPr>
           </a:p>
           <a:p>
-            <a:pPr marL="258840" indent="-258480" algn="just">
-              <a:lnSpc>
-                <a:spcPct val="90000"/>
-              </a:lnSpc>
-              <a:buClr>
-                <a:srgbClr val="6EC437"/>
-              </a:buClr>
-              <a:buFont typeface="Wingdings 3" charset="2"/>
-              <a:buChar char=""/>
-            </a:pPr>
-            <a:r>
-              <a:rPr lang="en-US" sz="2200" b="0" strike="noStrike" spc="-1">
-                <a:solidFill>
-                  <a:srgbClr val="6EC437"/>
+            <a:pPr>
+              <a:lnSpc>
+                <a:spcPct val="100000"/>
+              </a:lnSpc>
+            </a:pPr>
+            <a:r>
+              <a:rPr lang="en-US" sz="1800" b="0" strike="noStrike" spc="-1">
+                <a:solidFill>
+                  <a:srgbClr val="000000"/>
                 </a:solidFill>
                 <a:uFill>
                   <a:solidFill>
@@ -41558,7 +40971,7 @@
                 <a:latin typeface="微软雅黑"/>
                 <a:ea typeface="微软雅黑"/>
               </a:rPr>
-              <a:t>如果当前分支与远程分支存在追踪关系，git pull就可以省略远程分支名</a:t>
+              <a:t> 或者</a:t>
             </a:r>
             <a:endParaRPr lang="en-US" sz="1800" b="0" strike="noStrike" spc="-1">
               <a:solidFill>
@@ -41573,60 +40986,25 @@
             </a:endParaRPr>
           </a:p>
           <a:p>
-            <a:pPr marL="258840" lvl="1" indent="-258480" algn="just">
-              <a:lnSpc>
-                <a:spcPct val="90000"/>
-              </a:lnSpc>
-              <a:buClr>
-                <a:srgbClr val="D9DA8E"/>
-              </a:buClr>
-              <a:buFont typeface="幼圆"/>
-              <a:buChar char=" "/>
-            </a:pPr>
-            <a:r>
-              <a:rPr lang="en-US" sz="1500" b="0" strike="noStrike" spc="-1">
-                <a:solidFill>
-                  <a:srgbClr val="6D6F71"/>
-                </a:solidFill>
-                <a:uFill>
-                  <a:solidFill>
-                    <a:srgbClr val="FFFFFF"/>
-                  </a:solidFill>
-                </a:uFill>
-                <a:latin typeface="幼圆"/>
-                <a:ea typeface="宋体"/>
-              </a:rPr>
-              <a:t>git pull origin </a:t>
-            </a:r>
-            <a:r>
-              <a:rPr lang="en-US" sz="1500" b="0" strike="noStrike" spc="-1">
-                <a:solidFill>
-                  <a:srgbClr val="6D6F71"/>
-                </a:solidFill>
-                <a:uFill>
-                  <a:solidFill>
-                    <a:srgbClr val="FFFFFF"/>
-                  </a:solidFill>
-                </a:uFill>
-                <a:latin typeface="幼圆"/>
-                <a:ea typeface="微软雅黑"/>
-              </a:rPr>
-              <a:t># </a:t>
-            </a:r>
-            <a:r>
-              <a:rPr lang="en-US" sz="1500" b="0" strike="noStrike" spc="-1">
-                <a:solidFill>
-                  <a:srgbClr val="6D6F71"/>
-                </a:solidFill>
-                <a:uFill>
-                  <a:solidFill>
-                    <a:srgbClr val="FFFFFF"/>
-                  </a:solidFill>
-                </a:uFill>
-                <a:latin typeface="幼圆"/>
-                <a:ea typeface="宋体"/>
-              </a:rPr>
-              <a:t>本地的当前分支自动与对应的origin主机的"追踪分支"（remote-tracking branch）进行合并</a:t>
+            <a:pPr>
+              <a:lnSpc>
+                <a:spcPct val="100000"/>
+              </a:lnSpc>
+            </a:pPr>
+            <a:r>
+              <a:rPr lang="en-US" sz="1800" b="0" strike="noStrike" spc="-1">
+                <a:solidFill>
+                  <a:srgbClr val="000000"/>
+                </a:solidFill>
+                <a:uFill>
+                  <a:solidFill>
+                    <a:srgbClr val="FFFFFF"/>
+                  </a:solidFill>
+                </a:uFill>
+                <a:latin typeface="微软雅黑"/>
+                <a:ea typeface="微软雅黑"/>
+              </a:rPr>
+              <a:t> git cherry-pick &lt;start-commit-id&gt;^..&lt;end-commit-id&gt;</a:t>
             </a:r>
             <a:endParaRPr lang="en-US" sz="1800" b="0" strike="noStrike" spc="-1">
               <a:solidFill>
@@ -41641,20 +41019,33 @@
             </a:endParaRPr>
           </a:p>
           <a:p>
-            <a:pPr marL="258840" indent="-258480" algn="just">
-              <a:lnSpc>
-                <a:spcPct val="90000"/>
-              </a:lnSpc>
-              <a:buClr>
-                <a:srgbClr val="6EC437"/>
-              </a:buClr>
-              <a:buFont typeface="Wingdings 3" charset="2"/>
-              <a:buChar char=""/>
-            </a:pPr>
-            <a:r>
-              <a:rPr lang="en-US" sz="2200" b="0" strike="noStrike" spc="-1">
-                <a:solidFill>
-                  <a:srgbClr val="6EC437"/>
+            <a:pPr>
+              <a:lnSpc>
+                <a:spcPct val="100000"/>
+              </a:lnSpc>
+            </a:pPr>
+            <a:endParaRPr lang="en-US" sz="1800" b="0" strike="noStrike" spc="-1">
+              <a:solidFill>
+                <a:srgbClr val="000000"/>
+              </a:solidFill>
+              <a:uFill>
+                <a:solidFill>
+                  <a:srgbClr val="FFFFFF"/>
+                </a:solidFill>
+              </a:uFill>
+              <a:latin typeface="Arial"/>
+            </a:endParaRPr>
+          </a:p>
+          <a:p>
+            <a:pPr>
+              <a:lnSpc>
+                <a:spcPct val="100000"/>
+              </a:lnSpc>
+            </a:pPr>
+            <a:r>
+              <a:rPr lang="en-US" sz="1800" b="0" strike="noStrike" spc="-1">
+                <a:solidFill>
+                  <a:srgbClr val="000000"/>
                 </a:solidFill>
                 <a:uFill>
                   <a:solidFill>
@@ -41664,7 +41055,7 @@
                 <a:latin typeface="微软雅黑"/>
                 <a:ea typeface="微软雅黑"/>
               </a:rPr>
-              <a:t>如果当前分支只有一个追踪分支，连远程主机名origin都可以省略</a:t>
+              <a:t>前者表示把&lt;start-commit-id&gt;到&lt;end-commit-id&gt;之间(左开右闭，不包含start-commit-id)的提交cherry-pick到当前分支；</a:t>
             </a:r>
             <a:endParaRPr lang="en-US" sz="1800" b="0" strike="noStrike" spc="-1">
               <a:solidFill>
@@ -41679,60 +41070,127 @@
             </a:endParaRPr>
           </a:p>
           <a:p>
-            <a:pPr marL="258840" lvl="1" indent="-258480" algn="just">
-              <a:lnSpc>
-                <a:spcPct val="90000"/>
-              </a:lnSpc>
-              <a:buClr>
-                <a:srgbClr val="D9DA8E"/>
-              </a:buClr>
-              <a:buFont typeface="幼圆"/>
-              <a:buChar char=" "/>
-            </a:pPr>
-            <a:r>
-              <a:rPr lang="en-US" sz="1500" b="0" strike="noStrike" spc="-1">
-                <a:solidFill>
-                  <a:srgbClr val="6D6F71"/>
-                </a:solidFill>
-                <a:uFill>
-                  <a:solidFill>
-                    <a:srgbClr val="FFFFFF"/>
-                  </a:solidFill>
-                </a:uFill>
-                <a:latin typeface="幼圆"/>
-                <a:ea typeface="宋体"/>
-              </a:rPr>
-              <a:t>git pul</a:t>
-            </a:r>
-            <a:r>
-              <a:rPr lang="en-US" sz="1500" b="0" strike="noStrike" spc="-1">
-                <a:solidFill>
-                  <a:srgbClr val="6D6F71"/>
-                </a:solidFill>
-                <a:uFill>
-                  <a:solidFill>
-                    <a:srgbClr val="FFFFFF"/>
-                  </a:solidFill>
-                </a:uFill>
-                <a:latin typeface="幼圆"/>
-                <a:ea typeface="微软雅黑"/>
-              </a:rPr>
-              <a:t>l # </a:t>
-            </a:r>
-            <a:r>
-              <a:rPr lang="en-US" sz="1500" b="0" strike="noStrike" spc="-1">
-                <a:solidFill>
-                  <a:srgbClr val="6D6F71"/>
-                </a:solidFill>
-                <a:uFill>
-                  <a:solidFill>
-                    <a:srgbClr val="FFFFFF"/>
-                  </a:solidFill>
-                </a:uFill>
-                <a:latin typeface="幼圆"/>
-                <a:ea typeface="宋体"/>
-              </a:rPr>
-              <a:t>本地的当前分支自动与唯一一个追踪分支进行合并</a:t>
+            <a:pPr>
+              <a:lnSpc>
+                <a:spcPct val="100000"/>
+              </a:lnSpc>
+            </a:pPr>
+            <a:r>
+              <a:rPr lang="en-US" sz="1800" b="0" strike="noStrike" spc="-1">
+                <a:solidFill>
+                  <a:srgbClr val="000000"/>
+                </a:solidFill>
+                <a:uFill>
+                  <a:solidFill>
+                    <a:srgbClr val="FFFFFF"/>
+                  </a:solidFill>
+                </a:uFill>
+                <a:latin typeface="微软雅黑"/>
+                <a:ea typeface="微软雅黑"/>
+              </a:rPr>
+              <a:t>后者表示把&lt;start-commit-id&gt;到&lt;end-commit-id&gt;之间(闭区间，包含start-commit-id)的提交cherry-pick到当前分支。</a:t>
+            </a:r>
+            <a:endParaRPr lang="en-US" sz="1800" b="0" strike="noStrike" spc="-1">
+              <a:solidFill>
+                <a:srgbClr val="000000"/>
+              </a:solidFill>
+              <a:uFill>
+                <a:solidFill>
+                  <a:srgbClr val="FFFFFF"/>
+                </a:solidFill>
+              </a:uFill>
+              <a:latin typeface="Arial"/>
+            </a:endParaRPr>
+          </a:p>
+          <a:p>
+            <a:pPr>
+              <a:lnSpc>
+                <a:spcPct val="100000"/>
+              </a:lnSpc>
+            </a:pPr>
+            <a:endParaRPr lang="en-US" sz="1800" b="0" strike="noStrike" spc="-1">
+              <a:solidFill>
+                <a:srgbClr val="000000"/>
+              </a:solidFill>
+              <a:uFill>
+                <a:solidFill>
+                  <a:srgbClr val="FFFFFF"/>
+                </a:solidFill>
+              </a:uFill>
+              <a:latin typeface="Arial"/>
+            </a:endParaRPr>
+          </a:p>
+          <a:p>
+            <a:pPr>
+              <a:lnSpc>
+                <a:spcPct val="100000"/>
+              </a:lnSpc>
+            </a:pPr>
+            <a:r>
+              <a:rPr lang="en-US" sz="1800" b="0" strike="noStrike" spc="-1">
+                <a:solidFill>
+                  <a:srgbClr val="000000"/>
+                </a:solidFill>
+                <a:uFill>
+                  <a:solidFill>
+                    <a:srgbClr val="FFFFFF"/>
+                  </a:solidFill>
+                </a:uFill>
+                <a:latin typeface="微软雅黑"/>
+                <a:ea typeface="微软雅黑"/>
+              </a:rPr>
+              <a:t>其中，&lt;start-commit-id&gt;到&lt;end-commit-id&gt;只需要commit-id的前6位即可，并且&lt;start-commit-id&gt;在时间上必须早于&lt;end-commit-id&gt;</a:t>
+            </a:r>
+            <a:endParaRPr lang="en-US" sz="1800" b="0" strike="noStrike" spc="-1">
+              <a:solidFill>
+                <a:srgbClr val="000000"/>
+              </a:solidFill>
+              <a:uFill>
+                <a:solidFill>
+                  <a:srgbClr val="FFFFFF"/>
+                </a:solidFill>
+              </a:uFill>
+              <a:latin typeface="Arial"/>
+            </a:endParaRPr>
+          </a:p>
+          <a:p>
+            <a:pPr>
+              <a:lnSpc>
+                <a:spcPct val="100000"/>
+              </a:lnSpc>
+            </a:pPr>
+            <a:endParaRPr lang="en-US" sz="1800" b="0" strike="noStrike" spc="-1">
+              <a:solidFill>
+                <a:srgbClr val="000000"/>
+              </a:solidFill>
+              <a:uFill>
+                <a:solidFill>
+                  <a:srgbClr val="FFFFFF"/>
+                </a:solidFill>
+              </a:uFill>
+              <a:latin typeface="Arial"/>
+            </a:endParaRPr>
+          </a:p>
+          <a:p>
+            <a:pPr>
+              <a:lnSpc>
+                <a:spcPct val="100000"/>
+              </a:lnSpc>
+            </a:pPr>
+            <a:r>
+              <a:rPr lang="en-US" sz="1800" b="0" strike="noStrike" spc="-1">
+                <a:solidFill>
+                  <a:srgbClr val="000000"/>
+                </a:solidFill>
+                <a:uFill>
+                  <a:solidFill>
+                    <a:srgbClr val="FFFFFF"/>
+                  </a:solidFill>
+                </a:uFill>
+                <a:latin typeface="微软雅黑"/>
+                <a:ea typeface="微软雅黑"/>
+              </a:rPr>
+              <a:t>注：以上合并，需要手动push代码。</a:t>
             </a:r>
             <a:endParaRPr lang="en-US" sz="1800" b="0" strike="noStrike" spc="-1">
               <a:solidFill>
@@ -41810,6 +41268,692 @@
       </p:grpSpPr>
       <p:sp>
         <p:nvSpPr>
+          <p:cNvPr id="259" name="CustomShape 1"/>
+          <p:cNvSpPr/>
+          <p:nvPr/>
+        </p:nvSpPr>
+        <p:spPr>
+          <a:xfrm>
+            <a:off x="365040" y="100080"/>
+            <a:ext cx="8402400" cy="794880"/>
+          </a:xfrm>
+          <a:prstGeom prst="rect">
+            <a:avLst/>
+          </a:prstGeom>
+          <a:noFill/>
+          <a:ln w="9360">
+            <a:noFill/>
+          </a:ln>
+        </p:spPr>
+        <p:style>
+          <a:lnRef idx="0">
+            <a:scrgbClr r="0" g="0" b="0"/>
+          </a:lnRef>
+          <a:fillRef idx="0">
+            <a:scrgbClr r="0" g="0" b="0"/>
+          </a:fillRef>
+          <a:effectRef idx="0">
+            <a:scrgbClr r="0" g="0" b="0"/>
+          </a:effectRef>
+          <a:fontRef idx="minor"/>
+        </p:style>
+        <p:txBody>
+          <a:bodyPr lIns="90000" tIns="46800" rIns="90000" bIns="46800" anchor="ctr"/>
+          <a:lstStyle/>
+          <a:p>
+            <a:pPr>
+              <a:lnSpc>
+                <a:spcPct val="90000"/>
+              </a:lnSpc>
+            </a:pPr>
+            <a:r>
+              <a:rPr lang="en-US" sz="3200" b="1" strike="noStrike" spc="-1">
+                <a:solidFill>
+                  <a:srgbClr val="529329"/>
+                </a:solidFill>
+                <a:uFill>
+                  <a:solidFill>
+                    <a:srgbClr val="FFFFFF"/>
+                  </a:solidFill>
+                </a:uFill>
+                <a:latin typeface="微软雅黑"/>
+                <a:ea typeface="微软雅黑"/>
+              </a:rPr>
+              <a:t>本地分支和远程分支的追踪关系</a:t>
+            </a:r>
+            <a:endParaRPr lang="en-US" sz="1800" b="0" strike="noStrike" spc="-1">
+              <a:solidFill>
+                <a:srgbClr val="000000"/>
+              </a:solidFill>
+              <a:uFill>
+                <a:solidFill>
+                  <a:srgbClr val="FFFFFF"/>
+                </a:solidFill>
+              </a:uFill>
+              <a:latin typeface="Arial"/>
+            </a:endParaRPr>
+          </a:p>
+        </p:txBody>
+      </p:sp>
+      <p:sp>
+        <p:nvSpPr>
+          <p:cNvPr id="260" name="CustomShape 2"/>
+          <p:cNvSpPr/>
+          <p:nvPr/>
+        </p:nvSpPr>
+        <p:spPr>
+          <a:xfrm>
+            <a:off x="628560" y="1133640"/>
+            <a:ext cx="8138880" cy="5213160"/>
+          </a:xfrm>
+          <a:prstGeom prst="rect">
+            <a:avLst/>
+          </a:prstGeom>
+          <a:noFill/>
+          <a:ln w="9360">
+            <a:noFill/>
+          </a:ln>
+        </p:spPr>
+        <p:style>
+          <a:lnRef idx="0">
+            <a:scrgbClr r="0" g="0" b="0"/>
+          </a:lnRef>
+          <a:fillRef idx="0">
+            <a:scrgbClr r="0" g="0" b="0"/>
+          </a:fillRef>
+          <a:effectRef idx="0">
+            <a:scrgbClr r="0" g="0" b="0"/>
+          </a:effectRef>
+          <a:fontRef idx="minor"/>
+        </p:style>
+        <p:txBody>
+          <a:bodyPr lIns="90000" tIns="46800" rIns="90000" bIns="46800"/>
+          <a:lstStyle/>
+          <a:p>
+            <a:pPr marL="258840" indent="-258480" algn="just">
+              <a:lnSpc>
+                <a:spcPct val="90000"/>
+              </a:lnSpc>
+              <a:buClr>
+                <a:srgbClr val="6EC437"/>
+              </a:buClr>
+              <a:buFont typeface="Wingdings 3" charset="2"/>
+              <a:buChar char=""/>
+            </a:pPr>
+            <a:r>
+              <a:rPr lang="en-US" sz="2200" b="0" strike="noStrike" spc="-1">
+                <a:solidFill>
+                  <a:srgbClr val="6EC437"/>
+                </a:solidFill>
+                <a:uFill>
+                  <a:solidFill>
+                    <a:srgbClr val="FFFFFF"/>
+                  </a:solidFill>
+                </a:uFill>
+                <a:latin typeface="微软雅黑"/>
+                <a:ea typeface="微软雅黑"/>
+              </a:rPr>
+              <a:t>git会自动在本地分支与远程分支之间建立一种追踪关系（tracking），在git clone的时候，所有本地分支默认与远程的同名分支建立追踪关系，例如本地的master分支自动"追踪"origin/master分支</a:t>
+            </a:r>
+            <a:endParaRPr lang="en-US" sz="1800" b="0" strike="noStrike" spc="-1">
+              <a:solidFill>
+                <a:srgbClr val="000000"/>
+              </a:solidFill>
+              <a:uFill>
+                <a:solidFill>
+                  <a:srgbClr val="FFFFFF"/>
+                </a:solidFill>
+              </a:uFill>
+              <a:latin typeface="Arial"/>
+            </a:endParaRPr>
+          </a:p>
+          <a:p>
+            <a:pPr marL="258840" indent="-258480" algn="just">
+              <a:lnSpc>
+                <a:spcPct val="90000"/>
+              </a:lnSpc>
+              <a:buClr>
+                <a:srgbClr val="6EC437"/>
+              </a:buClr>
+              <a:buFont typeface="Wingdings 3" charset="2"/>
+              <a:buChar char=""/>
+            </a:pPr>
+            <a:r>
+              <a:rPr lang="en-US" sz="2200" b="0" strike="noStrike" spc="-1">
+                <a:solidFill>
+                  <a:srgbClr val="6EC437"/>
+                </a:solidFill>
+                <a:uFill>
+                  <a:solidFill>
+                    <a:srgbClr val="FFFFFF"/>
+                  </a:solidFill>
+                </a:uFill>
+                <a:latin typeface="微软雅黑"/>
+                <a:ea typeface="微软雅黑"/>
+              </a:rPr>
+              <a:t>git也允许手动建立追踪关系</a:t>
+            </a:r>
+            <a:endParaRPr lang="en-US" sz="1800" b="0" strike="noStrike" spc="-1">
+              <a:solidFill>
+                <a:srgbClr val="000000"/>
+              </a:solidFill>
+              <a:uFill>
+                <a:solidFill>
+                  <a:srgbClr val="FFFFFF"/>
+                </a:solidFill>
+              </a:uFill>
+              <a:latin typeface="Arial"/>
+            </a:endParaRPr>
+          </a:p>
+          <a:p>
+            <a:pPr marL="258840" lvl="1" indent="-258480" algn="just">
+              <a:lnSpc>
+                <a:spcPct val="90000"/>
+              </a:lnSpc>
+              <a:buClr>
+                <a:srgbClr val="D9DA8E"/>
+              </a:buClr>
+              <a:buFont typeface="幼圆"/>
+              <a:buChar char=" "/>
+            </a:pPr>
+            <a:r>
+              <a:rPr lang="en-US" sz="1500" b="0" strike="noStrike" spc="-1">
+                <a:solidFill>
+                  <a:srgbClr val="6D6F71"/>
+                </a:solidFill>
+                <a:uFill>
+                  <a:solidFill>
+                    <a:srgbClr val="FFFFFF"/>
+                  </a:solidFill>
+                </a:uFill>
+                <a:latin typeface="幼圆"/>
+                <a:ea typeface="微软雅黑"/>
+              </a:rPr>
+              <a:t>git branch --set-upstream-to=origin/remote1 local1</a:t>
+            </a:r>
+            <a:r>
+              <a:rPr lang="en-US" sz="1500" b="0" strike="noStrike" spc="-1">
+                <a:solidFill>
+                  <a:srgbClr val="6D6F71"/>
+                </a:solidFill>
+                <a:uFill>
+                  <a:solidFill>
+                    <a:srgbClr val="FFFFFF"/>
+                  </a:solidFill>
+                </a:uFill>
+                <a:latin typeface="幼圆"/>
+                <a:ea typeface="宋体"/>
+              </a:rPr>
+              <a:t> </a:t>
+            </a:r>
+            <a:r>
+              <a:rPr lang="en-US" sz="1500" b="0" strike="noStrike" spc="-1">
+                <a:solidFill>
+                  <a:srgbClr val="6D6F71"/>
+                </a:solidFill>
+                <a:uFill>
+                  <a:solidFill>
+                    <a:srgbClr val="FFFFFF"/>
+                  </a:solidFill>
+                </a:uFill>
+                <a:latin typeface="幼圆"/>
+                <a:ea typeface="微软雅黑"/>
+              </a:rPr>
+              <a:t># </a:t>
+            </a:r>
+            <a:r>
+              <a:rPr lang="en-US" sz="1500" b="0" strike="noStrike" spc="-1">
+                <a:solidFill>
+                  <a:srgbClr val="6D6F71"/>
+                </a:solidFill>
+                <a:uFill>
+                  <a:solidFill>
+                    <a:srgbClr val="FFFFFF"/>
+                  </a:solidFill>
+                </a:uFill>
+                <a:latin typeface="幼圆"/>
+                <a:ea typeface="宋体"/>
+              </a:rPr>
+              <a:t>指定本地</a:t>
+            </a:r>
+            <a:r>
+              <a:rPr lang="en-US" sz="1500" b="0" strike="noStrike" spc="-1">
+                <a:solidFill>
+                  <a:srgbClr val="6D6F71"/>
+                </a:solidFill>
+                <a:uFill>
+                  <a:solidFill>
+                    <a:srgbClr val="FFFFFF"/>
+                  </a:solidFill>
+                </a:uFill>
+                <a:latin typeface="幼圆"/>
+                <a:ea typeface="微软雅黑"/>
+              </a:rPr>
+              <a:t>local1</a:t>
+            </a:r>
+            <a:r>
+              <a:rPr lang="en-US" sz="1500" b="0" strike="noStrike" spc="-1">
+                <a:solidFill>
+                  <a:srgbClr val="6D6F71"/>
+                </a:solidFill>
+                <a:uFill>
+                  <a:solidFill>
+                    <a:srgbClr val="FFFFFF"/>
+                  </a:solidFill>
+                </a:uFill>
+                <a:latin typeface="幼圆"/>
+                <a:ea typeface="宋体"/>
+              </a:rPr>
+              <a:t>分支追踪远程的origin/</a:t>
+            </a:r>
+            <a:r>
+              <a:rPr lang="en-US" sz="1500" b="0" strike="noStrike" spc="-1">
+                <a:solidFill>
+                  <a:srgbClr val="6D6F71"/>
+                </a:solidFill>
+                <a:uFill>
+                  <a:solidFill>
+                    <a:srgbClr val="FFFFFF"/>
+                  </a:solidFill>
+                </a:uFill>
+                <a:latin typeface="幼圆"/>
+                <a:ea typeface="微软雅黑"/>
+              </a:rPr>
+              <a:t>remote1</a:t>
+            </a:r>
+            <a:r>
+              <a:rPr lang="en-US" sz="1500" b="0" strike="noStrike" spc="-1">
+                <a:solidFill>
+                  <a:srgbClr val="6D6F71"/>
+                </a:solidFill>
+                <a:uFill>
+                  <a:solidFill>
+                    <a:srgbClr val="FFFFFF"/>
+                  </a:solidFill>
+                </a:uFill>
+                <a:latin typeface="幼圆"/>
+                <a:ea typeface="宋体"/>
+              </a:rPr>
+              <a:t>分支（注意</a:t>
+            </a:r>
+            <a:r>
+              <a:rPr lang="en-US" sz="1500" b="0" strike="noStrike" spc="-1">
+                <a:solidFill>
+                  <a:srgbClr val="6D6F71"/>
+                </a:solidFill>
+                <a:uFill>
+                  <a:solidFill>
+                    <a:srgbClr val="FFFFFF"/>
+                  </a:solidFill>
+                </a:uFill>
+                <a:latin typeface="幼圆"/>
+                <a:ea typeface="微软雅黑"/>
+              </a:rPr>
+              <a:t>git</a:t>
+            </a:r>
+            <a:r>
+              <a:rPr lang="en-US" sz="1500" b="0" strike="noStrike" spc="-1">
+                <a:solidFill>
+                  <a:srgbClr val="6D6F71"/>
+                </a:solidFill>
+                <a:uFill>
+                  <a:solidFill>
+                    <a:srgbClr val="FFFFFF"/>
+                  </a:solidFill>
+                </a:uFill>
+                <a:latin typeface="幼圆"/>
+                <a:ea typeface="宋体"/>
+              </a:rPr>
+              <a:t>版本不同，该命令的格式也有所不同，另一种格式为：git branch --set-upstream </a:t>
+            </a:r>
+            <a:r>
+              <a:rPr lang="en-US" sz="1500" b="0" strike="noStrike" spc="-1">
+                <a:solidFill>
+                  <a:srgbClr val="6D6F71"/>
+                </a:solidFill>
+                <a:uFill>
+                  <a:solidFill>
+                    <a:srgbClr val="FFFFFF"/>
+                  </a:solidFill>
+                </a:uFill>
+                <a:latin typeface="幼圆"/>
+                <a:ea typeface="微软雅黑"/>
+              </a:rPr>
+              <a:t>local1</a:t>
+            </a:r>
+            <a:r>
+              <a:rPr lang="en-US" sz="1500" b="0" strike="noStrike" spc="-1">
+                <a:solidFill>
+                  <a:srgbClr val="6D6F71"/>
+                </a:solidFill>
+                <a:uFill>
+                  <a:solidFill>
+                    <a:srgbClr val="FFFFFF"/>
+                  </a:solidFill>
+                </a:uFill>
+                <a:latin typeface="幼圆"/>
+                <a:ea typeface="宋体"/>
+              </a:rPr>
+              <a:t> origin/</a:t>
+            </a:r>
+            <a:r>
+              <a:rPr lang="en-US" sz="1500" b="0" strike="noStrike" spc="-1">
+                <a:solidFill>
+                  <a:srgbClr val="6D6F71"/>
+                </a:solidFill>
+                <a:uFill>
+                  <a:solidFill>
+                    <a:srgbClr val="FFFFFF"/>
+                  </a:solidFill>
+                </a:uFill>
+                <a:latin typeface="幼圆"/>
+                <a:ea typeface="微软雅黑"/>
+              </a:rPr>
+              <a:t>remote1</a:t>
+            </a:r>
+            <a:r>
+              <a:rPr lang="en-US" sz="1500" b="0" strike="noStrike" spc="-1">
+                <a:solidFill>
+                  <a:srgbClr val="6D6F71"/>
+                </a:solidFill>
+                <a:uFill>
+                  <a:solidFill>
+                    <a:srgbClr val="FFFFFF"/>
+                  </a:solidFill>
+                </a:uFill>
+                <a:latin typeface="幼圆"/>
+                <a:ea typeface="宋体"/>
+              </a:rPr>
+              <a:t>）</a:t>
+            </a:r>
+            <a:endParaRPr lang="en-US" sz="1800" b="0" strike="noStrike" spc="-1">
+              <a:solidFill>
+                <a:srgbClr val="000000"/>
+              </a:solidFill>
+              <a:uFill>
+                <a:solidFill>
+                  <a:srgbClr val="FFFFFF"/>
+                </a:solidFill>
+              </a:uFill>
+              <a:latin typeface="Arial"/>
+            </a:endParaRPr>
+          </a:p>
+          <a:p>
+            <a:pPr marL="258840" indent="-258480" algn="just">
+              <a:lnSpc>
+                <a:spcPct val="90000"/>
+              </a:lnSpc>
+              <a:buClr>
+                <a:srgbClr val="6EC437"/>
+              </a:buClr>
+              <a:buFont typeface="Wingdings 3" charset="2"/>
+              <a:buChar char=""/>
+            </a:pPr>
+            <a:r>
+              <a:rPr lang="en-US" sz="2200" b="0" strike="noStrike" spc="-1">
+                <a:solidFill>
+                  <a:srgbClr val="6EC437"/>
+                </a:solidFill>
+                <a:uFill>
+                  <a:solidFill>
+                    <a:srgbClr val="FFFFFF"/>
+                  </a:solidFill>
+                </a:uFill>
+                <a:latin typeface="微软雅黑"/>
+                <a:ea typeface="微软雅黑"/>
+              </a:rPr>
+              <a:t>如果当前分支与远程分支存在追踪关系，git pull就可以省略远程分支名</a:t>
+            </a:r>
+            <a:endParaRPr lang="en-US" sz="1800" b="0" strike="noStrike" spc="-1">
+              <a:solidFill>
+                <a:srgbClr val="000000"/>
+              </a:solidFill>
+              <a:uFill>
+                <a:solidFill>
+                  <a:srgbClr val="FFFFFF"/>
+                </a:solidFill>
+              </a:uFill>
+              <a:latin typeface="Arial"/>
+            </a:endParaRPr>
+          </a:p>
+          <a:p>
+            <a:pPr marL="258840" lvl="1" indent="-258480" algn="just">
+              <a:lnSpc>
+                <a:spcPct val="90000"/>
+              </a:lnSpc>
+              <a:buClr>
+                <a:srgbClr val="D9DA8E"/>
+              </a:buClr>
+              <a:buFont typeface="幼圆"/>
+              <a:buChar char=" "/>
+            </a:pPr>
+            <a:r>
+              <a:rPr lang="en-US" sz="1500" b="0" strike="noStrike" spc="-1">
+                <a:solidFill>
+                  <a:srgbClr val="6D6F71"/>
+                </a:solidFill>
+                <a:uFill>
+                  <a:solidFill>
+                    <a:srgbClr val="FFFFFF"/>
+                  </a:solidFill>
+                </a:uFill>
+                <a:latin typeface="幼圆"/>
+                <a:ea typeface="宋体"/>
+              </a:rPr>
+              <a:t>git pull origin </a:t>
+            </a:r>
+            <a:r>
+              <a:rPr lang="en-US" sz="1500" b="0" strike="noStrike" spc="-1">
+                <a:solidFill>
+                  <a:srgbClr val="6D6F71"/>
+                </a:solidFill>
+                <a:uFill>
+                  <a:solidFill>
+                    <a:srgbClr val="FFFFFF"/>
+                  </a:solidFill>
+                </a:uFill>
+                <a:latin typeface="幼圆"/>
+                <a:ea typeface="微软雅黑"/>
+              </a:rPr>
+              <a:t># </a:t>
+            </a:r>
+            <a:r>
+              <a:rPr lang="en-US" sz="1500" b="0" strike="noStrike" spc="-1">
+                <a:solidFill>
+                  <a:srgbClr val="6D6F71"/>
+                </a:solidFill>
+                <a:uFill>
+                  <a:solidFill>
+                    <a:srgbClr val="FFFFFF"/>
+                  </a:solidFill>
+                </a:uFill>
+                <a:latin typeface="幼圆"/>
+                <a:ea typeface="宋体"/>
+              </a:rPr>
+              <a:t>本地的当前分支自动与对应的origin主机的"追踪分支"（remote-tracking branch）进行合并</a:t>
+            </a:r>
+            <a:endParaRPr lang="en-US" sz="1800" b="0" strike="noStrike" spc="-1">
+              <a:solidFill>
+                <a:srgbClr val="000000"/>
+              </a:solidFill>
+              <a:uFill>
+                <a:solidFill>
+                  <a:srgbClr val="FFFFFF"/>
+                </a:solidFill>
+              </a:uFill>
+              <a:latin typeface="Arial"/>
+            </a:endParaRPr>
+          </a:p>
+          <a:p>
+            <a:pPr marL="258840" indent="-258480" algn="just">
+              <a:lnSpc>
+                <a:spcPct val="90000"/>
+              </a:lnSpc>
+              <a:buClr>
+                <a:srgbClr val="6EC437"/>
+              </a:buClr>
+              <a:buFont typeface="Wingdings 3" charset="2"/>
+              <a:buChar char=""/>
+            </a:pPr>
+            <a:r>
+              <a:rPr lang="en-US" sz="2200" b="0" strike="noStrike" spc="-1">
+                <a:solidFill>
+                  <a:srgbClr val="6EC437"/>
+                </a:solidFill>
+                <a:uFill>
+                  <a:solidFill>
+                    <a:srgbClr val="FFFFFF"/>
+                  </a:solidFill>
+                </a:uFill>
+                <a:latin typeface="微软雅黑"/>
+                <a:ea typeface="微软雅黑"/>
+              </a:rPr>
+              <a:t>如果当前分支只有一个追踪分支，连远程主机名origin都可以省略</a:t>
+            </a:r>
+            <a:endParaRPr lang="en-US" sz="1800" b="0" strike="noStrike" spc="-1">
+              <a:solidFill>
+                <a:srgbClr val="000000"/>
+              </a:solidFill>
+              <a:uFill>
+                <a:solidFill>
+                  <a:srgbClr val="FFFFFF"/>
+                </a:solidFill>
+              </a:uFill>
+              <a:latin typeface="Arial"/>
+            </a:endParaRPr>
+          </a:p>
+          <a:p>
+            <a:pPr marL="258840" lvl="1" indent="-258480" algn="just">
+              <a:lnSpc>
+                <a:spcPct val="90000"/>
+              </a:lnSpc>
+              <a:buClr>
+                <a:srgbClr val="D9DA8E"/>
+              </a:buClr>
+              <a:buFont typeface="幼圆"/>
+              <a:buChar char=" "/>
+            </a:pPr>
+            <a:r>
+              <a:rPr lang="en-US" sz="1500" b="0" strike="noStrike" spc="-1">
+                <a:solidFill>
+                  <a:srgbClr val="6D6F71"/>
+                </a:solidFill>
+                <a:uFill>
+                  <a:solidFill>
+                    <a:srgbClr val="FFFFFF"/>
+                  </a:solidFill>
+                </a:uFill>
+                <a:latin typeface="幼圆"/>
+                <a:ea typeface="宋体"/>
+              </a:rPr>
+              <a:t>git pul</a:t>
+            </a:r>
+            <a:r>
+              <a:rPr lang="en-US" sz="1500" b="0" strike="noStrike" spc="-1">
+                <a:solidFill>
+                  <a:srgbClr val="6D6F71"/>
+                </a:solidFill>
+                <a:uFill>
+                  <a:solidFill>
+                    <a:srgbClr val="FFFFFF"/>
+                  </a:solidFill>
+                </a:uFill>
+                <a:latin typeface="幼圆"/>
+                <a:ea typeface="微软雅黑"/>
+              </a:rPr>
+              <a:t>l # </a:t>
+            </a:r>
+            <a:r>
+              <a:rPr lang="en-US" sz="1500" b="0" strike="noStrike" spc="-1">
+                <a:solidFill>
+                  <a:srgbClr val="6D6F71"/>
+                </a:solidFill>
+                <a:uFill>
+                  <a:solidFill>
+                    <a:srgbClr val="FFFFFF"/>
+                  </a:solidFill>
+                </a:uFill>
+                <a:latin typeface="幼圆"/>
+                <a:ea typeface="宋体"/>
+              </a:rPr>
+              <a:t>本地的当前分支自动与唯一一个追踪分支进行合并</a:t>
+            </a:r>
+            <a:endParaRPr lang="en-US" sz="1800" b="0" strike="noStrike" spc="-1">
+              <a:solidFill>
+                <a:srgbClr val="000000"/>
+              </a:solidFill>
+              <a:uFill>
+                <a:solidFill>
+                  <a:srgbClr val="FFFFFF"/>
+                </a:solidFill>
+              </a:uFill>
+              <a:latin typeface="Arial"/>
+            </a:endParaRPr>
+          </a:p>
+        </p:txBody>
+      </p:sp>
+    </p:spTree>
+  </p:cSld>
+  <p:clrMapOvr>
+    <a:masterClrMapping/>
+  </p:clrMapOvr>
+  <p:timing>
+    <p:tnLst>
+      <p:par>
+        <p:cTn id="1" dur="indefinite" restart="never" nodeType="tmRoot">
+          <p:childTnLst>
+            <p:seq>
+              <p:cTn id="2" nodeType="mainSeq"/>
+              <p:prevCondLst>
+                <p:cond evt="onPrev" delay="0">
+                  <p:tgtEl>
+                    <p:sldTgt/>
+                  </p:tgtEl>
+                </p:cond>
+              </p:prevCondLst>
+              <p:nextCondLst>
+                <p:cond evt="onNext" delay="0">
+                  <p:tgtEl>
+                    <p:sldTgt/>
+                  </p:tgtEl>
+                </p:cond>
+              </p:nextCondLst>
+            </p:seq>
+          </p:childTnLst>
+        </p:cTn>
+      </p:par>
+    </p:tnLst>
+  </p:timing>
+</p:sld>
+</file>
+
+<file path=ppt/slides/slide57.xml><?xml version="1.0" encoding="utf-8"?>
+<p:sld xmlns:a="http://schemas.openxmlformats.org/drawingml/2006/main" xmlns:r="http://schemas.openxmlformats.org/officeDocument/2006/relationships" xmlns:p="http://schemas.openxmlformats.org/presentationml/2006/main">
+  <p:cSld>
+    <p:bg>
+      <p:bgPr>
+        <a:solidFill>
+          <a:srgbClr val="FFFFFF"/>
+        </a:solidFill>
+        <a:effectLst/>
+      </p:bgPr>
+    </p:bg>
+    <p:spTree>
+      <p:nvGrpSpPr>
+        <p:cNvPr id="1" name=""/>
+        <p:cNvGrpSpPr/>
+        <p:nvPr/>
+      </p:nvGrpSpPr>
+      <p:grpSpPr>
+        <a:xfrm>
+          <a:off x="0" y="0"/>
+          <a:ext cx="0" cy="0"/>
+          <a:chOff x="0" y="0"/>
+          <a:chExt cx="0" cy="0"/>
+        </a:xfrm>
+      </p:grpSpPr>
+      <p:sp>
+        <p:nvSpPr>
           <p:cNvPr id="261" name="CustomShape 1"/>
           <p:cNvSpPr/>
           <p:nvPr/>
@@ -42036,7 +42180,7 @@
 </p:sld>
 </file>
 
-<file path=ppt/slides/slide57.xml><?xml version="1.0" encoding="utf-8"?>
+<file path=ppt/slides/slide58.xml><?xml version="1.0" encoding="utf-8"?>
 <p:sld xmlns:a="http://schemas.openxmlformats.org/drawingml/2006/main" xmlns:r="http://schemas.openxmlformats.org/officeDocument/2006/relationships" xmlns:p="http://schemas.openxmlformats.org/presentationml/2006/main">
   <p:cSld>
     <p:bg>
@@ -42339,7 +42483,52 @@
                 <a:latin typeface="微软雅黑"/>
                 <a:ea typeface="微软雅黑"/>
               </a:rPr>
-              <a:t>save </a:t>
+              <a:t>save –</a:t>
+            </a:r>
+            <a:r>
+              <a:rPr lang="en-US" sz="1900" spc="-1" smtClean="0">
+                <a:solidFill>
+                  <a:srgbClr val="6EC437"/>
+                </a:solidFill>
+                <a:uFill>
+                  <a:solidFill>
+                    <a:srgbClr val="FFFFFF"/>
+                  </a:solidFill>
+                </a:uFill>
+                <a:latin typeface="微软雅黑"/>
+                <a:ea typeface="微软雅黑"/>
+              </a:rPr>
+              <a:t>u "message" </a:t>
+            </a:r>
+            <a:r>
+              <a:rPr lang="en-US" sz="1900" b="0" strike="noStrike" spc="-1" dirty="0">
+                <a:solidFill>
+                  <a:srgbClr val="6EC437"/>
+                </a:solidFill>
+                <a:uFill>
+                  <a:solidFill>
+                    <a:srgbClr val="FFFFFF"/>
+                  </a:solidFill>
+                </a:uFill>
+                <a:latin typeface="微软雅黑"/>
+                <a:ea typeface="微软雅黑"/>
+              </a:rPr>
+              <a:t># </a:t>
+            </a:r>
+            <a:r>
+              <a:rPr lang="en-US" sz="1900" b="0" strike="noStrike" spc="-1" dirty="0" err="1">
+                <a:solidFill>
+                  <a:srgbClr val="6EC437"/>
+                </a:solidFill>
+                <a:uFill>
+                  <a:solidFill>
+                    <a:srgbClr val="FFFFFF"/>
+                  </a:solidFill>
+                </a:uFill>
+                <a:latin typeface="微软雅黑"/>
+                <a:ea typeface="微软雅黑"/>
+              </a:rPr>
+              <a:t>备份当前工作区的内容到git栈中</a:t>
             </a:r>
             <a:r>
               <a:rPr lang="en-US" sz="1900" b="0" strike="noStrike" spc="-1" dirty="0" smtClean="0">
@@ -42354,10 +42543,10 @@
                 <a:latin typeface="微软雅黑"/>
                 <a:ea typeface="微软雅黑"/>
               </a:rPr>
-              <a:t>–</a:t>
-            </a:r>
-            <a:r>
-              <a:rPr lang="en-US" sz="1900" spc="-1" smtClean="0">
+              <a:t>，</a:t>
+            </a:r>
+            <a:r>
+              <a:rPr lang="zh-CN" altLang="en-US" sz="1900" b="0" strike="noStrike" spc="-1" dirty="0" smtClean="0">
                 <a:solidFill>
                   <a:srgbClr val="6EC437"/>
                 </a:solidFill>
@@ -42369,10 +42558,10 @@
                 <a:latin typeface="微软雅黑"/>
                 <a:ea typeface="微软雅黑"/>
               </a:rPr>
-              <a:t>u "message" </a:t>
-            </a:r>
-            <a:r>
-              <a:rPr lang="en-US" sz="1900" b="0" strike="noStrike" spc="-1" dirty="0">
+              <a:t>不加选项时，不会</a:t>
+            </a:r>
+            <a:r>
+              <a:rPr lang="en-US" altLang="zh-CN" sz="1900" b="0" strike="noStrike" spc="-1" dirty="0" smtClean="0">
                 <a:solidFill>
                   <a:srgbClr val="6EC437"/>
                 </a:solidFill>
@@ -42384,10 +42573,10 @@
                 <a:latin typeface="微软雅黑"/>
                 <a:ea typeface="微软雅黑"/>
               </a:rPr>
-              <a:t># </a:t>
-            </a:r>
-            <a:r>
-              <a:rPr lang="en-US" sz="1900" b="0" strike="noStrike" spc="-1" dirty="0" err="1">
+              <a:t>stash</a:t>
+            </a:r>
+            <a:r>
+              <a:rPr lang="zh-CN" altLang="en-US" sz="1900" b="0" strike="noStrike" spc="-1" dirty="0" smtClean="0">
                 <a:solidFill>
                   <a:srgbClr val="6EC437"/>
                 </a:solidFill>
@@ -42399,7 +42588,7 @@
                 <a:latin typeface="微软雅黑"/>
                 <a:ea typeface="微软雅黑"/>
               </a:rPr>
-              <a:t>备份当前工作区的内容到git栈中</a:t>
+              <a:t>未追踪的文件；</a:t>
             </a:r>
             <a:r>
               <a:rPr lang="en-US" sz="1900" b="0" strike="noStrike" spc="-1" dirty="0" smtClean="0">
@@ -42414,10 +42603,10 @@
                 <a:latin typeface="微软雅黑"/>
                 <a:ea typeface="微软雅黑"/>
               </a:rPr>
-              <a:t>，</a:t>
-            </a:r>
-            <a:r>
-              <a:rPr lang="zh-CN" altLang="en-US" sz="1900" b="0" strike="noStrike" spc="-1" dirty="0" smtClean="0">
+              <a:t>-u</a:t>
+            </a:r>
+            <a:r>
+              <a:rPr lang="zh-CN" altLang="en-US" sz="1900" spc="-1" dirty="0" smtClean="0">
                 <a:solidFill>
                   <a:srgbClr val="6EC437"/>
                 </a:solidFill>
@@ -42429,82 +42618,7 @@
                 <a:latin typeface="微软雅黑"/>
                 <a:ea typeface="微软雅黑"/>
               </a:rPr>
-              <a:t>不加选项时，不会</a:t>
-            </a:r>
-            <a:r>
-              <a:rPr lang="en-US" altLang="zh-CN" sz="1900" b="0" strike="noStrike" spc="-1" dirty="0" smtClean="0">
-                <a:solidFill>
-                  <a:srgbClr val="6EC437"/>
-                </a:solidFill>
-                <a:uFill>
-                  <a:solidFill>
-                    <a:srgbClr val="FFFFFF"/>
-                  </a:solidFill>
-                </a:uFill>
-                <a:latin typeface="微软雅黑"/>
-                <a:ea typeface="微软雅黑"/>
-              </a:rPr>
-              <a:t>stash</a:t>
-            </a:r>
-            <a:r>
-              <a:rPr lang="zh-CN" altLang="en-US" sz="1900" b="0" strike="noStrike" spc="-1" dirty="0" smtClean="0">
-                <a:solidFill>
-                  <a:srgbClr val="6EC437"/>
-                </a:solidFill>
-                <a:uFill>
-                  <a:solidFill>
-                    <a:srgbClr val="FFFFFF"/>
-                  </a:solidFill>
-                </a:uFill>
-                <a:latin typeface="微软雅黑"/>
-                <a:ea typeface="微软雅黑"/>
-              </a:rPr>
-              <a:t>未追踪的文件；</a:t>
-            </a:r>
-            <a:r>
-              <a:rPr lang="en-US" sz="1900" b="0" strike="noStrike" spc="-1" dirty="0" smtClean="0">
-                <a:solidFill>
-                  <a:srgbClr val="6EC437"/>
-                </a:solidFill>
-                <a:uFill>
-                  <a:solidFill>
-                    <a:srgbClr val="FFFFFF"/>
-                  </a:solidFill>
-                </a:uFill>
-                <a:latin typeface="微软雅黑"/>
-                <a:ea typeface="微软雅黑"/>
-              </a:rPr>
-              <a:t>-u</a:t>
-            </a:r>
-            <a:r>
-              <a:rPr lang="zh-CN" altLang="en-US" sz="1900" spc="-1" dirty="0" smtClean="0">
-                <a:solidFill>
-                  <a:srgbClr val="6EC437"/>
-                </a:solidFill>
-                <a:uFill>
-                  <a:solidFill>
-                    <a:srgbClr val="FFFFFF"/>
-                  </a:solidFill>
-                </a:uFill>
-                <a:latin typeface="微软雅黑"/>
-                <a:ea typeface="微软雅黑"/>
-              </a:rPr>
-              <a:t>表</a:t>
-            </a:r>
-            <a:r>
-              <a:rPr lang="zh-CN" altLang="en-US" sz="1900" spc="-1" dirty="0" smtClean="0">
-                <a:solidFill>
-                  <a:srgbClr val="6EC437"/>
-                </a:solidFill>
-                <a:uFill>
-                  <a:solidFill>
-                    <a:srgbClr val="FFFFFF"/>
-                  </a:solidFill>
-                </a:uFill>
-                <a:latin typeface="微软雅黑"/>
-                <a:ea typeface="微软雅黑"/>
-              </a:rPr>
-              <a:t>示</a:t>
+              <a:t>表示</a:t>
             </a:r>
             <a:r>
               <a:rPr lang="en-US" altLang="zh-CN" sz="1900" spc="-1" dirty="0" smtClean="0">
@@ -42542,11 +42656,7 @@
             </a:r>
             <a:r>
               <a:rPr lang="zh-CN" altLang="en-US" sz="2000" dirty="0" smtClean="0"/>
-              <a:t>除了</a:t>
-            </a:r>
-            <a:r>
-              <a:rPr lang="zh-CN" altLang="en-US" sz="2000" dirty="0" smtClean="0"/>
-              <a:t>有</a:t>
+              <a:t>除了有</a:t>
             </a:r>
             <a:r>
               <a:rPr lang="en-US" altLang="zh-CN" sz="2000" dirty="0" smtClean="0"/>
@@ -42554,15 +42664,7 @@
             </a:r>
             <a:r>
               <a:rPr lang="zh-CN" altLang="en-US" sz="2000" dirty="0" smtClean="0"/>
-              <a:t>的功能外</a:t>
-            </a:r>
-            <a:r>
-              <a:rPr lang="zh-CN" altLang="en-US" sz="2000" dirty="0" smtClean="0"/>
-              <a:t>，</a:t>
-            </a:r>
-            <a:r>
-              <a:rPr lang="zh-CN" altLang="en-US" sz="2000" dirty="0" smtClean="0"/>
-              <a:t>还会把用</a:t>
+              <a:t>的功能外，还会把用</a:t>
             </a:r>
             <a:r>
               <a:rPr lang="en-US" altLang="zh-CN" sz="2000" dirty="0" smtClean="0"/>
@@ -42574,11 +42676,7 @@
             </a:r>
             <a:r>
               <a:rPr lang="zh-CN" altLang="en-US" sz="2000" dirty="0" smtClean="0"/>
-              <a:t>忽略的文</a:t>
-            </a:r>
-            <a:r>
-              <a:rPr lang="zh-CN" altLang="en-US" sz="2000" dirty="0" smtClean="0"/>
-              <a:t>件</a:t>
+              <a:t>忽略的文件</a:t>
             </a:r>
             <a:r>
               <a:rPr lang="en-US" altLang="zh-CN" sz="2000" dirty="0" smtClean="0"/>
@@ -43234,7 +43332,7 @@
 </p:sld>
 </file>
 
-<file path=ppt/slides/slide58.xml><?xml version="1.0" encoding="utf-8"?>
+<file path=ppt/slides/slide59.xml><?xml version="1.0" encoding="utf-8"?>
 <p:sld xmlns:a="http://schemas.openxmlformats.org/drawingml/2006/main" xmlns:r="http://schemas.openxmlformats.org/officeDocument/2006/relationships" xmlns:p="http://schemas.openxmlformats.org/presentationml/2006/main">
   <p:cSld>
     <p:bg>
@@ -43591,301 +43689,6 @@
           <a:xfrm>
             <a:off x="826920" y="3789360"/>
             <a:ext cx="2943000" cy="1266480"/>
-          </a:xfrm>
-          <a:prstGeom prst="rect">
-            <a:avLst/>
-          </a:prstGeom>
-          <a:ln w="9360">
-            <a:noFill/>
-          </a:ln>
-        </p:spPr>
-      </p:pic>
-    </p:spTree>
-  </p:cSld>
-  <p:clrMapOvr>
-    <a:masterClrMapping/>
-  </p:clrMapOvr>
-</p:sld>
-</file>
-
-<file path=ppt/slides/slide59.xml><?xml version="1.0" encoding="utf-8"?>
-<p:sld xmlns:a="http://schemas.openxmlformats.org/drawingml/2006/main" xmlns:r="http://schemas.openxmlformats.org/officeDocument/2006/relationships" xmlns:p="http://schemas.openxmlformats.org/presentationml/2006/main">
-  <p:cSld>
-    <p:bg>
-      <p:bgPr>
-        <a:solidFill>
-          <a:srgbClr val="FFFFFF"/>
-        </a:solidFill>
-        <a:effectLst/>
-      </p:bgPr>
-    </p:bg>
-    <p:spTree>
-      <p:nvGrpSpPr>
-        <p:cNvPr id="1" name=""/>
-        <p:cNvGrpSpPr/>
-        <p:nvPr/>
-      </p:nvGrpSpPr>
-      <p:grpSpPr>
-        <a:xfrm>
-          <a:off x="0" y="0"/>
-          <a:ext cx="0" cy="0"/>
-          <a:chOff x="0" y="0"/>
-          <a:chExt cx="0" cy="0"/>
-        </a:xfrm>
-      </p:grpSpPr>
-      <p:sp>
-        <p:nvSpPr>
-          <p:cNvPr id="270" name="CustomShape 1"/>
-          <p:cNvSpPr/>
-          <p:nvPr/>
-        </p:nvSpPr>
-        <p:spPr>
-          <a:xfrm>
-            <a:off x="365040" y="100080"/>
-            <a:ext cx="8402400" cy="794880"/>
-          </a:xfrm>
-          <a:prstGeom prst="rect">
-            <a:avLst/>
-          </a:prstGeom>
-          <a:noFill/>
-          <a:ln w="9360">
-            <a:noFill/>
-          </a:ln>
-        </p:spPr>
-        <p:style>
-          <a:lnRef idx="0">
-            <a:scrgbClr r="0" g="0" b="0"/>
-          </a:lnRef>
-          <a:fillRef idx="0">
-            <a:scrgbClr r="0" g="0" b="0"/>
-          </a:fillRef>
-          <a:effectRef idx="0">
-            <a:scrgbClr r="0" g="0" b="0"/>
-          </a:effectRef>
-          <a:fontRef idx="minor"/>
-        </p:style>
-      </p:sp>
-      <p:sp>
-        <p:nvSpPr>
-          <p:cNvPr id="271" name="CustomShape 2"/>
-          <p:cNvSpPr/>
-          <p:nvPr/>
-        </p:nvSpPr>
-        <p:spPr>
-          <a:xfrm>
-            <a:off x="628560" y="1133640"/>
-            <a:ext cx="8138880" cy="5213160"/>
-          </a:xfrm>
-          <a:prstGeom prst="rect">
-            <a:avLst/>
-          </a:prstGeom>
-          <a:noFill/>
-          <a:ln w="9360">
-            <a:noFill/>
-          </a:ln>
-        </p:spPr>
-        <p:style>
-          <a:lnRef idx="0">
-            <a:scrgbClr r="0" g="0" b="0"/>
-          </a:lnRef>
-          <a:fillRef idx="0">
-            <a:scrgbClr r="0" g="0" b="0"/>
-          </a:fillRef>
-          <a:effectRef idx="0">
-            <a:scrgbClr r="0" g="0" b="0"/>
-          </a:effectRef>
-          <a:fontRef idx="minor"/>
-        </p:style>
-        <p:txBody>
-          <a:bodyPr lIns="90000" tIns="46800" rIns="90000" bIns="46800"/>
-          <a:lstStyle/>
-          <a:p>
-            <a:pPr marL="258840" indent="-258480" algn="just">
-              <a:lnSpc>
-                <a:spcPct val="110000"/>
-              </a:lnSpc>
-              <a:buClr>
-                <a:srgbClr val="6EC437"/>
-              </a:buClr>
-              <a:buFont typeface="Wingdings 3" charset="2"/>
-              <a:buChar char=""/>
-            </a:pPr>
-            <a:r>
-              <a:rPr lang="en-US" sz="2400" b="0" strike="noStrike" spc="-1">
-                <a:solidFill>
-                  <a:srgbClr val="6EC437"/>
-                </a:solidFill>
-                <a:uFill>
-                  <a:solidFill>
-                    <a:srgbClr val="FFFFFF"/>
-                  </a:solidFill>
-                </a:uFill>
-                <a:latin typeface="微软雅黑"/>
-                <a:ea typeface="微软雅黑"/>
-              </a:rPr>
-              <a:t>git add -u; git commit; git pull</a:t>
-            </a:r>
-            <a:endParaRPr lang="en-US" sz="1800" b="0" strike="noStrike" spc="-1">
-              <a:solidFill>
-                <a:srgbClr val="000000"/>
-              </a:solidFill>
-              <a:uFill>
-                <a:solidFill>
-                  <a:srgbClr val="FFFFFF"/>
-                </a:solidFill>
-              </a:uFill>
-              <a:latin typeface="Arial"/>
-            </a:endParaRPr>
-          </a:p>
-          <a:p>
-            <a:pPr marL="258840" indent="-258480" algn="just">
-              <a:lnSpc>
-                <a:spcPct val="110000"/>
-              </a:lnSpc>
-            </a:pPr>
-            <a:endParaRPr lang="en-US" sz="1800" b="0" strike="noStrike" spc="-1">
-              <a:solidFill>
-                <a:srgbClr val="000000"/>
-              </a:solidFill>
-              <a:uFill>
-                <a:solidFill>
-                  <a:srgbClr val="FFFFFF"/>
-                </a:solidFill>
-              </a:uFill>
-              <a:latin typeface="Arial"/>
-            </a:endParaRPr>
-          </a:p>
-          <a:p>
-            <a:pPr marL="258840" indent="-258480" algn="just">
-              <a:lnSpc>
-                <a:spcPct val="110000"/>
-              </a:lnSpc>
-            </a:pPr>
-            <a:endParaRPr lang="en-US" sz="1800" b="0" strike="noStrike" spc="-1">
-              <a:solidFill>
-                <a:srgbClr val="000000"/>
-              </a:solidFill>
-              <a:uFill>
-                <a:solidFill>
-                  <a:srgbClr val="FFFFFF"/>
-                </a:solidFill>
-              </a:uFill>
-              <a:latin typeface="Arial"/>
-            </a:endParaRPr>
-          </a:p>
-          <a:p>
-            <a:pPr marL="258840" indent="-258480" algn="just">
-              <a:lnSpc>
-                <a:spcPct val="110000"/>
-              </a:lnSpc>
-            </a:pPr>
-            <a:endParaRPr lang="en-US" sz="1800" b="0" strike="noStrike" spc="-1">
-              <a:solidFill>
-                <a:srgbClr val="000000"/>
-              </a:solidFill>
-              <a:uFill>
-                <a:solidFill>
-                  <a:srgbClr val="FFFFFF"/>
-                </a:solidFill>
-              </a:uFill>
-              <a:latin typeface="Arial"/>
-            </a:endParaRPr>
-          </a:p>
-          <a:p>
-            <a:pPr marL="258840" indent="-258480" algn="just">
-              <a:lnSpc>
-                <a:spcPct val="110000"/>
-              </a:lnSpc>
-            </a:pPr>
-            <a:endParaRPr lang="en-US" sz="1800" b="0" strike="noStrike" spc="-1">
-              <a:solidFill>
-                <a:srgbClr val="000000"/>
-              </a:solidFill>
-              <a:uFill>
-                <a:solidFill>
-                  <a:srgbClr val="FFFFFF"/>
-                </a:solidFill>
-              </a:uFill>
-              <a:latin typeface="Arial"/>
-            </a:endParaRPr>
-          </a:p>
-          <a:p>
-            <a:pPr marL="258840" indent="-258480" algn="just">
-              <a:lnSpc>
-                <a:spcPct val="110000"/>
-              </a:lnSpc>
-              <a:buClr>
-                <a:srgbClr val="6EC437"/>
-              </a:buClr>
-              <a:buFont typeface="Wingdings 3" charset="2"/>
-              <a:buChar char=""/>
-            </a:pPr>
-            <a:r>
-              <a:rPr lang="en-US" sz="2400" b="0" strike="noStrike" spc="-1">
-                <a:solidFill>
-                  <a:srgbClr val="6EC437"/>
-                </a:solidFill>
-                <a:uFill>
-                  <a:solidFill>
-                    <a:srgbClr val="FFFFFF"/>
-                  </a:solidFill>
-                </a:uFill>
-                <a:latin typeface="微软雅黑"/>
-                <a:ea typeface="微软雅黑"/>
-              </a:rPr>
-              <a:t>git log</a:t>
-            </a:r>
-            <a:endParaRPr lang="en-US" sz="1800" b="0" strike="noStrike" spc="-1">
-              <a:solidFill>
-                <a:srgbClr val="000000"/>
-              </a:solidFill>
-              <a:uFill>
-                <a:solidFill>
-                  <a:srgbClr val="FFFFFF"/>
-                </a:solidFill>
-              </a:uFill>
-              <a:latin typeface="Arial"/>
-            </a:endParaRPr>
-          </a:p>
-        </p:txBody>
-      </p:sp>
-      <p:pic>
-        <p:nvPicPr>
-          <p:cNvPr id="272" name="图片 45058"/>
-          <p:cNvPicPr/>
-          <p:nvPr/>
-        </p:nvPicPr>
-        <p:blipFill>
-          <a:blip r:embed="rId3" cstate="print"/>
-          <a:stretch/>
-        </p:blipFill>
-        <p:spPr>
-          <a:xfrm>
-            <a:off x="811080" y="981000"/>
-            <a:ext cx="5209920" cy="1942920"/>
-          </a:xfrm>
-          <a:prstGeom prst="rect">
-            <a:avLst/>
-          </a:prstGeom>
-          <a:ln w="9360">
-            <a:noFill/>
-          </a:ln>
-        </p:spPr>
-      </p:pic>
-      <p:pic>
-        <p:nvPicPr>
-          <p:cNvPr id="273" name="图片 45059"/>
-          <p:cNvPicPr/>
-          <p:nvPr/>
-        </p:nvPicPr>
-        <p:blipFill>
-          <a:blip r:embed="rId4" cstate="print"/>
-          <a:stretch/>
-        </p:blipFill>
-        <p:spPr>
-          <a:xfrm>
-            <a:off x="2556000" y="3135240"/>
-            <a:ext cx="4771800" cy="3419280"/>
           </a:xfrm>
           <a:prstGeom prst="rect">
             <a:avLst/>
@@ -44082,6 +43885,301 @@
       </p:grpSpPr>
       <p:sp>
         <p:nvSpPr>
+          <p:cNvPr id="270" name="CustomShape 1"/>
+          <p:cNvSpPr/>
+          <p:nvPr/>
+        </p:nvSpPr>
+        <p:spPr>
+          <a:xfrm>
+            <a:off x="365040" y="100080"/>
+            <a:ext cx="8402400" cy="794880"/>
+          </a:xfrm>
+          <a:prstGeom prst="rect">
+            <a:avLst/>
+          </a:prstGeom>
+          <a:noFill/>
+          <a:ln w="9360">
+            <a:noFill/>
+          </a:ln>
+        </p:spPr>
+        <p:style>
+          <a:lnRef idx="0">
+            <a:scrgbClr r="0" g="0" b="0"/>
+          </a:lnRef>
+          <a:fillRef idx="0">
+            <a:scrgbClr r="0" g="0" b="0"/>
+          </a:fillRef>
+          <a:effectRef idx="0">
+            <a:scrgbClr r="0" g="0" b="0"/>
+          </a:effectRef>
+          <a:fontRef idx="minor"/>
+        </p:style>
+      </p:sp>
+      <p:sp>
+        <p:nvSpPr>
+          <p:cNvPr id="271" name="CustomShape 2"/>
+          <p:cNvSpPr/>
+          <p:nvPr/>
+        </p:nvSpPr>
+        <p:spPr>
+          <a:xfrm>
+            <a:off x="628560" y="1133640"/>
+            <a:ext cx="8138880" cy="5213160"/>
+          </a:xfrm>
+          <a:prstGeom prst="rect">
+            <a:avLst/>
+          </a:prstGeom>
+          <a:noFill/>
+          <a:ln w="9360">
+            <a:noFill/>
+          </a:ln>
+        </p:spPr>
+        <p:style>
+          <a:lnRef idx="0">
+            <a:scrgbClr r="0" g="0" b="0"/>
+          </a:lnRef>
+          <a:fillRef idx="0">
+            <a:scrgbClr r="0" g="0" b="0"/>
+          </a:fillRef>
+          <a:effectRef idx="0">
+            <a:scrgbClr r="0" g="0" b="0"/>
+          </a:effectRef>
+          <a:fontRef idx="minor"/>
+        </p:style>
+        <p:txBody>
+          <a:bodyPr lIns="90000" tIns="46800" rIns="90000" bIns="46800"/>
+          <a:lstStyle/>
+          <a:p>
+            <a:pPr marL="258840" indent="-258480" algn="just">
+              <a:lnSpc>
+                <a:spcPct val="110000"/>
+              </a:lnSpc>
+              <a:buClr>
+                <a:srgbClr val="6EC437"/>
+              </a:buClr>
+              <a:buFont typeface="Wingdings 3" charset="2"/>
+              <a:buChar char=""/>
+            </a:pPr>
+            <a:r>
+              <a:rPr lang="en-US" sz="2400" b="0" strike="noStrike" spc="-1">
+                <a:solidFill>
+                  <a:srgbClr val="6EC437"/>
+                </a:solidFill>
+                <a:uFill>
+                  <a:solidFill>
+                    <a:srgbClr val="FFFFFF"/>
+                  </a:solidFill>
+                </a:uFill>
+                <a:latin typeface="微软雅黑"/>
+                <a:ea typeface="微软雅黑"/>
+              </a:rPr>
+              <a:t>git add -u; git commit; git pull</a:t>
+            </a:r>
+            <a:endParaRPr lang="en-US" sz="1800" b="0" strike="noStrike" spc="-1">
+              <a:solidFill>
+                <a:srgbClr val="000000"/>
+              </a:solidFill>
+              <a:uFill>
+                <a:solidFill>
+                  <a:srgbClr val="FFFFFF"/>
+                </a:solidFill>
+              </a:uFill>
+              <a:latin typeface="Arial"/>
+            </a:endParaRPr>
+          </a:p>
+          <a:p>
+            <a:pPr marL="258840" indent="-258480" algn="just">
+              <a:lnSpc>
+                <a:spcPct val="110000"/>
+              </a:lnSpc>
+            </a:pPr>
+            <a:endParaRPr lang="en-US" sz="1800" b="0" strike="noStrike" spc="-1">
+              <a:solidFill>
+                <a:srgbClr val="000000"/>
+              </a:solidFill>
+              <a:uFill>
+                <a:solidFill>
+                  <a:srgbClr val="FFFFFF"/>
+                </a:solidFill>
+              </a:uFill>
+              <a:latin typeface="Arial"/>
+            </a:endParaRPr>
+          </a:p>
+          <a:p>
+            <a:pPr marL="258840" indent="-258480" algn="just">
+              <a:lnSpc>
+                <a:spcPct val="110000"/>
+              </a:lnSpc>
+            </a:pPr>
+            <a:endParaRPr lang="en-US" sz="1800" b="0" strike="noStrike" spc="-1">
+              <a:solidFill>
+                <a:srgbClr val="000000"/>
+              </a:solidFill>
+              <a:uFill>
+                <a:solidFill>
+                  <a:srgbClr val="FFFFFF"/>
+                </a:solidFill>
+              </a:uFill>
+              <a:latin typeface="Arial"/>
+            </a:endParaRPr>
+          </a:p>
+          <a:p>
+            <a:pPr marL="258840" indent="-258480" algn="just">
+              <a:lnSpc>
+                <a:spcPct val="110000"/>
+              </a:lnSpc>
+            </a:pPr>
+            <a:endParaRPr lang="en-US" sz="1800" b="0" strike="noStrike" spc="-1">
+              <a:solidFill>
+                <a:srgbClr val="000000"/>
+              </a:solidFill>
+              <a:uFill>
+                <a:solidFill>
+                  <a:srgbClr val="FFFFFF"/>
+                </a:solidFill>
+              </a:uFill>
+              <a:latin typeface="Arial"/>
+            </a:endParaRPr>
+          </a:p>
+          <a:p>
+            <a:pPr marL="258840" indent="-258480" algn="just">
+              <a:lnSpc>
+                <a:spcPct val="110000"/>
+              </a:lnSpc>
+            </a:pPr>
+            <a:endParaRPr lang="en-US" sz="1800" b="0" strike="noStrike" spc="-1">
+              <a:solidFill>
+                <a:srgbClr val="000000"/>
+              </a:solidFill>
+              <a:uFill>
+                <a:solidFill>
+                  <a:srgbClr val="FFFFFF"/>
+                </a:solidFill>
+              </a:uFill>
+              <a:latin typeface="Arial"/>
+            </a:endParaRPr>
+          </a:p>
+          <a:p>
+            <a:pPr marL="258840" indent="-258480" algn="just">
+              <a:lnSpc>
+                <a:spcPct val="110000"/>
+              </a:lnSpc>
+              <a:buClr>
+                <a:srgbClr val="6EC437"/>
+              </a:buClr>
+              <a:buFont typeface="Wingdings 3" charset="2"/>
+              <a:buChar char=""/>
+            </a:pPr>
+            <a:r>
+              <a:rPr lang="en-US" sz="2400" b="0" strike="noStrike" spc="-1">
+                <a:solidFill>
+                  <a:srgbClr val="6EC437"/>
+                </a:solidFill>
+                <a:uFill>
+                  <a:solidFill>
+                    <a:srgbClr val="FFFFFF"/>
+                  </a:solidFill>
+                </a:uFill>
+                <a:latin typeface="微软雅黑"/>
+                <a:ea typeface="微软雅黑"/>
+              </a:rPr>
+              <a:t>git log</a:t>
+            </a:r>
+            <a:endParaRPr lang="en-US" sz="1800" b="0" strike="noStrike" spc="-1">
+              <a:solidFill>
+                <a:srgbClr val="000000"/>
+              </a:solidFill>
+              <a:uFill>
+                <a:solidFill>
+                  <a:srgbClr val="FFFFFF"/>
+                </a:solidFill>
+              </a:uFill>
+              <a:latin typeface="Arial"/>
+            </a:endParaRPr>
+          </a:p>
+        </p:txBody>
+      </p:sp>
+      <p:pic>
+        <p:nvPicPr>
+          <p:cNvPr id="272" name="图片 45058"/>
+          <p:cNvPicPr/>
+          <p:nvPr/>
+        </p:nvPicPr>
+        <p:blipFill>
+          <a:blip r:embed="rId3" cstate="print"/>
+          <a:stretch/>
+        </p:blipFill>
+        <p:spPr>
+          <a:xfrm>
+            <a:off x="811080" y="981000"/>
+            <a:ext cx="5209920" cy="1942920"/>
+          </a:xfrm>
+          <a:prstGeom prst="rect">
+            <a:avLst/>
+          </a:prstGeom>
+          <a:ln w="9360">
+            <a:noFill/>
+          </a:ln>
+        </p:spPr>
+      </p:pic>
+      <p:pic>
+        <p:nvPicPr>
+          <p:cNvPr id="273" name="图片 45059"/>
+          <p:cNvPicPr/>
+          <p:nvPr/>
+        </p:nvPicPr>
+        <p:blipFill>
+          <a:blip r:embed="rId4" cstate="print"/>
+          <a:stretch/>
+        </p:blipFill>
+        <p:spPr>
+          <a:xfrm>
+            <a:off x="2556000" y="3135240"/>
+            <a:ext cx="4771800" cy="3419280"/>
+          </a:xfrm>
+          <a:prstGeom prst="rect">
+            <a:avLst/>
+          </a:prstGeom>
+          <a:ln w="9360">
+            <a:noFill/>
+          </a:ln>
+        </p:spPr>
+      </p:pic>
+    </p:spTree>
+  </p:cSld>
+  <p:clrMapOvr>
+    <a:masterClrMapping/>
+  </p:clrMapOvr>
+</p:sld>
+</file>
+
+<file path=ppt/slides/slide61.xml><?xml version="1.0" encoding="utf-8"?>
+<p:sld xmlns:a="http://schemas.openxmlformats.org/drawingml/2006/main" xmlns:r="http://schemas.openxmlformats.org/officeDocument/2006/relationships" xmlns:p="http://schemas.openxmlformats.org/presentationml/2006/main">
+  <p:cSld>
+    <p:bg>
+      <p:bgPr>
+        <a:solidFill>
+          <a:srgbClr val="FFFFFF"/>
+        </a:solidFill>
+        <a:effectLst/>
+      </p:bgPr>
+    </p:bg>
+    <p:spTree>
+      <p:nvGrpSpPr>
+        <p:cNvPr id="1" name=""/>
+        <p:cNvGrpSpPr/>
+        <p:nvPr/>
+      </p:nvGrpSpPr>
+      <p:grpSpPr>
+        <a:xfrm>
+          <a:off x="0" y="0"/>
+          <a:ext cx="0" cy="0"/>
+          <a:chOff x="0" y="0"/>
+          <a:chExt cx="0" cy="0"/>
+        </a:xfrm>
+      </p:grpSpPr>
+      <p:sp>
+        <p:nvSpPr>
           <p:cNvPr id="274" name="CustomShape 1"/>
           <p:cNvSpPr/>
           <p:nvPr/>
@@ -44394,7 +44492,7 @@
 </p:sld>
 </file>
 
-<file path=ppt/slides/slide61.xml><?xml version="1.0" encoding="utf-8"?>
+<file path=ppt/slides/slide62.xml><?xml version="1.0" encoding="utf-8"?>
 <p:sld xmlns:a="http://schemas.openxmlformats.org/drawingml/2006/main" xmlns:r="http://schemas.openxmlformats.org/officeDocument/2006/relationships" xmlns:p="http://schemas.openxmlformats.org/presentationml/2006/main">
   <p:cSld>
     <p:bg>
@@ -44625,7 +44723,7 @@
 </p:sld>
 </file>
 
-<file path=ppt/slides/slide62.xml><?xml version="1.0" encoding="utf-8"?>
+<file path=ppt/slides/slide63.xml><?xml version="1.0" encoding="utf-8"?>
 <p:sld xmlns:a="http://schemas.openxmlformats.org/drawingml/2006/main" xmlns:r="http://schemas.openxmlformats.org/officeDocument/2006/relationships" xmlns:p="http://schemas.openxmlformats.org/presentationml/2006/main">
   <p:cSld>
     <p:bg>
@@ -44878,7 +44976,7 @@
 </p:sld>
 </file>
 
-<file path=ppt/slides/slide63.xml><?xml version="1.0" encoding="utf-8"?>
+<file path=ppt/slides/slide64.xml><?xml version="1.0" encoding="utf-8"?>
 <p:sld xmlns:a="http://schemas.openxmlformats.org/drawingml/2006/main" xmlns:r="http://schemas.openxmlformats.org/officeDocument/2006/relationships" xmlns:p="http://schemas.openxmlformats.org/presentationml/2006/main">
   <p:cSld>
     <p:bg>
@@ -45274,7 +45372,7 @@
 </p:sld>
 </file>
 
-<file path=ppt/slides/slide64.xml><?xml version="1.0" encoding="utf-8"?>
+<file path=ppt/slides/slide65.xml><?xml version="1.0" encoding="utf-8"?>
 <p:sld xmlns:a="http://schemas.openxmlformats.org/drawingml/2006/main" xmlns:r="http://schemas.openxmlformats.org/officeDocument/2006/relationships" xmlns:p="http://schemas.openxmlformats.org/presentationml/2006/main">
   <p:cSld>
     <p:bg>
@@ -45861,7 +45959,7 @@
 </p:sld>
 </file>
 
-<file path=ppt/slides/slide65.xml><?xml version="1.0" encoding="utf-8"?>
+<file path=ppt/slides/slide66.xml><?xml version="1.0" encoding="utf-8"?>
 <p:sld xmlns:a="http://schemas.openxmlformats.org/drawingml/2006/main" xmlns:r="http://schemas.openxmlformats.org/officeDocument/2006/relationships" xmlns:p="http://schemas.openxmlformats.org/presentationml/2006/main">
   <p:cSld>
     <p:spTree>
@@ -46067,7 +46165,7 @@
 </p:sld>
 </file>
 
-<file path=ppt/slides/slide66.xml><?xml version="1.0" encoding="utf-8"?>
+<file path=ppt/slides/slide67.xml><?xml version="1.0" encoding="utf-8"?>
 <p:sld xmlns:a="http://schemas.openxmlformats.org/drawingml/2006/main" xmlns:r="http://schemas.openxmlformats.org/officeDocument/2006/relationships" xmlns:p="http://schemas.openxmlformats.org/presentationml/2006/main">
   <p:cSld>
     <p:spTree>
@@ -46665,7 +46763,7 @@
 </p:sld>
 </file>
 
-<file path=ppt/slides/slide67.xml><?xml version="1.0" encoding="utf-8"?>
+<file path=ppt/slides/slide68.xml><?xml version="1.0" encoding="utf-8"?>
 <p:sld xmlns:a="http://schemas.openxmlformats.org/drawingml/2006/main" xmlns:r="http://schemas.openxmlformats.org/officeDocument/2006/relationships" xmlns:p="http://schemas.openxmlformats.org/presentationml/2006/main">
   <p:cSld>
     <p:bg>
@@ -46978,7 +47076,7 @@
 </p:sld>
 </file>
 
-<file path=ppt/slides/slide68.xml><?xml version="1.0" encoding="utf-8"?>
+<file path=ppt/slides/slide69.xml><?xml version="1.0" encoding="utf-8"?>
 <p:sld xmlns:a="http://schemas.openxmlformats.org/drawingml/2006/main" xmlns:r="http://schemas.openxmlformats.org/officeDocument/2006/relationships" xmlns:p="http://schemas.openxmlformats.org/presentationml/2006/main">
   <p:cSld>
     <p:bg>
@@ -47568,131 +47666,6 @@
           </a:p>
         </p:txBody>
       </p:sp>
-    </p:spTree>
-  </p:cSld>
-  <p:clrMapOvr>
-    <a:masterClrMapping/>
-  </p:clrMapOvr>
-</p:sld>
-</file>
-
-<file path=ppt/slides/slide69.xml><?xml version="1.0" encoding="utf-8"?>
-<p:sld xmlns:a="http://schemas.openxmlformats.org/drawingml/2006/main" xmlns:r="http://schemas.openxmlformats.org/officeDocument/2006/relationships" xmlns:p="http://schemas.openxmlformats.org/presentationml/2006/main">
-  <p:cSld>
-    <p:bg>
-      <p:bgPr>
-        <a:solidFill>
-          <a:srgbClr val="FFFFFF"/>
-        </a:solidFill>
-        <a:effectLst/>
-      </p:bgPr>
-    </p:bg>
-    <p:spTree>
-      <p:nvGrpSpPr>
-        <p:cNvPr id="1" name=""/>
-        <p:cNvGrpSpPr/>
-        <p:nvPr/>
-      </p:nvGrpSpPr>
-      <p:grpSpPr>
-        <a:xfrm>
-          <a:off x="0" y="0"/>
-          <a:ext cx="0" cy="0"/>
-          <a:chOff x="0" y="0"/>
-          <a:chExt cx="0" cy="0"/>
-        </a:xfrm>
-      </p:grpSpPr>
-      <p:sp>
-        <p:nvSpPr>
-          <p:cNvPr id="294" name="CustomShape 1"/>
-          <p:cNvSpPr/>
-          <p:nvPr/>
-        </p:nvSpPr>
-        <p:spPr>
-          <a:xfrm>
-            <a:off x="365040" y="100080"/>
-            <a:ext cx="8402400" cy="794880"/>
-          </a:xfrm>
-          <a:prstGeom prst="rect">
-            <a:avLst/>
-          </a:prstGeom>
-          <a:noFill/>
-          <a:ln w="9360">
-            <a:noFill/>
-          </a:ln>
-        </p:spPr>
-        <p:style>
-          <a:lnRef idx="0">
-            <a:scrgbClr r="0" g="0" b="0"/>
-          </a:lnRef>
-          <a:fillRef idx="0">
-            <a:scrgbClr r="0" g="0" b="0"/>
-          </a:fillRef>
-          <a:effectRef idx="0">
-            <a:scrgbClr r="0" g="0" b="0"/>
-          </a:effectRef>
-          <a:fontRef idx="minor"/>
-        </p:style>
-        <p:txBody>
-          <a:bodyPr lIns="90000" tIns="46800" rIns="90000" bIns="46800" anchor="ctr"/>
-          <a:lstStyle/>
-          <a:p>
-            <a:pPr>
-              <a:lnSpc>
-                <a:spcPct val="90000"/>
-              </a:lnSpc>
-            </a:pPr>
-            <a:r>
-              <a:rPr lang="en-US" sz="3200" b="1" strike="noStrike" spc="-1">
-                <a:solidFill>
-                  <a:srgbClr val="529329"/>
-                </a:solidFill>
-                <a:uFill>
-                  <a:solidFill>
-                    <a:srgbClr val="FFFFFF"/>
-                  </a:solidFill>
-                </a:uFill>
-                <a:latin typeface="微软雅黑"/>
-                <a:ea typeface="微软雅黑"/>
-              </a:rPr>
-              <a:t>推荐一个git 分支模型</a:t>
-            </a:r>
-            <a:endParaRPr lang="en-US" sz="1800" b="0" strike="noStrike" spc="-1">
-              <a:solidFill>
-                <a:srgbClr val="000000"/>
-              </a:solidFill>
-              <a:uFill>
-                <a:solidFill>
-                  <a:srgbClr val="FFFFFF"/>
-                </a:solidFill>
-              </a:uFill>
-              <a:latin typeface="Arial"/>
-            </a:endParaRPr>
-          </a:p>
-        </p:txBody>
-      </p:sp>
-      <p:pic>
-        <p:nvPicPr>
-          <p:cNvPr id="295" name="Object 2"/>
-          <p:cNvPicPr/>
-          <p:nvPr/>
-        </p:nvPicPr>
-        <p:blipFill>
-          <a:blip r:embed="rId3" cstate="print"/>
-          <a:stretch/>
-        </p:blipFill>
-        <p:spPr>
-          <a:xfrm>
-            <a:off x="3042000" y="3159000"/>
-            <a:ext cx="2881080" cy="711000"/>
-          </a:xfrm>
-          <a:prstGeom prst="rect">
-            <a:avLst/>
-          </a:prstGeom>
-          <a:ln>
-            <a:noFill/>
-          </a:ln>
-        </p:spPr>
-      </p:pic>
     </p:spTree>
   </p:cSld>
   <p:clrMapOvr>
@@ -48007,6 +47980,131 @@
       </p:grpSpPr>
       <p:sp>
         <p:nvSpPr>
+          <p:cNvPr id="294" name="CustomShape 1"/>
+          <p:cNvSpPr/>
+          <p:nvPr/>
+        </p:nvSpPr>
+        <p:spPr>
+          <a:xfrm>
+            <a:off x="365040" y="100080"/>
+            <a:ext cx="8402400" cy="794880"/>
+          </a:xfrm>
+          <a:prstGeom prst="rect">
+            <a:avLst/>
+          </a:prstGeom>
+          <a:noFill/>
+          <a:ln w="9360">
+            <a:noFill/>
+          </a:ln>
+        </p:spPr>
+        <p:style>
+          <a:lnRef idx="0">
+            <a:scrgbClr r="0" g="0" b="0"/>
+          </a:lnRef>
+          <a:fillRef idx="0">
+            <a:scrgbClr r="0" g="0" b="0"/>
+          </a:fillRef>
+          <a:effectRef idx="0">
+            <a:scrgbClr r="0" g="0" b="0"/>
+          </a:effectRef>
+          <a:fontRef idx="minor"/>
+        </p:style>
+        <p:txBody>
+          <a:bodyPr lIns="90000" tIns="46800" rIns="90000" bIns="46800" anchor="ctr"/>
+          <a:lstStyle/>
+          <a:p>
+            <a:pPr>
+              <a:lnSpc>
+                <a:spcPct val="90000"/>
+              </a:lnSpc>
+            </a:pPr>
+            <a:r>
+              <a:rPr lang="en-US" sz="3200" b="1" strike="noStrike" spc="-1">
+                <a:solidFill>
+                  <a:srgbClr val="529329"/>
+                </a:solidFill>
+                <a:uFill>
+                  <a:solidFill>
+                    <a:srgbClr val="FFFFFF"/>
+                  </a:solidFill>
+                </a:uFill>
+                <a:latin typeface="微软雅黑"/>
+                <a:ea typeface="微软雅黑"/>
+              </a:rPr>
+              <a:t>推荐一个git 分支模型</a:t>
+            </a:r>
+            <a:endParaRPr lang="en-US" sz="1800" b="0" strike="noStrike" spc="-1">
+              <a:solidFill>
+                <a:srgbClr val="000000"/>
+              </a:solidFill>
+              <a:uFill>
+                <a:solidFill>
+                  <a:srgbClr val="FFFFFF"/>
+                </a:solidFill>
+              </a:uFill>
+              <a:latin typeface="Arial"/>
+            </a:endParaRPr>
+          </a:p>
+        </p:txBody>
+      </p:sp>
+      <p:pic>
+        <p:nvPicPr>
+          <p:cNvPr id="295" name="Object 2"/>
+          <p:cNvPicPr/>
+          <p:nvPr/>
+        </p:nvPicPr>
+        <p:blipFill>
+          <a:blip r:embed="rId3" cstate="print"/>
+          <a:stretch/>
+        </p:blipFill>
+        <p:spPr>
+          <a:xfrm>
+            <a:off x="3042000" y="3159000"/>
+            <a:ext cx="2881080" cy="711000"/>
+          </a:xfrm>
+          <a:prstGeom prst="rect">
+            <a:avLst/>
+          </a:prstGeom>
+          <a:ln>
+            <a:noFill/>
+          </a:ln>
+        </p:spPr>
+      </p:pic>
+    </p:spTree>
+  </p:cSld>
+  <p:clrMapOvr>
+    <a:masterClrMapping/>
+  </p:clrMapOvr>
+</p:sld>
+</file>
+
+<file path=ppt/slides/slide71.xml><?xml version="1.0" encoding="utf-8"?>
+<p:sld xmlns:a="http://schemas.openxmlformats.org/drawingml/2006/main" xmlns:r="http://schemas.openxmlformats.org/officeDocument/2006/relationships" xmlns:p="http://schemas.openxmlformats.org/presentationml/2006/main">
+  <p:cSld>
+    <p:bg>
+      <p:bgPr>
+        <a:solidFill>
+          <a:srgbClr val="FFFFFF"/>
+        </a:solidFill>
+        <a:effectLst/>
+      </p:bgPr>
+    </p:bg>
+    <p:spTree>
+      <p:nvGrpSpPr>
+        <p:cNvPr id="1" name=""/>
+        <p:cNvGrpSpPr/>
+        <p:nvPr/>
+      </p:nvGrpSpPr>
+      <p:grpSpPr>
+        <a:xfrm>
+          <a:off x="0" y="0"/>
+          <a:ext cx="0" cy="0"/>
+          <a:chOff x="0" y="0"/>
+          <a:chExt cx="0" cy="0"/>
+        </a:xfrm>
+      </p:grpSpPr>
+      <p:sp>
+        <p:nvSpPr>
           <p:cNvPr id="297" name="CustomShape 1"/>
           <p:cNvSpPr/>
           <p:nvPr/>
@@ -48369,7 +48467,7 @@
 </p:sld>
 </file>
 
-<file path=ppt/slides/slide71.xml><?xml version="1.0" encoding="utf-8"?>
+<file path=ppt/slides/slide72.xml><?xml version="1.0" encoding="utf-8"?>
 <p:sld xmlns:a="http://schemas.openxmlformats.org/drawingml/2006/main" xmlns:r="http://schemas.openxmlformats.org/officeDocument/2006/relationships" xmlns:p="http://schemas.openxmlformats.org/presentationml/2006/main">
   <p:cSld>
     <p:bg>
@@ -48546,7 +48644,7 @@
 </p:sld>
 </file>
 
-<file path=ppt/slides/slide72.xml><?xml version="1.0" encoding="utf-8"?>
+<file path=ppt/slides/slide73.xml><?xml version="1.0" encoding="utf-8"?>
 <p:sld xmlns:a="http://schemas.openxmlformats.org/drawingml/2006/main" xmlns:r="http://schemas.openxmlformats.org/officeDocument/2006/relationships" xmlns:p="http://schemas.openxmlformats.org/presentationml/2006/main">
   <p:cSld>
     <p:bg>
@@ -48913,7 +49011,7 @@
 </p:sld>
 </file>
 
-<file path=ppt/slides/slide73.xml><?xml version="1.0" encoding="utf-8"?>
+<file path=ppt/slides/slide74.xml><?xml version="1.0" encoding="utf-8"?>
 <p:sld xmlns:a="http://schemas.openxmlformats.org/drawingml/2006/main" xmlns:r="http://schemas.openxmlformats.org/officeDocument/2006/relationships" xmlns:p="http://schemas.openxmlformats.org/presentationml/2006/main">
   <p:cSld>
     <p:bg>
@@ -49165,7 +49263,7 @@
 </p:sld>
 </file>
 
-<file path=ppt/slides/slide74.xml><?xml version="1.0" encoding="utf-8"?>
+<file path=ppt/slides/slide75.xml><?xml version="1.0" encoding="utf-8"?>
 <p:sld xmlns:a="http://schemas.openxmlformats.org/drawingml/2006/main" xmlns:r="http://schemas.openxmlformats.org/officeDocument/2006/relationships" xmlns:p="http://schemas.openxmlformats.org/presentationml/2006/main">
   <p:cSld>
     <p:bg>
@@ -49345,7 +49443,7 @@
 </p:sld>
 </file>
 
-<file path=ppt/slides/slide75.xml><?xml version="1.0" encoding="utf-8"?>
+<file path=ppt/slides/slide76.xml><?xml version="1.0" encoding="utf-8"?>
 <p:sld xmlns:a="http://schemas.openxmlformats.org/drawingml/2006/main" xmlns:r="http://schemas.openxmlformats.org/officeDocument/2006/relationships" xmlns:p="http://schemas.openxmlformats.org/presentationml/2006/main">
   <p:cSld>
     <p:bg>
@@ -49507,7 +49605,7 @@
 </p:sld>
 </file>
 
-<file path=ppt/slides/slide76.xml><?xml version="1.0" encoding="utf-8"?>
+<file path=ppt/slides/slide77.xml><?xml version="1.0" encoding="utf-8"?>
 <p:sld xmlns:a="http://schemas.openxmlformats.org/drawingml/2006/main" xmlns:r="http://schemas.openxmlformats.org/officeDocument/2006/relationships" xmlns:p="http://schemas.openxmlformats.org/presentationml/2006/main">
   <p:cSld>
     <p:bg>
@@ -49798,7 +49896,7 @@
 </p:sld>
 </file>
 
-<file path=ppt/slides/slide77.xml><?xml version="1.0" encoding="utf-8"?>
+<file path=ppt/slides/slide78.xml><?xml version="1.0" encoding="utf-8"?>
 <p:sld xmlns:a="http://schemas.openxmlformats.org/drawingml/2006/main" xmlns:r="http://schemas.openxmlformats.org/officeDocument/2006/relationships" xmlns:p="http://schemas.openxmlformats.org/presentationml/2006/main">
   <p:cSld>
     <p:bg>
@@ -50144,7 +50242,7 @@
 </p:sld>
 </file>
 
-<file path=ppt/slides/slide78.xml><?xml version="1.0" encoding="utf-8"?>
+<file path=ppt/slides/slide79.xml><?xml version="1.0" encoding="utf-8"?>
 <p:sld xmlns:a="http://schemas.openxmlformats.org/drawingml/2006/main" xmlns:r="http://schemas.openxmlformats.org/officeDocument/2006/relationships" xmlns:p="http://schemas.openxmlformats.org/presentationml/2006/main">
   <p:cSld>
     <p:spTree>
@@ -50327,415 +50425,6 @@
                 <a:ea typeface="微软雅黑"/>
               </a:rPr>
               <a:t>解决：git config http.postBuffer 524288000 (500M，大小单位是字节，根据实际情况设置即可)</a:t>
-            </a:r>
-            <a:endParaRPr lang="en-US" sz="1800" b="0" strike="noStrike" spc="-1">
-              <a:solidFill>
-                <a:srgbClr val="000000"/>
-              </a:solidFill>
-              <a:uFill>
-                <a:solidFill>
-                  <a:srgbClr val="FFFFFF"/>
-                </a:solidFill>
-              </a:uFill>
-              <a:latin typeface="Arial"/>
-            </a:endParaRPr>
-          </a:p>
-        </p:txBody>
-      </p:sp>
-    </p:spTree>
-  </p:cSld>
-  <p:clrMapOvr>
-    <a:masterClrMapping/>
-  </p:clrMapOvr>
-</p:sld>
-</file>
-
-<file path=ppt/slides/slide79.xml><?xml version="1.0" encoding="utf-8"?>
-<p:sld xmlns:a="http://schemas.openxmlformats.org/drawingml/2006/main" xmlns:r="http://schemas.openxmlformats.org/officeDocument/2006/relationships" xmlns:p="http://schemas.openxmlformats.org/presentationml/2006/main">
-  <p:cSld>
-    <p:spTree>
-      <p:nvGrpSpPr>
-        <p:cNvPr id="1" name=""/>
-        <p:cNvGrpSpPr/>
-        <p:nvPr/>
-      </p:nvGrpSpPr>
-      <p:grpSpPr>
-        <a:xfrm>
-          <a:off x="0" y="0"/>
-          <a:ext cx="0" cy="0"/>
-          <a:chOff x="0" y="0"/>
-          <a:chExt cx="0" cy="0"/>
-        </a:xfrm>
-      </p:grpSpPr>
-      <p:sp>
-        <p:nvSpPr>
-          <p:cNvPr id="319" name="CustomShape 1"/>
-          <p:cNvSpPr/>
-          <p:nvPr/>
-        </p:nvSpPr>
-        <p:spPr>
-          <a:xfrm>
-            <a:off x="365040" y="100080"/>
-            <a:ext cx="8402400" cy="794880"/>
-          </a:xfrm>
-          <a:prstGeom prst="rect">
-            <a:avLst/>
-          </a:prstGeom>
-          <a:noFill/>
-          <a:ln w="9360">
-            <a:noFill/>
-          </a:ln>
-        </p:spPr>
-        <p:style>
-          <a:lnRef idx="0">
-            <a:scrgbClr r="0" g="0" b="0"/>
-          </a:lnRef>
-          <a:fillRef idx="0">
-            <a:scrgbClr r="0" g="0" b="0"/>
-          </a:fillRef>
-          <a:effectRef idx="0">
-            <a:scrgbClr r="0" g="0" b="0"/>
-          </a:effectRef>
-          <a:fontRef idx="minor"/>
-        </p:style>
-        <p:txBody>
-          <a:bodyPr lIns="90000" tIns="46800" rIns="90000" bIns="46800" anchor="ctr"/>
-          <a:lstStyle/>
-          <a:p>
-            <a:pPr>
-              <a:lnSpc>
-                <a:spcPct val="90000"/>
-              </a:lnSpc>
-            </a:pPr>
-            <a:r>
-              <a:rPr lang="en-US" sz="3200" b="1" strike="noStrike" spc="-1">
-                <a:solidFill>
-                  <a:srgbClr val="529329"/>
-                </a:solidFill>
-                <a:uFill>
-                  <a:solidFill>
-                    <a:srgbClr val="FFFFFF"/>
-                  </a:solidFill>
-                </a:uFill>
-                <a:latin typeface="微软雅黑"/>
-                <a:ea typeface="微软雅黑"/>
-              </a:rPr>
-              <a:t>ssh方式服务器ssh端口不是默认22</a:t>
-            </a:r>
-            <a:endParaRPr lang="en-US" sz="1800" b="0" strike="noStrike" spc="-1">
-              <a:solidFill>
-                <a:srgbClr val="000000"/>
-              </a:solidFill>
-              <a:uFill>
-                <a:solidFill>
-                  <a:srgbClr val="FFFFFF"/>
-                </a:solidFill>
-              </a:uFill>
-              <a:latin typeface="Arial"/>
-            </a:endParaRPr>
-          </a:p>
-        </p:txBody>
-      </p:sp>
-      <p:sp>
-        <p:nvSpPr>
-          <p:cNvPr id="320" name="CustomShape 2"/>
-          <p:cNvSpPr/>
-          <p:nvPr/>
-        </p:nvSpPr>
-        <p:spPr>
-          <a:xfrm>
-            <a:off x="628560" y="1117440"/>
-            <a:ext cx="8138880" cy="5213160"/>
-          </a:xfrm>
-          <a:prstGeom prst="rect">
-            <a:avLst/>
-          </a:prstGeom>
-          <a:noFill/>
-          <a:ln w="9360">
-            <a:noFill/>
-          </a:ln>
-        </p:spPr>
-        <p:style>
-          <a:lnRef idx="0">
-            <a:scrgbClr r="0" g="0" b="0"/>
-          </a:lnRef>
-          <a:fillRef idx="0">
-            <a:scrgbClr r="0" g="0" b="0"/>
-          </a:fillRef>
-          <a:effectRef idx="0">
-            <a:scrgbClr r="0" g="0" b="0"/>
-          </a:effectRef>
-          <a:fontRef idx="minor"/>
-        </p:style>
-        <p:txBody>
-          <a:bodyPr lIns="90000" tIns="46800" rIns="90000" bIns="46800"/>
-          <a:lstStyle/>
-          <a:p>
-            <a:pPr marL="259200" indent="-258840" algn="just">
-              <a:lnSpc>
-                <a:spcPct val="110000"/>
-              </a:lnSpc>
-              <a:buClr>
-                <a:srgbClr val="6EC437"/>
-              </a:buClr>
-              <a:buFont typeface="Wingdings 3" charset="2"/>
-              <a:buChar char=""/>
-            </a:pPr>
-            <a:r>
-              <a:rPr lang="en-US" sz="2400" b="0" strike="noStrike" spc="-1">
-                <a:solidFill>
-                  <a:srgbClr val="6EC437"/>
-                </a:solidFill>
-                <a:uFill>
-                  <a:solidFill>
-                    <a:srgbClr val="FFFFFF"/>
-                  </a:solidFill>
-                </a:uFill>
-                <a:latin typeface="微软雅黑"/>
-                <a:ea typeface="微软雅黑"/>
-              </a:rPr>
-              <a:t>在~/.ssh/config文件里添加。</a:t>
-            </a:r>
-            <a:endParaRPr lang="en-US" sz="1800" b="0" strike="noStrike" spc="-1">
-              <a:solidFill>
-                <a:srgbClr val="000000"/>
-              </a:solidFill>
-              <a:uFill>
-                <a:solidFill>
-                  <a:srgbClr val="FFFFFF"/>
-                </a:solidFill>
-              </a:uFill>
-              <a:latin typeface="Arial"/>
-            </a:endParaRPr>
-          </a:p>
-          <a:p>
-            <a:pPr marL="259200" indent="-258840" algn="just">
-              <a:lnSpc>
-                <a:spcPct val="110000"/>
-              </a:lnSpc>
-              <a:buClr>
-                <a:srgbClr val="6EC437"/>
-              </a:buClr>
-              <a:buFont typeface="Wingdings 3" charset="2"/>
-              <a:buChar char=""/>
-            </a:pPr>
-            <a:r>
-              <a:rPr lang="en-US" sz="2400" b="0" strike="noStrike" spc="-1">
-                <a:solidFill>
-                  <a:srgbClr val="6EC437"/>
-                </a:solidFill>
-                <a:uFill>
-                  <a:solidFill>
-                    <a:srgbClr val="FFFFFF"/>
-                  </a:solidFill>
-                </a:uFill>
-                <a:latin typeface="微软雅黑"/>
-                <a:ea typeface="微软雅黑"/>
-              </a:rPr>
-              <a:t>如是以域名访问的则添加如下内容：（注意修改xxx为你的远程仓库的名称）</a:t>
-            </a:r>
-            <a:endParaRPr lang="en-US" sz="1800" b="0" strike="noStrike" spc="-1">
-              <a:solidFill>
-                <a:srgbClr val="000000"/>
-              </a:solidFill>
-              <a:uFill>
-                <a:solidFill>
-                  <a:srgbClr val="FFFFFF"/>
-                </a:solidFill>
-              </a:uFill>
-              <a:latin typeface="Arial"/>
-            </a:endParaRPr>
-          </a:p>
-          <a:p>
-            <a:pPr algn="just">
-              <a:lnSpc>
-                <a:spcPct val="110000"/>
-              </a:lnSpc>
-            </a:pPr>
-            <a:r>
-              <a:rPr lang="en-US" sz="2400" b="0" strike="noStrike" spc="-1">
-                <a:solidFill>
-                  <a:srgbClr val="6EC437"/>
-                </a:solidFill>
-                <a:uFill>
-                  <a:solidFill>
-                    <a:srgbClr val="FFFFFF"/>
-                  </a:solidFill>
-                </a:uFill>
-                <a:latin typeface="微软雅黑"/>
-                <a:ea typeface="微软雅黑"/>
-              </a:rPr>
-              <a:t>Host xxx</a:t>
-            </a:r>
-            <a:endParaRPr lang="en-US" sz="1800" b="0" strike="noStrike" spc="-1">
-              <a:solidFill>
-                <a:srgbClr val="000000"/>
-              </a:solidFill>
-              <a:uFill>
-                <a:solidFill>
-                  <a:srgbClr val="FFFFFF"/>
-                </a:solidFill>
-              </a:uFill>
-              <a:latin typeface="Arial"/>
-            </a:endParaRPr>
-          </a:p>
-          <a:p>
-            <a:pPr algn="just">
-              <a:lnSpc>
-                <a:spcPct val="110000"/>
-              </a:lnSpc>
-            </a:pPr>
-            <a:r>
-              <a:rPr lang="en-US" sz="2400" b="0" strike="noStrike" spc="-1">
-                <a:solidFill>
-                  <a:srgbClr val="6EC437"/>
-                </a:solidFill>
-                <a:uFill>
-                  <a:solidFill>
-                    <a:srgbClr val="FFFFFF"/>
-                  </a:solidFill>
-                </a:uFill>
-                <a:latin typeface="微软雅黑"/>
-                <a:ea typeface="微软雅黑"/>
-              </a:rPr>
-              <a:t>HostName xxx.com</a:t>
-            </a:r>
-            <a:endParaRPr lang="en-US" sz="1800" b="0" strike="noStrike" spc="-1">
-              <a:solidFill>
-                <a:srgbClr val="000000"/>
-              </a:solidFill>
-              <a:uFill>
-                <a:solidFill>
-                  <a:srgbClr val="FFFFFF"/>
-                </a:solidFill>
-              </a:uFill>
-              <a:latin typeface="Arial"/>
-            </a:endParaRPr>
-          </a:p>
-          <a:p>
-            <a:pPr algn="just">
-              <a:lnSpc>
-                <a:spcPct val="110000"/>
-              </a:lnSpc>
-            </a:pPr>
-            <a:r>
-              <a:rPr lang="en-US" sz="2400" b="0" strike="noStrike" spc="-1">
-                <a:solidFill>
-                  <a:srgbClr val="6EC437"/>
-                </a:solidFill>
-                <a:uFill>
-                  <a:solidFill>
-                    <a:srgbClr val="FFFFFF"/>
-                  </a:solidFill>
-                </a:uFill>
-                <a:latin typeface="微软雅黑"/>
-                <a:ea typeface="微软雅黑"/>
-              </a:rPr>
-              <a:t>Port 3333</a:t>
-            </a:r>
-            <a:endParaRPr lang="en-US" sz="1800" b="0" strike="noStrike" spc="-1">
-              <a:solidFill>
-                <a:srgbClr val="000000"/>
-              </a:solidFill>
-              <a:uFill>
-                <a:solidFill>
-                  <a:srgbClr val="FFFFFF"/>
-                </a:solidFill>
-              </a:uFill>
-              <a:latin typeface="Arial"/>
-            </a:endParaRPr>
-          </a:p>
-          <a:p>
-            <a:pPr marL="259200" indent="-258840" algn="just">
-              <a:lnSpc>
-                <a:spcPct val="110000"/>
-              </a:lnSpc>
-              <a:buClr>
-                <a:srgbClr val="6EC437"/>
-              </a:buClr>
-              <a:buFont typeface="Wingdings 3" charset="2"/>
-              <a:buChar char=""/>
-            </a:pPr>
-            <a:r>
-              <a:rPr lang="en-US" sz="2400" b="0" strike="noStrike" spc="-1">
-                <a:solidFill>
-                  <a:srgbClr val="6EC437"/>
-                </a:solidFill>
-                <a:uFill>
-                  <a:solidFill>
-                    <a:srgbClr val="FFFFFF"/>
-                  </a:solidFill>
-                </a:uFill>
-                <a:latin typeface="微软雅黑"/>
-                <a:ea typeface="微软雅黑"/>
-              </a:rPr>
-              <a:t>如是以ip访问的，则添加如下内容:（注意修改ip为你的远程仓库ip）</a:t>
-            </a:r>
-            <a:endParaRPr lang="en-US" sz="1800" b="0" strike="noStrike" spc="-1">
-              <a:solidFill>
-                <a:srgbClr val="000000"/>
-              </a:solidFill>
-              <a:uFill>
-                <a:solidFill>
-                  <a:srgbClr val="FFFFFF"/>
-                </a:solidFill>
-              </a:uFill>
-              <a:latin typeface="Arial"/>
-            </a:endParaRPr>
-          </a:p>
-          <a:p>
-            <a:pPr algn="just">
-              <a:lnSpc>
-                <a:spcPct val="110000"/>
-              </a:lnSpc>
-            </a:pPr>
-            <a:r>
-              <a:rPr lang="en-US" sz="2400" b="0" strike="noStrike" spc="-1">
-                <a:solidFill>
-                  <a:srgbClr val="6EC437"/>
-                </a:solidFill>
-                <a:uFill>
-                  <a:solidFill>
-                    <a:srgbClr val="FFFFFF"/>
-                  </a:solidFill>
-                </a:uFill>
-                <a:latin typeface="微软雅黑"/>
-                <a:ea typeface="微软雅黑"/>
-              </a:rPr>
-              <a:t>Host "211.111.xx.xxx"</a:t>
-            </a:r>
-            <a:endParaRPr lang="en-US" sz="1800" b="0" strike="noStrike" spc="-1">
-              <a:solidFill>
-                <a:srgbClr val="000000"/>
-              </a:solidFill>
-              <a:uFill>
-                <a:solidFill>
-                  <a:srgbClr val="FFFFFF"/>
-                </a:solidFill>
-              </a:uFill>
-              <a:latin typeface="Arial"/>
-            </a:endParaRPr>
-          </a:p>
-          <a:p>
-            <a:pPr algn="just">
-              <a:lnSpc>
-                <a:spcPct val="110000"/>
-              </a:lnSpc>
-            </a:pPr>
-            <a:r>
-              <a:rPr lang="en-US" sz="2400" b="0" strike="noStrike" spc="-1">
-                <a:solidFill>
-                  <a:srgbClr val="6EC437"/>
-                </a:solidFill>
-                <a:uFill>
-                  <a:solidFill>
-                    <a:srgbClr val="FFFFFF"/>
-                  </a:solidFill>
-                </a:uFill>
-                <a:latin typeface="微软雅黑"/>
-                <a:ea typeface="微软雅黑"/>
-              </a:rPr>
-              <a:t>Port 3333</a:t>
             </a:r>
             <a:endParaRPr lang="en-US" sz="1800" b="0" strike="noStrike" spc="-1">
               <a:solidFill>
@@ -50962,6 +50651,415 @@
       </p:grpSpPr>
       <p:sp>
         <p:nvSpPr>
+          <p:cNvPr id="319" name="CustomShape 1"/>
+          <p:cNvSpPr/>
+          <p:nvPr/>
+        </p:nvSpPr>
+        <p:spPr>
+          <a:xfrm>
+            <a:off x="365040" y="100080"/>
+            <a:ext cx="8402400" cy="794880"/>
+          </a:xfrm>
+          <a:prstGeom prst="rect">
+            <a:avLst/>
+          </a:prstGeom>
+          <a:noFill/>
+          <a:ln w="9360">
+            <a:noFill/>
+          </a:ln>
+        </p:spPr>
+        <p:style>
+          <a:lnRef idx="0">
+            <a:scrgbClr r="0" g="0" b="0"/>
+          </a:lnRef>
+          <a:fillRef idx="0">
+            <a:scrgbClr r="0" g="0" b="0"/>
+          </a:fillRef>
+          <a:effectRef idx="0">
+            <a:scrgbClr r="0" g="0" b="0"/>
+          </a:effectRef>
+          <a:fontRef idx="minor"/>
+        </p:style>
+        <p:txBody>
+          <a:bodyPr lIns="90000" tIns="46800" rIns="90000" bIns="46800" anchor="ctr"/>
+          <a:lstStyle/>
+          <a:p>
+            <a:pPr>
+              <a:lnSpc>
+                <a:spcPct val="90000"/>
+              </a:lnSpc>
+            </a:pPr>
+            <a:r>
+              <a:rPr lang="en-US" sz="3200" b="1" strike="noStrike" spc="-1">
+                <a:solidFill>
+                  <a:srgbClr val="529329"/>
+                </a:solidFill>
+                <a:uFill>
+                  <a:solidFill>
+                    <a:srgbClr val="FFFFFF"/>
+                  </a:solidFill>
+                </a:uFill>
+                <a:latin typeface="微软雅黑"/>
+                <a:ea typeface="微软雅黑"/>
+              </a:rPr>
+              <a:t>ssh方式服务器ssh端口不是默认22</a:t>
+            </a:r>
+            <a:endParaRPr lang="en-US" sz="1800" b="0" strike="noStrike" spc="-1">
+              <a:solidFill>
+                <a:srgbClr val="000000"/>
+              </a:solidFill>
+              <a:uFill>
+                <a:solidFill>
+                  <a:srgbClr val="FFFFFF"/>
+                </a:solidFill>
+              </a:uFill>
+              <a:latin typeface="Arial"/>
+            </a:endParaRPr>
+          </a:p>
+        </p:txBody>
+      </p:sp>
+      <p:sp>
+        <p:nvSpPr>
+          <p:cNvPr id="320" name="CustomShape 2"/>
+          <p:cNvSpPr/>
+          <p:nvPr/>
+        </p:nvSpPr>
+        <p:spPr>
+          <a:xfrm>
+            <a:off x="628560" y="1117440"/>
+            <a:ext cx="8138880" cy="5213160"/>
+          </a:xfrm>
+          <a:prstGeom prst="rect">
+            <a:avLst/>
+          </a:prstGeom>
+          <a:noFill/>
+          <a:ln w="9360">
+            <a:noFill/>
+          </a:ln>
+        </p:spPr>
+        <p:style>
+          <a:lnRef idx="0">
+            <a:scrgbClr r="0" g="0" b="0"/>
+          </a:lnRef>
+          <a:fillRef idx="0">
+            <a:scrgbClr r="0" g="0" b="0"/>
+          </a:fillRef>
+          <a:effectRef idx="0">
+            <a:scrgbClr r="0" g="0" b="0"/>
+          </a:effectRef>
+          <a:fontRef idx="minor"/>
+        </p:style>
+        <p:txBody>
+          <a:bodyPr lIns="90000" tIns="46800" rIns="90000" bIns="46800"/>
+          <a:lstStyle/>
+          <a:p>
+            <a:pPr marL="259200" indent="-258840" algn="just">
+              <a:lnSpc>
+                <a:spcPct val="110000"/>
+              </a:lnSpc>
+              <a:buClr>
+                <a:srgbClr val="6EC437"/>
+              </a:buClr>
+              <a:buFont typeface="Wingdings 3" charset="2"/>
+              <a:buChar char=""/>
+            </a:pPr>
+            <a:r>
+              <a:rPr lang="en-US" sz="2400" b="0" strike="noStrike" spc="-1">
+                <a:solidFill>
+                  <a:srgbClr val="6EC437"/>
+                </a:solidFill>
+                <a:uFill>
+                  <a:solidFill>
+                    <a:srgbClr val="FFFFFF"/>
+                  </a:solidFill>
+                </a:uFill>
+                <a:latin typeface="微软雅黑"/>
+                <a:ea typeface="微软雅黑"/>
+              </a:rPr>
+              <a:t>在~/.ssh/config文件里添加。</a:t>
+            </a:r>
+            <a:endParaRPr lang="en-US" sz="1800" b="0" strike="noStrike" spc="-1">
+              <a:solidFill>
+                <a:srgbClr val="000000"/>
+              </a:solidFill>
+              <a:uFill>
+                <a:solidFill>
+                  <a:srgbClr val="FFFFFF"/>
+                </a:solidFill>
+              </a:uFill>
+              <a:latin typeface="Arial"/>
+            </a:endParaRPr>
+          </a:p>
+          <a:p>
+            <a:pPr marL="259200" indent="-258840" algn="just">
+              <a:lnSpc>
+                <a:spcPct val="110000"/>
+              </a:lnSpc>
+              <a:buClr>
+                <a:srgbClr val="6EC437"/>
+              </a:buClr>
+              <a:buFont typeface="Wingdings 3" charset="2"/>
+              <a:buChar char=""/>
+            </a:pPr>
+            <a:r>
+              <a:rPr lang="en-US" sz="2400" b="0" strike="noStrike" spc="-1">
+                <a:solidFill>
+                  <a:srgbClr val="6EC437"/>
+                </a:solidFill>
+                <a:uFill>
+                  <a:solidFill>
+                    <a:srgbClr val="FFFFFF"/>
+                  </a:solidFill>
+                </a:uFill>
+                <a:latin typeface="微软雅黑"/>
+                <a:ea typeface="微软雅黑"/>
+              </a:rPr>
+              <a:t>如是以域名访问的则添加如下内容：（注意修改xxx为你的远程仓库的名称）</a:t>
+            </a:r>
+            <a:endParaRPr lang="en-US" sz="1800" b="0" strike="noStrike" spc="-1">
+              <a:solidFill>
+                <a:srgbClr val="000000"/>
+              </a:solidFill>
+              <a:uFill>
+                <a:solidFill>
+                  <a:srgbClr val="FFFFFF"/>
+                </a:solidFill>
+              </a:uFill>
+              <a:latin typeface="Arial"/>
+            </a:endParaRPr>
+          </a:p>
+          <a:p>
+            <a:pPr algn="just">
+              <a:lnSpc>
+                <a:spcPct val="110000"/>
+              </a:lnSpc>
+            </a:pPr>
+            <a:r>
+              <a:rPr lang="en-US" sz="2400" b="0" strike="noStrike" spc="-1">
+                <a:solidFill>
+                  <a:srgbClr val="6EC437"/>
+                </a:solidFill>
+                <a:uFill>
+                  <a:solidFill>
+                    <a:srgbClr val="FFFFFF"/>
+                  </a:solidFill>
+                </a:uFill>
+                <a:latin typeface="微软雅黑"/>
+                <a:ea typeface="微软雅黑"/>
+              </a:rPr>
+              <a:t>Host xxx</a:t>
+            </a:r>
+            <a:endParaRPr lang="en-US" sz="1800" b="0" strike="noStrike" spc="-1">
+              <a:solidFill>
+                <a:srgbClr val="000000"/>
+              </a:solidFill>
+              <a:uFill>
+                <a:solidFill>
+                  <a:srgbClr val="FFFFFF"/>
+                </a:solidFill>
+              </a:uFill>
+              <a:latin typeface="Arial"/>
+            </a:endParaRPr>
+          </a:p>
+          <a:p>
+            <a:pPr algn="just">
+              <a:lnSpc>
+                <a:spcPct val="110000"/>
+              </a:lnSpc>
+            </a:pPr>
+            <a:r>
+              <a:rPr lang="en-US" sz="2400" b="0" strike="noStrike" spc="-1">
+                <a:solidFill>
+                  <a:srgbClr val="6EC437"/>
+                </a:solidFill>
+                <a:uFill>
+                  <a:solidFill>
+                    <a:srgbClr val="FFFFFF"/>
+                  </a:solidFill>
+                </a:uFill>
+                <a:latin typeface="微软雅黑"/>
+                <a:ea typeface="微软雅黑"/>
+              </a:rPr>
+              <a:t>HostName xxx.com</a:t>
+            </a:r>
+            <a:endParaRPr lang="en-US" sz="1800" b="0" strike="noStrike" spc="-1">
+              <a:solidFill>
+                <a:srgbClr val="000000"/>
+              </a:solidFill>
+              <a:uFill>
+                <a:solidFill>
+                  <a:srgbClr val="FFFFFF"/>
+                </a:solidFill>
+              </a:uFill>
+              <a:latin typeface="Arial"/>
+            </a:endParaRPr>
+          </a:p>
+          <a:p>
+            <a:pPr algn="just">
+              <a:lnSpc>
+                <a:spcPct val="110000"/>
+              </a:lnSpc>
+            </a:pPr>
+            <a:r>
+              <a:rPr lang="en-US" sz="2400" b="0" strike="noStrike" spc="-1">
+                <a:solidFill>
+                  <a:srgbClr val="6EC437"/>
+                </a:solidFill>
+                <a:uFill>
+                  <a:solidFill>
+                    <a:srgbClr val="FFFFFF"/>
+                  </a:solidFill>
+                </a:uFill>
+                <a:latin typeface="微软雅黑"/>
+                <a:ea typeface="微软雅黑"/>
+              </a:rPr>
+              <a:t>Port 3333</a:t>
+            </a:r>
+            <a:endParaRPr lang="en-US" sz="1800" b="0" strike="noStrike" spc="-1">
+              <a:solidFill>
+                <a:srgbClr val="000000"/>
+              </a:solidFill>
+              <a:uFill>
+                <a:solidFill>
+                  <a:srgbClr val="FFFFFF"/>
+                </a:solidFill>
+              </a:uFill>
+              <a:latin typeface="Arial"/>
+            </a:endParaRPr>
+          </a:p>
+          <a:p>
+            <a:pPr marL="259200" indent="-258840" algn="just">
+              <a:lnSpc>
+                <a:spcPct val="110000"/>
+              </a:lnSpc>
+              <a:buClr>
+                <a:srgbClr val="6EC437"/>
+              </a:buClr>
+              <a:buFont typeface="Wingdings 3" charset="2"/>
+              <a:buChar char=""/>
+            </a:pPr>
+            <a:r>
+              <a:rPr lang="en-US" sz="2400" b="0" strike="noStrike" spc="-1">
+                <a:solidFill>
+                  <a:srgbClr val="6EC437"/>
+                </a:solidFill>
+                <a:uFill>
+                  <a:solidFill>
+                    <a:srgbClr val="FFFFFF"/>
+                  </a:solidFill>
+                </a:uFill>
+                <a:latin typeface="微软雅黑"/>
+                <a:ea typeface="微软雅黑"/>
+              </a:rPr>
+              <a:t>如是以ip访问的，则添加如下内容:（注意修改ip为你的远程仓库ip）</a:t>
+            </a:r>
+            <a:endParaRPr lang="en-US" sz="1800" b="0" strike="noStrike" spc="-1">
+              <a:solidFill>
+                <a:srgbClr val="000000"/>
+              </a:solidFill>
+              <a:uFill>
+                <a:solidFill>
+                  <a:srgbClr val="FFFFFF"/>
+                </a:solidFill>
+              </a:uFill>
+              <a:latin typeface="Arial"/>
+            </a:endParaRPr>
+          </a:p>
+          <a:p>
+            <a:pPr algn="just">
+              <a:lnSpc>
+                <a:spcPct val="110000"/>
+              </a:lnSpc>
+            </a:pPr>
+            <a:r>
+              <a:rPr lang="en-US" sz="2400" b="0" strike="noStrike" spc="-1">
+                <a:solidFill>
+                  <a:srgbClr val="6EC437"/>
+                </a:solidFill>
+                <a:uFill>
+                  <a:solidFill>
+                    <a:srgbClr val="FFFFFF"/>
+                  </a:solidFill>
+                </a:uFill>
+                <a:latin typeface="微软雅黑"/>
+                <a:ea typeface="微软雅黑"/>
+              </a:rPr>
+              <a:t>Host "211.111.xx.xxx"</a:t>
+            </a:r>
+            <a:endParaRPr lang="en-US" sz="1800" b="0" strike="noStrike" spc="-1">
+              <a:solidFill>
+                <a:srgbClr val="000000"/>
+              </a:solidFill>
+              <a:uFill>
+                <a:solidFill>
+                  <a:srgbClr val="FFFFFF"/>
+                </a:solidFill>
+              </a:uFill>
+              <a:latin typeface="Arial"/>
+            </a:endParaRPr>
+          </a:p>
+          <a:p>
+            <a:pPr algn="just">
+              <a:lnSpc>
+                <a:spcPct val="110000"/>
+              </a:lnSpc>
+            </a:pPr>
+            <a:r>
+              <a:rPr lang="en-US" sz="2400" b="0" strike="noStrike" spc="-1">
+                <a:solidFill>
+                  <a:srgbClr val="6EC437"/>
+                </a:solidFill>
+                <a:uFill>
+                  <a:solidFill>
+                    <a:srgbClr val="FFFFFF"/>
+                  </a:solidFill>
+                </a:uFill>
+                <a:latin typeface="微软雅黑"/>
+                <a:ea typeface="微软雅黑"/>
+              </a:rPr>
+              <a:t>Port 3333</a:t>
+            </a:r>
+            <a:endParaRPr lang="en-US" sz="1800" b="0" strike="noStrike" spc="-1">
+              <a:solidFill>
+                <a:srgbClr val="000000"/>
+              </a:solidFill>
+              <a:uFill>
+                <a:solidFill>
+                  <a:srgbClr val="FFFFFF"/>
+                </a:solidFill>
+              </a:uFill>
+              <a:latin typeface="Arial"/>
+            </a:endParaRPr>
+          </a:p>
+        </p:txBody>
+      </p:sp>
+    </p:spTree>
+  </p:cSld>
+  <p:clrMapOvr>
+    <a:masterClrMapping/>
+  </p:clrMapOvr>
+</p:sld>
+</file>
+
+<file path=ppt/slides/slide81.xml><?xml version="1.0" encoding="utf-8"?>
+<p:sld xmlns:a="http://schemas.openxmlformats.org/drawingml/2006/main" xmlns:r="http://schemas.openxmlformats.org/officeDocument/2006/relationships" xmlns:p="http://schemas.openxmlformats.org/presentationml/2006/main">
+  <p:cSld>
+    <p:spTree>
+      <p:nvGrpSpPr>
+        <p:cNvPr id="1" name=""/>
+        <p:cNvGrpSpPr/>
+        <p:nvPr/>
+      </p:nvGrpSpPr>
+      <p:grpSpPr>
+        <a:xfrm>
+          <a:off x="0" y="0"/>
+          <a:ext cx="0" cy="0"/>
+          <a:chOff x="0" y="0"/>
+          <a:chExt cx="0" cy="0"/>
+        </a:xfrm>
+      </p:grpSpPr>
+      <p:sp>
+        <p:nvSpPr>
           <p:cNvPr id="321" name="CustomShape 1"/>
           <p:cNvSpPr/>
           <p:nvPr/>
@@ -51811,7 +51909,7 @@
 </p:sld>
 </file>
 
-<file path=ppt/slides/slide81.xml><?xml version="1.0" encoding="utf-8"?>
+<file path=ppt/slides/slide82.xml><?xml version="1.0" encoding="utf-8"?>
 <p:sld xmlns:a="http://schemas.openxmlformats.org/drawingml/2006/main" xmlns:r="http://schemas.openxmlformats.org/officeDocument/2006/relationships" xmlns:p="http://schemas.openxmlformats.org/presentationml/2006/main">
   <p:cSld>
     <p:spTree>
@@ -52121,7 +52219,7 @@
 </p:sld>
 </file>
 
-<file path=ppt/slides/slide82.xml><?xml version="1.0" encoding="utf-8"?>
+<file path=ppt/slides/slide83.xml><?xml version="1.0" encoding="utf-8"?>
 <p:sld xmlns:a="http://schemas.openxmlformats.org/drawingml/2006/main" xmlns:r="http://schemas.openxmlformats.org/officeDocument/2006/relationships" xmlns:p="http://schemas.openxmlformats.org/presentationml/2006/main">
   <p:cSld>
     <p:spTree>
@@ -52345,7 +52443,7 @@
 </p:sld>
 </file>
 
-<file path=ppt/slides/slide83.xml><?xml version="1.0" encoding="utf-8"?>
+<file path=ppt/slides/slide84.xml><?xml version="1.0" encoding="utf-8"?>
 <p:sld xmlns:a="http://schemas.openxmlformats.org/drawingml/2006/main" xmlns:r="http://schemas.openxmlformats.org/officeDocument/2006/relationships" xmlns:p="http://schemas.openxmlformats.org/presentationml/2006/main">
   <p:cSld>
     <p:bg>
@@ -52597,7 +52695,7 @@
 </p:sld>
 </file>
 
-<file path=ppt/slides/slide84.xml><?xml version="1.0" encoding="utf-8"?>
+<file path=ppt/slides/slide85.xml><?xml version="1.0" encoding="utf-8"?>
 <p:sld xmlns:a="http://schemas.openxmlformats.org/drawingml/2006/main" xmlns:r="http://schemas.openxmlformats.org/officeDocument/2006/relationships" xmlns:p="http://schemas.openxmlformats.org/presentationml/2006/main">
   <p:cSld>
     <p:bg>
@@ -52782,7 +52880,7 @@
 </p:sld>
 </file>
 
-<file path=ppt/slides/slide85.xml><?xml version="1.0" encoding="utf-8"?>
+<file path=ppt/slides/slide86.xml><?xml version="1.0" encoding="utf-8"?>
 <p:sld xmlns:a="http://schemas.openxmlformats.org/drawingml/2006/main" xmlns:r="http://schemas.openxmlformats.org/officeDocument/2006/relationships" xmlns:p="http://schemas.openxmlformats.org/presentationml/2006/main">
   <p:cSld>
     <p:bg>
